--- a/docs/diagrams/UndoRedoActivityDiagram.pptx
+++ b/docs/diagrams/UndoRedoActivityDiagram.pptx
@@ -138,7 +138,7 @@
           <p:cNvPr id="2" name="Title 1">
             <a:extLst>
               <a:ext uri="{FF2B5EF4-FFF2-40B4-BE49-F238E27FC236}">
-                <a16:creationId xmlns:a16="http://schemas.microsoft.com/office/drawing/2014/main" id="{CE1B3102-23FE-4A07-92CF-8DB8025B5C54}"/>
+                <a16:creationId xmlns:a16="http://schemas.microsoft.com/office/drawing/2014/main" xmlns="" id="{CE1B3102-23FE-4A07-92CF-8DB8025B5C54}"/>
               </a:ext>
             </a:extLst>
           </p:cNvPr>
@@ -176,7 +176,7 @@
           <p:cNvPr id="3" name="Subtitle 2">
             <a:extLst>
               <a:ext uri="{FF2B5EF4-FFF2-40B4-BE49-F238E27FC236}">
-                <a16:creationId xmlns:a16="http://schemas.microsoft.com/office/drawing/2014/main" id="{09A64644-374F-4763-B477-E75EED09E18A}"/>
+                <a16:creationId xmlns:a16="http://schemas.microsoft.com/office/drawing/2014/main" xmlns="" id="{09A64644-374F-4763-B477-E75EED09E18A}"/>
               </a:ext>
             </a:extLst>
           </p:cNvPr>
@@ -247,7 +247,7 @@
           <p:cNvPr id="4" name="Date Placeholder 3">
             <a:extLst>
               <a:ext uri="{FF2B5EF4-FFF2-40B4-BE49-F238E27FC236}">
-                <a16:creationId xmlns:a16="http://schemas.microsoft.com/office/drawing/2014/main" id="{26CAD04B-553E-4EE0-8FEC-DA9E05F22F2C}"/>
+                <a16:creationId xmlns:a16="http://schemas.microsoft.com/office/drawing/2014/main" xmlns="" id="{26CAD04B-553E-4EE0-8FEC-DA9E05F22F2C}"/>
               </a:ext>
             </a:extLst>
           </p:cNvPr>
@@ -265,7 +265,7 @@
           <a:p>
             <a:fld id="{542F47FF-5056-41FF-A1F8-23A414798AA4}" type="datetimeFigureOut">
               <a:rPr lang="en-SG" smtClean="0"/>
-              <a:t>6/7/2018</a:t>
+              <a:t>4/3/19</a:t>
             </a:fld>
             <a:endParaRPr lang="en-SG"/>
           </a:p>
@@ -276,7 +276,7 @@
           <p:cNvPr id="5" name="Footer Placeholder 4">
             <a:extLst>
               <a:ext uri="{FF2B5EF4-FFF2-40B4-BE49-F238E27FC236}">
-                <a16:creationId xmlns:a16="http://schemas.microsoft.com/office/drawing/2014/main" id="{E6F42670-2AD7-448C-BB6C-D759C9255DEB}"/>
+                <a16:creationId xmlns:a16="http://schemas.microsoft.com/office/drawing/2014/main" xmlns="" id="{E6F42670-2AD7-448C-BB6C-D759C9255DEB}"/>
               </a:ext>
             </a:extLst>
           </p:cNvPr>
@@ -301,7 +301,7 @@
           <p:cNvPr id="6" name="Slide Number Placeholder 5">
             <a:extLst>
               <a:ext uri="{FF2B5EF4-FFF2-40B4-BE49-F238E27FC236}">
-                <a16:creationId xmlns:a16="http://schemas.microsoft.com/office/drawing/2014/main" id="{8CFAA546-9089-42A6-8CCB-5E88855E6CB1}"/>
+                <a16:creationId xmlns:a16="http://schemas.microsoft.com/office/drawing/2014/main" xmlns="" id="{8CFAA546-9089-42A6-8CCB-5E88855E6CB1}"/>
               </a:ext>
             </a:extLst>
           </p:cNvPr>
@@ -360,7 +360,7 @@
           <p:cNvPr id="2" name="Title 1">
             <a:extLst>
               <a:ext uri="{FF2B5EF4-FFF2-40B4-BE49-F238E27FC236}">
-                <a16:creationId xmlns:a16="http://schemas.microsoft.com/office/drawing/2014/main" id="{C73C8897-08BA-4903-B8F2-48E6E6713059}"/>
+                <a16:creationId xmlns:a16="http://schemas.microsoft.com/office/drawing/2014/main" xmlns="" id="{C73C8897-08BA-4903-B8F2-48E6E6713059}"/>
               </a:ext>
             </a:extLst>
           </p:cNvPr>
@@ -389,7 +389,7 @@
           <p:cNvPr id="3" name="Vertical Text Placeholder 2">
             <a:extLst>
               <a:ext uri="{FF2B5EF4-FFF2-40B4-BE49-F238E27FC236}">
-                <a16:creationId xmlns:a16="http://schemas.microsoft.com/office/drawing/2014/main" id="{F4DB86F3-F3A8-4AC4-A2D0-18858F9E9EAF}"/>
+                <a16:creationId xmlns:a16="http://schemas.microsoft.com/office/drawing/2014/main" xmlns="" id="{F4DB86F3-F3A8-4AC4-A2D0-18858F9E9EAF}"/>
               </a:ext>
             </a:extLst>
           </p:cNvPr>
@@ -447,7 +447,7 @@
           <p:cNvPr id="4" name="Date Placeholder 3">
             <a:extLst>
               <a:ext uri="{FF2B5EF4-FFF2-40B4-BE49-F238E27FC236}">
-                <a16:creationId xmlns:a16="http://schemas.microsoft.com/office/drawing/2014/main" id="{22C4FC92-3E88-48DC-9327-19CD6A48E96D}"/>
+                <a16:creationId xmlns:a16="http://schemas.microsoft.com/office/drawing/2014/main" xmlns="" id="{22C4FC92-3E88-48DC-9327-19CD6A48E96D}"/>
               </a:ext>
             </a:extLst>
           </p:cNvPr>
@@ -465,7 +465,7 @@
           <a:p>
             <a:fld id="{542F47FF-5056-41FF-A1F8-23A414798AA4}" type="datetimeFigureOut">
               <a:rPr lang="en-SG" smtClean="0"/>
-              <a:t>6/7/2018</a:t>
+              <a:t>4/3/19</a:t>
             </a:fld>
             <a:endParaRPr lang="en-SG"/>
           </a:p>
@@ -476,7 +476,7 @@
           <p:cNvPr id="5" name="Footer Placeholder 4">
             <a:extLst>
               <a:ext uri="{FF2B5EF4-FFF2-40B4-BE49-F238E27FC236}">
-                <a16:creationId xmlns:a16="http://schemas.microsoft.com/office/drawing/2014/main" id="{AA190F3C-D185-4E17-A1B5-D7F4DF331BE0}"/>
+                <a16:creationId xmlns:a16="http://schemas.microsoft.com/office/drawing/2014/main" xmlns="" id="{AA190F3C-D185-4E17-A1B5-D7F4DF331BE0}"/>
               </a:ext>
             </a:extLst>
           </p:cNvPr>
@@ -501,7 +501,7 @@
           <p:cNvPr id="6" name="Slide Number Placeholder 5">
             <a:extLst>
               <a:ext uri="{FF2B5EF4-FFF2-40B4-BE49-F238E27FC236}">
-                <a16:creationId xmlns:a16="http://schemas.microsoft.com/office/drawing/2014/main" id="{0F2506F5-483C-4F84-8363-1D309E459ADD}"/>
+                <a16:creationId xmlns:a16="http://schemas.microsoft.com/office/drawing/2014/main" xmlns="" id="{0F2506F5-483C-4F84-8363-1D309E459ADD}"/>
               </a:ext>
             </a:extLst>
           </p:cNvPr>
@@ -560,7 +560,7 @@
           <p:cNvPr id="2" name="Vertical Title 1">
             <a:extLst>
               <a:ext uri="{FF2B5EF4-FFF2-40B4-BE49-F238E27FC236}">
-                <a16:creationId xmlns:a16="http://schemas.microsoft.com/office/drawing/2014/main" id="{967C03EB-4647-4E98-B84F-7651E807A990}"/>
+                <a16:creationId xmlns:a16="http://schemas.microsoft.com/office/drawing/2014/main" xmlns="" id="{967C03EB-4647-4E98-B84F-7651E807A990}"/>
               </a:ext>
             </a:extLst>
           </p:cNvPr>
@@ -594,7 +594,7 @@
           <p:cNvPr id="3" name="Vertical Text Placeholder 2">
             <a:extLst>
               <a:ext uri="{FF2B5EF4-FFF2-40B4-BE49-F238E27FC236}">
-                <a16:creationId xmlns:a16="http://schemas.microsoft.com/office/drawing/2014/main" id="{22B1D2A8-918A-4854-959C-EDA5D46D2D74}"/>
+                <a16:creationId xmlns:a16="http://schemas.microsoft.com/office/drawing/2014/main" xmlns="" id="{22B1D2A8-918A-4854-959C-EDA5D46D2D74}"/>
               </a:ext>
             </a:extLst>
           </p:cNvPr>
@@ -657,7 +657,7 @@
           <p:cNvPr id="4" name="Date Placeholder 3">
             <a:extLst>
               <a:ext uri="{FF2B5EF4-FFF2-40B4-BE49-F238E27FC236}">
-                <a16:creationId xmlns:a16="http://schemas.microsoft.com/office/drawing/2014/main" id="{3F77D3B6-616A-4D06-980E-5A7866F9BB49}"/>
+                <a16:creationId xmlns:a16="http://schemas.microsoft.com/office/drawing/2014/main" xmlns="" id="{3F77D3B6-616A-4D06-980E-5A7866F9BB49}"/>
               </a:ext>
             </a:extLst>
           </p:cNvPr>
@@ -675,7 +675,7 @@
           <a:p>
             <a:fld id="{542F47FF-5056-41FF-A1F8-23A414798AA4}" type="datetimeFigureOut">
               <a:rPr lang="en-SG" smtClean="0"/>
-              <a:t>6/7/2018</a:t>
+              <a:t>4/3/19</a:t>
             </a:fld>
             <a:endParaRPr lang="en-SG"/>
           </a:p>
@@ -686,7 +686,7 @@
           <p:cNvPr id="5" name="Footer Placeholder 4">
             <a:extLst>
               <a:ext uri="{FF2B5EF4-FFF2-40B4-BE49-F238E27FC236}">
-                <a16:creationId xmlns:a16="http://schemas.microsoft.com/office/drawing/2014/main" id="{20525AA2-4FD6-4C5E-B28C-2C71AF011737}"/>
+                <a16:creationId xmlns:a16="http://schemas.microsoft.com/office/drawing/2014/main" xmlns="" id="{20525AA2-4FD6-4C5E-B28C-2C71AF011737}"/>
               </a:ext>
             </a:extLst>
           </p:cNvPr>
@@ -711,7 +711,7 @@
           <p:cNvPr id="6" name="Slide Number Placeholder 5">
             <a:extLst>
               <a:ext uri="{FF2B5EF4-FFF2-40B4-BE49-F238E27FC236}">
-                <a16:creationId xmlns:a16="http://schemas.microsoft.com/office/drawing/2014/main" id="{4E040DF9-BA3F-440A-8819-8D374D74F15E}"/>
+                <a16:creationId xmlns:a16="http://schemas.microsoft.com/office/drawing/2014/main" xmlns="" id="{4E040DF9-BA3F-440A-8819-8D374D74F15E}"/>
               </a:ext>
             </a:extLst>
           </p:cNvPr>
@@ -770,7 +770,7 @@
           <p:cNvPr id="2" name="Title 1">
             <a:extLst>
               <a:ext uri="{FF2B5EF4-FFF2-40B4-BE49-F238E27FC236}">
-                <a16:creationId xmlns:a16="http://schemas.microsoft.com/office/drawing/2014/main" id="{75C804EA-614F-485C-A53F-C32B83B67A30}"/>
+                <a16:creationId xmlns:a16="http://schemas.microsoft.com/office/drawing/2014/main" xmlns="" id="{75C804EA-614F-485C-A53F-C32B83B67A30}"/>
               </a:ext>
             </a:extLst>
           </p:cNvPr>
@@ -799,7 +799,7 @@
           <p:cNvPr id="3" name="Content Placeholder 2">
             <a:extLst>
               <a:ext uri="{FF2B5EF4-FFF2-40B4-BE49-F238E27FC236}">
-                <a16:creationId xmlns:a16="http://schemas.microsoft.com/office/drawing/2014/main" id="{912A86A6-5554-4D2F-97BB-2D649E738506}"/>
+                <a16:creationId xmlns:a16="http://schemas.microsoft.com/office/drawing/2014/main" xmlns="" id="{912A86A6-5554-4D2F-97BB-2D649E738506}"/>
               </a:ext>
             </a:extLst>
           </p:cNvPr>
@@ -857,7 +857,7 @@
           <p:cNvPr id="4" name="Date Placeholder 3">
             <a:extLst>
               <a:ext uri="{FF2B5EF4-FFF2-40B4-BE49-F238E27FC236}">
-                <a16:creationId xmlns:a16="http://schemas.microsoft.com/office/drawing/2014/main" id="{69704FB4-4D28-4A39-B81F-407E0DDD475C}"/>
+                <a16:creationId xmlns:a16="http://schemas.microsoft.com/office/drawing/2014/main" xmlns="" id="{69704FB4-4D28-4A39-B81F-407E0DDD475C}"/>
               </a:ext>
             </a:extLst>
           </p:cNvPr>
@@ -875,7 +875,7 @@
           <a:p>
             <a:fld id="{542F47FF-5056-41FF-A1F8-23A414798AA4}" type="datetimeFigureOut">
               <a:rPr lang="en-SG" smtClean="0"/>
-              <a:t>6/7/2018</a:t>
+              <a:t>4/3/19</a:t>
             </a:fld>
             <a:endParaRPr lang="en-SG"/>
           </a:p>
@@ -886,7 +886,7 @@
           <p:cNvPr id="5" name="Footer Placeholder 4">
             <a:extLst>
               <a:ext uri="{FF2B5EF4-FFF2-40B4-BE49-F238E27FC236}">
-                <a16:creationId xmlns:a16="http://schemas.microsoft.com/office/drawing/2014/main" id="{AFDB90F4-6173-409D-8731-A4C292C33336}"/>
+                <a16:creationId xmlns:a16="http://schemas.microsoft.com/office/drawing/2014/main" xmlns="" id="{AFDB90F4-6173-409D-8731-A4C292C33336}"/>
               </a:ext>
             </a:extLst>
           </p:cNvPr>
@@ -911,7 +911,7 @@
           <p:cNvPr id="6" name="Slide Number Placeholder 5">
             <a:extLst>
               <a:ext uri="{FF2B5EF4-FFF2-40B4-BE49-F238E27FC236}">
-                <a16:creationId xmlns:a16="http://schemas.microsoft.com/office/drawing/2014/main" id="{0C00E245-E701-4B2E-925D-4322EFA20D66}"/>
+                <a16:creationId xmlns:a16="http://schemas.microsoft.com/office/drawing/2014/main" xmlns="" id="{0C00E245-E701-4B2E-925D-4322EFA20D66}"/>
               </a:ext>
             </a:extLst>
           </p:cNvPr>
@@ -970,7 +970,7 @@
           <p:cNvPr id="2" name="Title 1">
             <a:extLst>
               <a:ext uri="{FF2B5EF4-FFF2-40B4-BE49-F238E27FC236}">
-                <a16:creationId xmlns:a16="http://schemas.microsoft.com/office/drawing/2014/main" id="{2237510E-B988-4DCB-9C02-932F190AC101}"/>
+                <a16:creationId xmlns:a16="http://schemas.microsoft.com/office/drawing/2014/main" xmlns="" id="{2237510E-B988-4DCB-9C02-932F190AC101}"/>
               </a:ext>
             </a:extLst>
           </p:cNvPr>
@@ -1008,7 +1008,7 @@
           <p:cNvPr id="3" name="Text Placeholder 2">
             <a:extLst>
               <a:ext uri="{FF2B5EF4-FFF2-40B4-BE49-F238E27FC236}">
-                <a16:creationId xmlns:a16="http://schemas.microsoft.com/office/drawing/2014/main" id="{784A23DD-6E19-4939-A085-751F973752F5}"/>
+                <a16:creationId xmlns:a16="http://schemas.microsoft.com/office/drawing/2014/main" xmlns="" id="{784A23DD-6E19-4939-A085-751F973752F5}"/>
               </a:ext>
             </a:extLst>
           </p:cNvPr>
@@ -1133,7 +1133,7 @@
           <p:cNvPr id="4" name="Date Placeholder 3">
             <a:extLst>
               <a:ext uri="{FF2B5EF4-FFF2-40B4-BE49-F238E27FC236}">
-                <a16:creationId xmlns:a16="http://schemas.microsoft.com/office/drawing/2014/main" id="{CD5B15F4-A7B8-4D17-8C46-94AC6465D19A}"/>
+                <a16:creationId xmlns:a16="http://schemas.microsoft.com/office/drawing/2014/main" xmlns="" id="{CD5B15F4-A7B8-4D17-8C46-94AC6465D19A}"/>
               </a:ext>
             </a:extLst>
           </p:cNvPr>
@@ -1151,7 +1151,7 @@
           <a:p>
             <a:fld id="{542F47FF-5056-41FF-A1F8-23A414798AA4}" type="datetimeFigureOut">
               <a:rPr lang="en-SG" smtClean="0"/>
-              <a:t>6/7/2018</a:t>
+              <a:t>4/3/19</a:t>
             </a:fld>
             <a:endParaRPr lang="en-SG"/>
           </a:p>
@@ -1162,7 +1162,7 @@
           <p:cNvPr id="5" name="Footer Placeholder 4">
             <a:extLst>
               <a:ext uri="{FF2B5EF4-FFF2-40B4-BE49-F238E27FC236}">
-                <a16:creationId xmlns:a16="http://schemas.microsoft.com/office/drawing/2014/main" id="{0CC0B098-2820-40C0-8166-283BB17CD72D}"/>
+                <a16:creationId xmlns:a16="http://schemas.microsoft.com/office/drawing/2014/main" xmlns="" id="{0CC0B098-2820-40C0-8166-283BB17CD72D}"/>
               </a:ext>
             </a:extLst>
           </p:cNvPr>
@@ -1187,7 +1187,7 @@
           <p:cNvPr id="6" name="Slide Number Placeholder 5">
             <a:extLst>
               <a:ext uri="{FF2B5EF4-FFF2-40B4-BE49-F238E27FC236}">
-                <a16:creationId xmlns:a16="http://schemas.microsoft.com/office/drawing/2014/main" id="{CA1D6085-5297-4CE0-858B-F5A8477F21A1}"/>
+                <a16:creationId xmlns:a16="http://schemas.microsoft.com/office/drawing/2014/main" xmlns="" id="{CA1D6085-5297-4CE0-858B-F5A8477F21A1}"/>
               </a:ext>
             </a:extLst>
           </p:cNvPr>
@@ -1246,7 +1246,7 @@
           <p:cNvPr id="2" name="Title 1">
             <a:extLst>
               <a:ext uri="{FF2B5EF4-FFF2-40B4-BE49-F238E27FC236}">
-                <a16:creationId xmlns:a16="http://schemas.microsoft.com/office/drawing/2014/main" id="{C8312645-9305-4015-B5DF-8CD06CE54CD2}"/>
+                <a16:creationId xmlns:a16="http://schemas.microsoft.com/office/drawing/2014/main" xmlns="" id="{C8312645-9305-4015-B5DF-8CD06CE54CD2}"/>
               </a:ext>
             </a:extLst>
           </p:cNvPr>
@@ -1275,7 +1275,7 @@
           <p:cNvPr id="3" name="Content Placeholder 2">
             <a:extLst>
               <a:ext uri="{FF2B5EF4-FFF2-40B4-BE49-F238E27FC236}">
-                <a16:creationId xmlns:a16="http://schemas.microsoft.com/office/drawing/2014/main" id="{5F718F3D-23A6-4BAE-A195-9290BED99436}"/>
+                <a16:creationId xmlns:a16="http://schemas.microsoft.com/office/drawing/2014/main" xmlns="" id="{5F718F3D-23A6-4BAE-A195-9290BED99436}"/>
               </a:ext>
             </a:extLst>
           </p:cNvPr>
@@ -1338,7 +1338,7 @@
           <p:cNvPr id="4" name="Content Placeholder 3">
             <a:extLst>
               <a:ext uri="{FF2B5EF4-FFF2-40B4-BE49-F238E27FC236}">
-                <a16:creationId xmlns:a16="http://schemas.microsoft.com/office/drawing/2014/main" id="{987DE0C4-EF3A-42E6-9D3E-22C7A0BC9A37}"/>
+                <a16:creationId xmlns:a16="http://schemas.microsoft.com/office/drawing/2014/main" xmlns="" id="{987DE0C4-EF3A-42E6-9D3E-22C7A0BC9A37}"/>
               </a:ext>
             </a:extLst>
           </p:cNvPr>
@@ -1401,7 +1401,7 @@
           <p:cNvPr id="5" name="Date Placeholder 4">
             <a:extLst>
               <a:ext uri="{FF2B5EF4-FFF2-40B4-BE49-F238E27FC236}">
-                <a16:creationId xmlns:a16="http://schemas.microsoft.com/office/drawing/2014/main" id="{E4BFA167-4D74-44D4-AA06-F7DBEA7BB015}"/>
+                <a16:creationId xmlns:a16="http://schemas.microsoft.com/office/drawing/2014/main" xmlns="" id="{E4BFA167-4D74-44D4-AA06-F7DBEA7BB015}"/>
               </a:ext>
             </a:extLst>
           </p:cNvPr>
@@ -1419,7 +1419,7 @@
           <a:p>
             <a:fld id="{542F47FF-5056-41FF-A1F8-23A414798AA4}" type="datetimeFigureOut">
               <a:rPr lang="en-SG" smtClean="0"/>
-              <a:t>6/7/2018</a:t>
+              <a:t>4/3/19</a:t>
             </a:fld>
             <a:endParaRPr lang="en-SG"/>
           </a:p>
@@ -1430,7 +1430,7 @@
           <p:cNvPr id="6" name="Footer Placeholder 5">
             <a:extLst>
               <a:ext uri="{FF2B5EF4-FFF2-40B4-BE49-F238E27FC236}">
-                <a16:creationId xmlns:a16="http://schemas.microsoft.com/office/drawing/2014/main" id="{000F966C-5803-470B-AFA7-C187FB7AE76F}"/>
+                <a16:creationId xmlns:a16="http://schemas.microsoft.com/office/drawing/2014/main" xmlns="" id="{000F966C-5803-470B-AFA7-C187FB7AE76F}"/>
               </a:ext>
             </a:extLst>
           </p:cNvPr>
@@ -1455,7 +1455,7 @@
           <p:cNvPr id="7" name="Slide Number Placeholder 6">
             <a:extLst>
               <a:ext uri="{FF2B5EF4-FFF2-40B4-BE49-F238E27FC236}">
-                <a16:creationId xmlns:a16="http://schemas.microsoft.com/office/drawing/2014/main" id="{C5072683-17F0-489D-BA30-0EAE1A9786AE}"/>
+                <a16:creationId xmlns:a16="http://schemas.microsoft.com/office/drawing/2014/main" xmlns="" id="{C5072683-17F0-489D-BA30-0EAE1A9786AE}"/>
               </a:ext>
             </a:extLst>
           </p:cNvPr>
@@ -1514,7 +1514,7 @@
           <p:cNvPr id="2" name="Title 1">
             <a:extLst>
               <a:ext uri="{FF2B5EF4-FFF2-40B4-BE49-F238E27FC236}">
-                <a16:creationId xmlns:a16="http://schemas.microsoft.com/office/drawing/2014/main" id="{CEC7B897-F9D1-4F32-BB47-48174A5ED64C}"/>
+                <a16:creationId xmlns:a16="http://schemas.microsoft.com/office/drawing/2014/main" xmlns="" id="{CEC7B897-F9D1-4F32-BB47-48174A5ED64C}"/>
               </a:ext>
             </a:extLst>
           </p:cNvPr>
@@ -1548,7 +1548,7 @@
           <p:cNvPr id="3" name="Text Placeholder 2">
             <a:extLst>
               <a:ext uri="{FF2B5EF4-FFF2-40B4-BE49-F238E27FC236}">
-                <a16:creationId xmlns:a16="http://schemas.microsoft.com/office/drawing/2014/main" id="{F641612B-9729-43C6-B566-AD5088E65020}"/>
+                <a16:creationId xmlns:a16="http://schemas.microsoft.com/office/drawing/2014/main" xmlns="" id="{F641612B-9729-43C6-B566-AD5088E65020}"/>
               </a:ext>
             </a:extLst>
           </p:cNvPr>
@@ -1619,7 +1619,7 @@
           <p:cNvPr id="4" name="Content Placeholder 3">
             <a:extLst>
               <a:ext uri="{FF2B5EF4-FFF2-40B4-BE49-F238E27FC236}">
-                <a16:creationId xmlns:a16="http://schemas.microsoft.com/office/drawing/2014/main" id="{C9E1DDFB-755B-486A-8E6E-CC7CFE66970C}"/>
+                <a16:creationId xmlns:a16="http://schemas.microsoft.com/office/drawing/2014/main" xmlns="" id="{C9E1DDFB-755B-486A-8E6E-CC7CFE66970C}"/>
               </a:ext>
             </a:extLst>
           </p:cNvPr>
@@ -1682,7 +1682,7 @@
           <p:cNvPr id="5" name="Text Placeholder 4">
             <a:extLst>
               <a:ext uri="{FF2B5EF4-FFF2-40B4-BE49-F238E27FC236}">
-                <a16:creationId xmlns:a16="http://schemas.microsoft.com/office/drawing/2014/main" id="{9C513BAE-7453-4E00-A4D1-7192F85ACD26}"/>
+                <a16:creationId xmlns:a16="http://schemas.microsoft.com/office/drawing/2014/main" xmlns="" id="{9C513BAE-7453-4E00-A4D1-7192F85ACD26}"/>
               </a:ext>
             </a:extLst>
           </p:cNvPr>
@@ -1753,7 +1753,7 @@
           <p:cNvPr id="6" name="Content Placeholder 5">
             <a:extLst>
               <a:ext uri="{FF2B5EF4-FFF2-40B4-BE49-F238E27FC236}">
-                <a16:creationId xmlns:a16="http://schemas.microsoft.com/office/drawing/2014/main" id="{CD44104D-C0AE-4458-869E-DFF710C415CC}"/>
+                <a16:creationId xmlns:a16="http://schemas.microsoft.com/office/drawing/2014/main" xmlns="" id="{CD44104D-C0AE-4458-869E-DFF710C415CC}"/>
               </a:ext>
             </a:extLst>
           </p:cNvPr>
@@ -1816,7 +1816,7 @@
           <p:cNvPr id="7" name="Date Placeholder 6">
             <a:extLst>
               <a:ext uri="{FF2B5EF4-FFF2-40B4-BE49-F238E27FC236}">
-                <a16:creationId xmlns:a16="http://schemas.microsoft.com/office/drawing/2014/main" id="{4CB7CAF3-D690-40A3-88F7-9D0D17864C18}"/>
+                <a16:creationId xmlns:a16="http://schemas.microsoft.com/office/drawing/2014/main" xmlns="" id="{4CB7CAF3-D690-40A3-88F7-9D0D17864C18}"/>
               </a:ext>
             </a:extLst>
           </p:cNvPr>
@@ -1834,7 +1834,7 @@
           <a:p>
             <a:fld id="{542F47FF-5056-41FF-A1F8-23A414798AA4}" type="datetimeFigureOut">
               <a:rPr lang="en-SG" smtClean="0"/>
-              <a:t>6/7/2018</a:t>
+              <a:t>4/3/19</a:t>
             </a:fld>
             <a:endParaRPr lang="en-SG"/>
           </a:p>
@@ -1845,7 +1845,7 @@
           <p:cNvPr id="8" name="Footer Placeholder 7">
             <a:extLst>
               <a:ext uri="{FF2B5EF4-FFF2-40B4-BE49-F238E27FC236}">
-                <a16:creationId xmlns:a16="http://schemas.microsoft.com/office/drawing/2014/main" id="{E3FCCAB0-63DD-4704-AA42-E4F81E641DA3}"/>
+                <a16:creationId xmlns:a16="http://schemas.microsoft.com/office/drawing/2014/main" xmlns="" id="{E3FCCAB0-63DD-4704-AA42-E4F81E641DA3}"/>
               </a:ext>
             </a:extLst>
           </p:cNvPr>
@@ -1870,7 +1870,7 @@
           <p:cNvPr id="9" name="Slide Number Placeholder 8">
             <a:extLst>
               <a:ext uri="{FF2B5EF4-FFF2-40B4-BE49-F238E27FC236}">
-                <a16:creationId xmlns:a16="http://schemas.microsoft.com/office/drawing/2014/main" id="{604EFCC3-8687-4BC3-9C9E-60FD561B237F}"/>
+                <a16:creationId xmlns:a16="http://schemas.microsoft.com/office/drawing/2014/main" xmlns="" id="{604EFCC3-8687-4BC3-9C9E-60FD561B237F}"/>
               </a:ext>
             </a:extLst>
           </p:cNvPr>
@@ -1929,7 +1929,7 @@
           <p:cNvPr id="2" name="Title 1">
             <a:extLst>
               <a:ext uri="{FF2B5EF4-FFF2-40B4-BE49-F238E27FC236}">
-                <a16:creationId xmlns:a16="http://schemas.microsoft.com/office/drawing/2014/main" id="{D324AE97-E2C9-4642-887A-4474C5566AA6}"/>
+                <a16:creationId xmlns:a16="http://schemas.microsoft.com/office/drawing/2014/main" xmlns="" id="{D324AE97-E2C9-4642-887A-4474C5566AA6}"/>
               </a:ext>
             </a:extLst>
           </p:cNvPr>
@@ -1958,7 +1958,7 @@
           <p:cNvPr id="3" name="Date Placeholder 2">
             <a:extLst>
               <a:ext uri="{FF2B5EF4-FFF2-40B4-BE49-F238E27FC236}">
-                <a16:creationId xmlns:a16="http://schemas.microsoft.com/office/drawing/2014/main" id="{919EDCEA-D8A9-431E-AF93-4824C03FD0F2}"/>
+                <a16:creationId xmlns:a16="http://schemas.microsoft.com/office/drawing/2014/main" xmlns="" id="{919EDCEA-D8A9-431E-AF93-4824C03FD0F2}"/>
               </a:ext>
             </a:extLst>
           </p:cNvPr>
@@ -1976,7 +1976,7 @@
           <a:p>
             <a:fld id="{542F47FF-5056-41FF-A1F8-23A414798AA4}" type="datetimeFigureOut">
               <a:rPr lang="en-SG" smtClean="0"/>
-              <a:t>6/7/2018</a:t>
+              <a:t>4/3/19</a:t>
             </a:fld>
             <a:endParaRPr lang="en-SG"/>
           </a:p>
@@ -1987,7 +1987,7 @@
           <p:cNvPr id="4" name="Footer Placeholder 3">
             <a:extLst>
               <a:ext uri="{FF2B5EF4-FFF2-40B4-BE49-F238E27FC236}">
-                <a16:creationId xmlns:a16="http://schemas.microsoft.com/office/drawing/2014/main" id="{1F13DD51-16D3-435A-A475-0C2A7255A05E}"/>
+                <a16:creationId xmlns:a16="http://schemas.microsoft.com/office/drawing/2014/main" xmlns="" id="{1F13DD51-16D3-435A-A475-0C2A7255A05E}"/>
               </a:ext>
             </a:extLst>
           </p:cNvPr>
@@ -2012,7 +2012,7 @@
           <p:cNvPr id="5" name="Slide Number Placeholder 4">
             <a:extLst>
               <a:ext uri="{FF2B5EF4-FFF2-40B4-BE49-F238E27FC236}">
-                <a16:creationId xmlns:a16="http://schemas.microsoft.com/office/drawing/2014/main" id="{3D7AC15F-BADE-4466-835A-57B1A9E5162B}"/>
+                <a16:creationId xmlns:a16="http://schemas.microsoft.com/office/drawing/2014/main" xmlns="" id="{3D7AC15F-BADE-4466-835A-57B1A9E5162B}"/>
               </a:ext>
             </a:extLst>
           </p:cNvPr>
@@ -2071,7 +2071,7 @@
           <p:cNvPr id="2" name="Date Placeholder 1">
             <a:extLst>
               <a:ext uri="{FF2B5EF4-FFF2-40B4-BE49-F238E27FC236}">
-                <a16:creationId xmlns:a16="http://schemas.microsoft.com/office/drawing/2014/main" id="{48F01CC8-EEC4-4B3C-8C73-3EBB7DCEBE67}"/>
+                <a16:creationId xmlns:a16="http://schemas.microsoft.com/office/drawing/2014/main" xmlns="" id="{48F01CC8-EEC4-4B3C-8C73-3EBB7DCEBE67}"/>
               </a:ext>
             </a:extLst>
           </p:cNvPr>
@@ -2089,7 +2089,7 @@
           <a:p>
             <a:fld id="{542F47FF-5056-41FF-A1F8-23A414798AA4}" type="datetimeFigureOut">
               <a:rPr lang="en-SG" smtClean="0"/>
-              <a:t>6/7/2018</a:t>
+              <a:t>4/3/19</a:t>
             </a:fld>
             <a:endParaRPr lang="en-SG"/>
           </a:p>
@@ -2100,7 +2100,7 @@
           <p:cNvPr id="3" name="Footer Placeholder 2">
             <a:extLst>
               <a:ext uri="{FF2B5EF4-FFF2-40B4-BE49-F238E27FC236}">
-                <a16:creationId xmlns:a16="http://schemas.microsoft.com/office/drawing/2014/main" id="{4D820BAF-6E28-43DA-9E9B-8C229AB2A964}"/>
+                <a16:creationId xmlns:a16="http://schemas.microsoft.com/office/drawing/2014/main" xmlns="" id="{4D820BAF-6E28-43DA-9E9B-8C229AB2A964}"/>
               </a:ext>
             </a:extLst>
           </p:cNvPr>
@@ -2125,7 +2125,7 @@
           <p:cNvPr id="4" name="Slide Number Placeholder 3">
             <a:extLst>
               <a:ext uri="{FF2B5EF4-FFF2-40B4-BE49-F238E27FC236}">
-                <a16:creationId xmlns:a16="http://schemas.microsoft.com/office/drawing/2014/main" id="{49BFE3EF-B472-4F66-80D5-1B722E8086E6}"/>
+                <a16:creationId xmlns:a16="http://schemas.microsoft.com/office/drawing/2014/main" xmlns="" id="{49BFE3EF-B472-4F66-80D5-1B722E8086E6}"/>
               </a:ext>
             </a:extLst>
           </p:cNvPr>
@@ -2184,7 +2184,7 @@
           <p:cNvPr id="2" name="Title 1">
             <a:extLst>
               <a:ext uri="{FF2B5EF4-FFF2-40B4-BE49-F238E27FC236}">
-                <a16:creationId xmlns:a16="http://schemas.microsoft.com/office/drawing/2014/main" id="{E1ABDE73-0F58-47D3-8C8B-C147DE1C0B22}"/>
+                <a16:creationId xmlns:a16="http://schemas.microsoft.com/office/drawing/2014/main" xmlns="" id="{E1ABDE73-0F58-47D3-8C8B-C147DE1C0B22}"/>
               </a:ext>
             </a:extLst>
           </p:cNvPr>
@@ -2222,7 +2222,7 @@
           <p:cNvPr id="3" name="Content Placeholder 2">
             <a:extLst>
               <a:ext uri="{FF2B5EF4-FFF2-40B4-BE49-F238E27FC236}">
-                <a16:creationId xmlns:a16="http://schemas.microsoft.com/office/drawing/2014/main" id="{0167F6A8-B979-42A6-B421-40577DD5582F}"/>
+                <a16:creationId xmlns:a16="http://schemas.microsoft.com/office/drawing/2014/main" xmlns="" id="{0167F6A8-B979-42A6-B421-40577DD5582F}"/>
               </a:ext>
             </a:extLst>
           </p:cNvPr>
@@ -2313,7 +2313,7 @@
           <p:cNvPr id="4" name="Text Placeholder 3">
             <a:extLst>
               <a:ext uri="{FF2B5EF4-FFF2-40B4-BE49-F238E27FC236}">
-                <a16:creationId xmlns:a16="http://schemas.microsoft.com/office/drawing/2014/main" id="{6887A488-06FE-46E9-8AC5-DF38A61CCF05}"/>
+                <a16:creationId xmlns:a16="http://schemas.microsoft.com/office/drawing/2014/main" xmlns="" id="{6887A488-06FE-46E9-8AC5-DF38A61CCF05}"/>
               </a:ext>
             </a:extLst>
           </p:cNvPr>
@@ -2384,7 +2384,7 @@
           <p:cNvPr id="5" name="Date Placeholder 4">
             <a:extLst>
               <a:ext uri="{FF2B5EF4-FFF2-40B4-BE49-F238E27FC236}">
-                <a16:creationId xmlns:a16="http://schemas.microsoft.com/office/drawing/2014/main" id="{1225C56B-78B2-45C0-A8A9-C9D435A286D0}"/>
+                <a16:creationId xmlns:a16="http://schemas.microsoft.com/office/drawing/2014/main" xmlns="" id="{1225C56B-78B2-45C0-A8A9-C9D435A286D0}"/>
               </a:ext>
             </a:extLst>
           </p:cNvPr>
@@ -2402,7 +2402,7 @@
           <a:p>
             <a:fld id="{542F47FF-5056-41FF-A1F8-23A414798AA4}" type="datetimeFigureOut">
               <a:rPr lang="en-SG" smtClean="0"/>
-              <a:t>6/7/2018</a:t>
+              <a:t>4/3/19</a:t>
             </a:fld>
             <a:endParaRPr lang="en-SG"/>
           </a:p>
@@ -2413,7 +2413,7 @@
           <p:cNvPr id="6" name="Footer Placeholder 5">
             <a:extLst>
               <a:ext uri="{FF2B5EF4-FFF2-40B4-BE49-F238E27FC236}">
-                <a16:creationId xmlns:a16="http://schemas.microsoft.com/office/drawing/2014/main" id="{3F9E1B9E-B673-4E26-9323-D731DC395F9C}"/>
+                <a16:creationId xmlns:a16="http://schemas.microsoft.com/office/drawing/2014/main" xmlns="" id="{3F9E1B9E-B673-4E26-9323-D731DC395F9C}"/>
               </a:ext>
             </a:extLst>
           </p:cNvPr>
@@ -2438,7 +2438,7 @@
           <p:cNvPr id="7" name="Slide Number Placeholder 6">
             <a:extLst>
               <a:ext uri="{FF2B5EF4-FFF2-40B4-BE49-F238E27FC236}">
-                <a16:creationId xmlns:a16="http://schemas.microsoft.com/office/drawing/2014/main" id="{6633AB4A-8EB3-4154-869B-5580DEDF4F79}"/>
+                <a16:creationId xmlns:a16="http://schemas.microsoft.com/office/drawing/2014/main" xmlns="" id="{6633AB4A-8EB3-4154-869B-5580DEDF4F79}"/>
               </a:ext>
             </a:extLst>
           </p:cNvPr>
@@ -2497,7 +2497,7 @@
           <p:cNvPr id="2" name="Title 1">
             <a:extLst>
               <a:ext uri="{FF2B5EF4-FFF2-40B4-BE49-F238E27FC236}">
-                <a16:creationId xmlns:a16="http://schemas.microsoft.com/office/drawing/2014/main" id="{61D5430E-44A7-4B67-9F34-F532D5533356}"/>
+                <a16:creationId xmlns:a16="http://schemas.microsoft.com/office/drawing/2014/main" xmlns="" id="{61D5430E-44A7-4B67-9F34-F532D5533356}"/>
               </a:ext>
             </a:extLst>
           </p:cNvPr>
@@ -2535,7 +2535,7 @@
           <p:cNvPr id="3" name="Picture Placeholder 2">
             <a:extLst>
               <a:ext uri="{FF2B5EF4-FFF2-40B4-BE49-F238E27FC236}">
-                <a16:creationId xmlns:a16="http://schemas.microsoft.com/office/drawing/2014/main" id="{94374BCC-AC4A-4ED0-A7BD-6B2491EAED7E}"/>
+                <a16:creationId xmlns:a16="http://schemas.microsoft.com/office/drawing/2014/main" xmlns="" id="{94374BCC-AC4A-4ED0-A7BD-6B2491EAED7E}"/>
               </a:ext>
             </a:extLst>
           </p:cNvPr>
@@ -2602,7 +2602,7 @@
           <p:cNvPr id="4" name="Text Placeholder 3">
             <a:extLst>
               <a:ext uri="{FF2B5EF4-FFF2-40B4-BE49-F238E27FC236}">
-                <a16:creationId xmlns:a16="http://schemas.microsoft.com/office/drawing/2014/main" id="{5AD4568E-164B-462E-9285-49B735DD9DE7}"/>
+                <a16:creationId xmlns:a16="http://schemas.microsoft.com/office/drawing/2014/main" xmlns="" id="{5AD4568E-164B-462E-9285-49B735DD9DE7}"/>
               </a:ext>
             </a:extLst>
           </p:cNvPr>
@@ -2673,7 +2673,7 @@
           <p:cNvPr id="5" name="Date Placeholder 4">
             <a:extLst>
               <a:ext uri="{FF2B5EF4-FFF2-40B4-BE49-F238E27FC236}">
-                <a16:creationId xmlns:a16="http://schemas.microsoft.com/office/drawing/2014/main" id="{ABD88AB5-C9D0-4013-85B4-2228545F24AD}"/>
+                <a16:creationId xmlns:a16="http://schemas.microsoft.com/office/drawing/2014/main" xmlns="" id="{ABD88AB5-C9D0-4013-85B4-2228545F24AD}"/>
               </a:ext>
             </a:extLst>
           </p:cNvPr>
@@ -2691,7 +2691,7 @@
           <a:p>
             <a:fld id="{542F47FF-5056-41FF-A1F8-23A414798AA4}" type="datetimeFigureOut">
               <a:rPr lang="en-SG" smtClean="0"/>
-              <a:t>6/7/2018</a:t>
+              <a:t>4/3/19</a:t>
             </a:fld>
             <a:endParaRPr lang="en-SG"/>
           </a:p>
@@ -2702,7 +2702,7 @@
           <p:cNvPr id="6" name="Footer Placeholder 5">
             <a:extLst>
               <a:ext uri="{FF2B5EF4-FFF2-40B4-BE49-F238E27FC236}">
-                <a16:creationId xmlns:a16="http://schemas.microsoft.com/office/drawing/2014/main" id="{6378A798-E2A6-4417-A003-DE553E8EC325}"/>
+                <a16:creationId xmlns:a16="http://schemas.microsoft.com/office/drawing/2014/main" xmlns="" id="{6378A798-E2A6-4417-A003-DE553E8EC325}"/>
               </a:ext>
             </a:extLst>
           </p:cNvPr>
@@ -2727,7 +2727,7 @@
           <p:cNvPr id="7" name="Slide Number Placeholder 6">
             <a:extLst>
               <a:ext uri="{FF2B5EF4-FFF2-40B4-BE49-F238E27FC236}">
-                <a16:creationId xmlns:a16="http://schemas.microsoft.com/office/drawing/2014/main" id="{7BC6852D-C345-455C-9499-B57AE4D2D943}"/>
+                <a16:creationId xmlns:a16="http://schemas.microsoft.com/office/drawing/2014/main" xmlns="" id="{7BC6852D-C345-455C-9499-B57AE4D2D943}"/>
               </a:ext>
             </a:extLst>
           </p:cNvPr>
@@ -2791,7 +2791,7 @@
           <p:cNvPr id="2" name="Title Placeholder 1">
             <a:extLst>
               <a:ext uri="{FF2B5EF4-FFF2-40B4-BE49-F238E27FC236}">
-                <a16:creationId xmlns:a16="http://schemas.microsoft.com/office/drawing/2014/main" id="{CF097353-E272-4974-B34C-369C28928CA1}"/>
+                <a16:creationId xmlns:a16="http://schemas.microsoft.com/office/drawing/2014/main" xmlns="" id="{CF097353-E272-4974-B34C-369C28928CA1}"/>
               </a:ext>
             </a:extLst>
           </p:cNvPr>
@@ -2830,7 +2830,7 @@
           <p:cNvPr id="3" name="Text Placeholder 2">
             <a:extLst>
               <a:ext uri="{FF2B5EF4-FFF2-40B4-BE49-F238E27FC236}">
-                <a16:creationId xmlns:a16="http://schemas.microsoft.com/office/drawing/2014/main" id="{BB1BE290-84C1-4415-A557-1ACC36D1226C}"/>
+                <a16:creationId xmlns:a16="http://schemas.microsoft.com/office/drawing/2014/main" xmlns="" id="{BB1BE290-84C1-4415-A557-1ACC36D1226C}"/>
               </a:ext>
             </a:extLst>
           </p:cNvPr>
@@ -2898,7 +2898,7 @@
           <p:cNvPr id="4" name="Date Placeholder 3">
             <a:extLst>
               <a:ext uri="{FF2B5EF4-FFF2-40B4-BE49-F238E27FC236}">
-                <a16:creationId xmlns:a16="http://schemas.microsoft.com/office/drawing/2014/main" id="{F7EAAB47-96EA-44D5-8293-0D696F52A395}"/>
+                <a16:creationId xmlns:a16="http://schemas.microsoft.com/office/drawing/2014/main" xmlns="" id="{F7EAAB47-96EA-44D5-8293-0D696F52A395}"/>
               </a:ext>
             </a:extLst>
           </p:cNvPr>
@@ -2934,7 +2934,7 @@
           <a:p>
             <a:fld id="{542F47FF-5056-41FF-A1F8-23A414798AA4}" type="datetimeFigureOut">
               <a:rPr lang="en-SG" smtClean="0"/>
-              <a:t>6/7/2018</a:t>
+              <a:t>4/3/19</a:t>
             </a:fld>
             <a:endParaRPr lang="en-SG"/>
           </a:p>
@@ -2945,7 +2945,7 @@
           <p:cNvPr id="5" name="Footer Placeholder 4">
             <a:extLst>
               <a:ext uri="{FF2B5EF4-FFF2-40B4-BE49-F238E27FC236}">
-                <a16:creationId xmlns:a16="http://schemas.microsoft.com/office/drawing/2014/main" id="{F21C6E84-C98D-4391-98A0-E77A4221131C}"/>
+                <a16:creationId xmlns:a16="http://schemas.microsoft.com/office/drawing/2014/main" xmlns="" id="{F21C6E84-C98D-4391-98A0-E77A4221131C}"/>
               </a:ext>
             </a:extLst>
           </p:cNvPr>
@@ -2988,7 +2988,7 @@
           <p:cNvPr id="6" name="Slide Number Placeholder 5">
             <a:extLst>
               <a:ext uri="{FF2B5EF4-FFF2-40B4-BE49-F238E27FC236}">
-                <a16:creationId xmlns:a16="http://schemas.microsoft.com/office/drawing/2014/main" id="{FB352E9C-7394-48E0-A08D-56390F6520E1}"/>
+                <a16:creationId xmlns:a16="http://schemas.microsoft.com/office/drawing/2014/main" xmlns="" id="{FB352E9C-7394-48E0-A08D-56390F6520E1}"/>
               </a:ext>
             </a:extLst>
           </p:cNvPr>
@@ -3356,7 +3356,7 @@
           <p:cNvPr id="4" name="Oval 3">
             <a:extLst>
               <a:ext uri="{FF2B5EF4-FFF2-40B4-BE49-F238E27FC236}">
-                <a16:creationId xmlns:a16="http://schemas.microsoft.com/office/drawing/2014/main" id="{D45F487B-A914-4C8E-B564-00C9D621567D}"/>
+                <a16:creationId xmlns:a16="http://schemas.microsoft.com/office/drawing/2014/main" xmlns="" id="{D45F487B-A914-4C8E-B564-00C9D621567D}"/>
               </a:ext>
             </a:extLst>
           </p:cNvPr>
@@ -3405,7 +3405,7 @@
           <p:cNvPr id="6" name="Straight Arrow Connector 5">
             <a:extLst>
               <a:ext uri="{FF2B5EF4-FFF2-40B4-BE49-F238E27FC236}">
-                <a16:creationId xmlns:a16="http://schemas.microsoft.com/office/drawing/2014/main" id="{73D6638D-34B0-4D9A-B7DC-62ABF1C7D407}"/>
+                <a16:creationId xmlns:a16="http://schemas.microsoft.com/office/drawing/2014/main" xmlns="" id="{73D6638D-34B0-4D9A-B7DC-62ABF1C7D407}"/>
               </a:ext>
             </a:extLst>
           </p:cNvPr>
@@ -3448,7 +3448,7 @@
           <p:cNvPr id="8" name="Rectangle: Rounded Corners 7">
             <a:extLst>
               <a:ext uri="{FF2B5EF4-FFF2-40B4-BE49-F238E27FC236}">
-                <a16:creationId xmlns:a16="http://schemas.microsoft.com/office/drawing/2014/main" id="{C13E6F3C-30CD-49FB-94D8-AF011F54E935}"/>
+                <a16:creationId xmlns:a16="http://schemas.microsoft.com/office/drawing/2014/main" xmlns="" id="{C13E6F3C-30CD-49FB-94D8-AF011F54E935}"/>
               </a:ext>
             </a:extLst>
           </p:cNvPr>
@@ -3500,7 +3500,7 @@
           <p:cNvPr id="9" name="Straight Arrow Connector 8">
             <a:extLst>
               <a:ext uri="{FF2B5EF4-FFF2-40B4-BE49-F238E27FC236}">
-                <a16:creationId xmlns:a16="http://schemas.microsoft.com/office/drawing/2014/main" id="{6A0B3198-7B18-417D-A041-B13DF5BAE7A6}"/>
+                <a16:creationId xmlns:a16="http://schemas.microsoft.com/office/drawing/2014/main" xmlns="" id="{6A0B3198-7B18-417D-A041-B13DF5BAE7A6}"/>
               </a:ext>
             </a:extLst>
           </p:cNvPr>
@@ -3543,7 +3543,7 @@
           <p:cNvPr id="46" name="Diamond 45">
             <a:extLst>
               <a:ext uri="{FF2B5EF4-FFF2-40B4-BE49-F238E27FC236}">
-                <a16:creationId xmlns:a16="http://schemas.microsoft.com/office/drawing/2014/main" id="{FDB4A38F-F816-4320-82EB-071E9BA2EFAB}"/>
+                <a16:creationId xmlns:a16="http://schemas.microsoft.com/office/drawing/2014/main" xmlns="" id="{FDB4A38F-F816-4320-82EB-071E9BA2EFAB}"/>
               </a:ext>
             </a:extLst>
           </p:cNvPr>
@@ -3592,7 +3592,7 @@
           <p:cNvPr id="47" name="TextBox 46">
             <a:extLst>
               <a:ext uri="{FF2B5EF4-FFF2-40B4-BE49-F238E27FC236}">
-                <a16:creationId xmlns:a16="http://schemas.microsoft.com/office/drawing/2014/main" id="{791A7435-1CBD-4D64-B373-CDF617409EFD}"/>
+                <a16:creationId xmlns:a16="http://schemas.microsoft.com/office/drawing/2014/main" xmlns="" id="{791A7435-1CBD-4D64-B373-CDF617409EFD}"/>
               </a:ext>
             </a:extLst>
           </p:cNvPr>
@@ -3627,7 +3627,7 @@
           <p:cNvPr id="48" name="TextBox 47">
             <a:extLst>
               <a:ext uri="{FF2B5EF4-FFF2-40B4-BE49-F238E27FC236}">
-                <a16:creationId xmlns:a16="http://schemas.microsoft.com/office/drawing/2014/main" id="{300470AD-DA4C-4F16-91F5-E3E560CDBEFC}"/>
+                <a16:creationId xmlns:a16="http://schemas.microsoft.com/office/drawing/2014/main" xmlns="" id="{300470AD-DA4C-4F16-91F5-E3E560CDBEFC}"/>
               </a:ext>
             </a:extLst>
           </p:cNvPr>
@@ -3656,7 +3656,11 @@
             </a:r>
             <a:r>
               <a:rPr lang="en-US" dirty="0"/>
-              <a:t>command commits address book]</a:t>
+              <a:t>command commits </a:t>
+            </a:r>
+            <a:r>
+              <a:rPr lang="en-US" dirty="0" smtClean="0"/>
+              <a:t>book list]</a:t>
             </a:r>
             <a:endParaRPr lang="en-SG" sz="1801" dirty="0"/>
           </a:p>
@@ -3667,7 +3671,7 @@
           <p:cNvPr id="51" name="Rectangle: Rounded Corners 50">
             <a:extLst>
               <a:ext uri="{FF2B5EF4-FFF2-40B4-BE49-F238E27FC236}">
-                <a16:creationId xmlns:a16="http://schemas.microsoft.com/office/drawing/2014/main" id="{D62D81FC-C644-4602-90C8-B7974D14CA54}"/>
+                <a16:creationId xmlns:a16="http://schemas.microsoft.com/office/drawing/2014/main" xmlns="" id="{D62D81FC-C644-4602-90C8-B7974D14CA54}"/>
               </a:ext>
             </a:extLst>
           </p:cNvPr>
@@ -3709,16 +3713,25 @@
             <a:pPr algn="ctr"/>
             <a:r>
               <a:rPr lang="en-SG" sz="1801" dirty="0"/>
-              <a:t>Purge redundant states and then save address book to </a:t>
-            </a:r>
-            <a:r>
-              <a:rPr lang="en-SG" sz="1801" dirty="0" err="1"/>
-              <a:t>addressBookStateList</a:t>
+              <a:t>Purge redundant states and then save </a:t>
+            </a:r>
+            <a:r>
+              <a:rPr lang="en-SG" sz="1801" dirty="0" smtClean="0"/>
+              <a:t>book list </a:t>
             </a:r>
             <a:r>
               <a:rPr lang="en-SG" sz="1801" dirty="0"/>
+              <a:t>to </a:t>
+            </a:r>
+            <a:r>
+              <a:rPr lang="en-SG" sz="1801" dirty="0" err="1" smtClean="0"/>
+              <a:t>bookListStateList</a:t>
+            </a:r>
+            <a:r>
+              <a:rPr lang="en-SG" sz="1801" dirty="0" smtClean="0"/>
               <a:t> </a:t>
             </a:r>
+            <a:endParaRPr lang="en-SG" sz="1801" dirty="0"/>
           </a:p>
         </p:txBody>
       </p:sp>
@@ -3727,7 +3740,7 @@
           <p:cNvPr id="56" name="Diamond 55">
             <a:extLst>
               <a:ext uri="{FF2B5EF4-FFF2-40B4-BE49-F238E27FC236}">
-                <a16:creationId xmlns:a16="http://schemas.microsoft.com/office/drawing/2014/main" id="{0ACD7DC4-F31E-42B2-9D34-41B1AE997EB1}"/>
+                <a16:creationId xmlns:a16="http://schemas.microsoft.com/office/drawing/2014/main" xmlns="" id="{0ACD7DC4-F31E-42B2-9D34-41B1AE997EB1}"/>
               </a:ext>
             </a:extLst>
           </p:cNvPr>
@@ -3776,7 +3789,7 @@
           <p:cNvPr id="69" name="Straight Arrow Connector 68">
             <a:extLst>
               <a:ext uri="{FF2B5EF4-FFF2-40B4-BE49-F238E27FC236}">
-                <a16:creationId xmlns:a16="http://schemas.microsoft.com/office/drawing/2014/main" id="{7BE2639B-14BA-4C9C-9964-899CEF3278C9}"/>
+                <a16:creationId xmlns:a16="http://schemas.microsoft.com/office/drawing/2014/main" xmlns="" id="{7BE2639B-14BA-4C9C-9964-899CEF3278C9}"/>
               </a:ext>
             </a:extLst>
           </p:cNvPr>
@@ -3819,7 +3832,7 @@
           <p:cNvPr id="75" name="Group 74">
             <a:extLst>
               <a:ext uri="{FF2B5EF4-FFF2-40B4-BE49-F238E27FC236}">
-                <a16:creationId xmlns:a16="http://schemas.microsoft.com/office/drawing/2014/main" id="{A48F4168-7D41-4ED6-97F1-58289DDE3C4D}"/>
+                <a16:creationId xmlns:a16="http://schemas.microsoft.com/office/drawing/2014/main" xmlns="" id="{A48F4168-7D41-4ED6-97F1-58289DDE3C4D}"/>
               </a:ext>
             </a:extLst>
           </p:cNvPr>
@@ -3839,7 +3852,7 @@
             <p:cNvPr id="68" name="Oval 67">
               <a:extLst>
                 <a:ext uri="{FF2B5EF4-FFF2-40B4-BE49-F238E27FC236}">
-                  <a16:creationId xmlns:a16="http://schemas.microsoft.com/office/drawing/2014/main" id="{E423C8D7-553D-4A16-BA68-78DB113CAEC3}"/>
+                  <a16:creationId xmlns:a16="http://schemas.microsoft.com/office/drawing/2014/main" xmlns="" id="{E423C8D7-553D-4A16-BA68-78DB113CAEC3}"/>
                 </a:ext>
               </a:extLst>
             </p:cNvPr>
@@ -3891,7 +3904,7 @@
             <p:cNvPr id="71" name="Oval 70">
               <a:extLst>
                 <a:ext uri="{FF2B5EF4-FFF2-40B4-BE49-F238E27FC236}">
-                  <a16:creationId xmlns:a16="http://schemas.microsoft.com/office/drawing/2014/main" id="{1F41AA13-1BFC-498E-BBC4-DC32053E38E1}"/>
+                  <a16:creationId xmlns:a16="http://schemas.microsoft.com/office/drawing/2014/main" xmlns="" id="{1F41AA13-1BFC-498E-BBC4-DC32053E38E1}"/>
                 </a:ext>
               </a:extLst>
             </p:cNvPr>

--- a/docs/diagrams/UndoRedoActivityDiagram.pptx
+++ b/docs/diagrams/UndoRedoActivityDiagram.pptx
@@ -138,7 +138,7 @@
           <p:cNvPr id="2" name="Title 1">
             <a:extLst>
               <a:ext uri="{FF2B5EF4-FFF2-40B4-BE49-F238E27FC236}">
-                <a16:creationId xmlns:a16="http://schemas.microsoft.com/office/drawing/2014/main" xmlns="" id="{CE1B3102-23FE-4A07-92CF-8DB8025B5C54}"/>
+                <a16:creationId xmlns="" xmlns:a16="http://schemas.microsoft.com/office/drawing/2014/main" id="{CE1B3102-23FE-4A07-92CF-8DB8025B5C54}"/>
               </a:ext>
             </a:extLst>
           </p:cNvPr>
@@ -176,7 +176,7 @@
           <p:cNvPr id="3" name="Subtitle 2">
             <a:extLst>
               <a:ext uri="{FF2B5EF4-FFF2-40B4-BE49-F238E27FC236}">
-                <a16:creationId xmlns:a16="http://schemas.microsoft.com/office/drawing/2014/main" xmlns="" id="{09A64644-374F-4763-B477-E75EED09E18A}"/>
+                <a16:creationId xmlns="" xmlns:a16="http://schemas.microsoft.com/office/drawing/2014/main" id="{09A64644-374F-4763-B477-E75EED09E18A}"/>
               </a:ext>
             </a:extLst>
           </p:cNvPr>
@@ -247,7 +247,7 @@
           <p:cNvPr id="4" name="Date Placeholder 3">
             <a:extLst>
               <a:ext uri="{FF2B5EF4-FFF2-40B4-BE49-F238E27FC236}">
-                <a16:creationId xmlns:a16="http://schemas.microsoft.com/office/drawing/2014/main" xmlns="" id="{26CAD04B-553E-4EE0-8FEC-DA9E05F22F2C}"/>
+                <a16:creationId xmlns="" xmlns:a16="http://schemas.microsoft.com/office/drawing/2014/main" id="{26CAD04B-553E-4EE0-8FEC-DA9E05F22F2C}"/>
               </a:ext>
             </a:extLst>
           </p:cNvPr>
@@ -265,7 +265,7 @@
           <a:p>
             <a:fld id="{542F47FF-5056-41FF-A1F8-23A414798AA4}" type="datetimeFigureOut">
               <a:rPr lang="en-SG" smtClean="0"/>
-              <a:t>4/3/19</a:t>
+              <a:t>5/3/19</a:t>
             </a:fld>
             <a:endParaRPr lang="en-SG"/>
           </a:p>
@@ -276,7 +276,7 @@
           <p:cNvPr id="5" name="Footer Placeholder 4">
             <a:extLst>
               <a:ext uri="{FF2B5EF4-FFF2-40B4-BE49-F238E27FC236}">
-                <a16:creationId xmlns:a16="http://schemas.microsoft.com/office/drawing/2014/main" xmlns="" id="{E6F42670-2AD7-448C-BB6C-D759C9255DEB}"/>
+                <a16:creationId xmlns="" xmlns:a16="http://schemas.microsoft.com/office/drawing/2014/main" id="{E6F42670-2AD7-448C-BB6C-D759C9255DEB}"/>
               </a:ext>
             </a:extLst>
           </p:cNvPr>
@@ -301,7 +301,7 @@
           <p:cNvPr id="6" name="Slide Number Placeholder 5">
             <a:extLst>
               <a:ext uri="{FF2B5EF4-FFF2-40B4-BE49-F238E27FC236}">
-                <a16:creationId xmlns:a16="http://schemas.microsoft.com/office/drawing/2014/main" xmlns="" id="{8CFAA546-9089-42A6-8CCB-5E88855E6CB1}"/>
+                <a16:creationId xmlns="" xmlns:a16="http://schemas.microsoft.com/office/drawing/2014/main" id="{8CFAA546-9089-42A6-8CCB-5E88855E6CB1}"/>
               </a:ext>
             </a:extLst>
           </p:cNvPr>
@@ -360,7 +360,7 @@
           <p:cNvPr id="2" name="Title 1">
             <a:extLst>
               <a:ext uri="{FF2B5EF4-FFF2-40B4-BE49-F238E27FC236}">
-                <a16:creationId xmlns:a16="http://schemas.microsoft.com/office/drawing/2014/main" xmlns="" id="{C73C8897-08BA-4903-B8F2-48E6E6713059}"/>
+                <a16:creationId xmlns="" xmlns:a16="http://schemas.microsoft.com/office/drawing/2014/main" id="{C73C8897-08BA-4903-B8F2-48E6E6713059}"/>
               </a:ext>
             </a:extLst>
           </p:cNvPr>
@@ -389,7 +389,7 @@
           <p:cNvPr id="3" name="Vertical Text Placeholder 2">
             <a:extLst>
               <a:ext uri="{FF2B5EF4-FFF2-40B4-BE49-F238E27FC236}">
-                <a16:creationId xmlns:a16="http://schemas.microsoft.com/office/drawing/2014/main" xmlns="" id="{F4DB86F3-F3A8-4AC4-A2D0-18858F9E9EAF}"/>
+                <a16:creationId xmlns="" xmlns:a16="http://schemas.microsoft.com/office/drawing/2014/main" id="{F4DB86F3-F3A8-4AC4-A2D0-18858F9E9EAF}"/>
               </a:ext>
             </a:extLst>
           </p:cNvPr>
@@ -447,7 +447,7 @@
           <p:cNvPr id="4" name="Date Placeholder 3">
             <a:extLst>
               <a:ext uri="{FF2B5EF4-FFF2-40B4-BE49-F238E27FC236}">
-                <a16:creationId xmlns:a16="http://schemas.microsoft.com/office/drawing/2014/main" xmlns="" id="{22C4FC92-3E88-48DC-9327-19CD6A48E96D}"/>
+                <a16:creationId xmlns="" xmlns:a16="http://schemas.microsoft.com/office/drawing/2014/main" id="{22C4FC92-3E88-48DC-9327-19CD6A48E96D}"/>
               </a:ext>
             </a:extLst>
           </p:cNvPr>
@@ -465,7 +465,7 @@
           <a:p>
             <a:fld id="{542F47FF-5056-41FF-A1F8-23A414798AA4}" type="datetimeFigureOut">
               <a:rPr lang="en-SG" smtClean="0"/>
-              <a:t>4/3/19</a:t>
+              <a:t>5/3/19</a:t>
             </a:fld>
             <a:endParaRPr lang="en-SG"/>
           </a:p>
@@ -476,7 +476,7 @@
           <p:cNvPr id="5" name="Footer Placeholder 4">
             <a:extLst>
               <a:ext uri="{FF2B5EF4-FFF2-40B4-BE49-F238E27FC236}">
-                <a16:creationId xmlns:a16="http://schemas.microsoft.com/office/drawing/2014/main" xmlns="" id="{AA190F3C-D185-4E17-A1B5-D7F4DF331BE0}"/>
+                <a16:creationId xmlns="" xmlns:a16="http://schemas.microsoft.com/office/drawing/2014/main" id="{AA190F3C-D185-4E17-A1B5-D7F4DF331BE0}"/>
               </a:ext>
             </a:extLst>
           </p:cNvPr>
@@ -501,7 +501,7 @@
           <p:cNvPr id="6" name="Slide Number Placeholder 5">
             <a:extLst>
               <a:ext uri="{FF2B5EF4-FFF2-40B4-BE49-F238E27FC236}">
-                <a16:creationId xmlns:a16="http://schemas.microsoft.com/office/drawing/2014/main" xmlns="" id="{0F2506F5-483C-4F84-8363-1D309E459ADD}"/>
+                <a16:creationId xmlns="" xmlns:a16="http://schemas.microsoft.com/office/drawing/2014/main" id="{0F2506F5-483C-4F84-8363-1D309E459ADD}"/>
               </a:ext>
             </a:extLst>
           </p:cNvPr>
@@ -560,7 +560,7 @@
           <p:cNvPr id="2" name="Vertical Title 1">
             <a:extLst>
               <a:ext uri="{FF2B5EF4-FFF2-40B4-BE49-F238E27FC236}">
-                <a16:creationId xmlns:a16="http://schemas.microsoft.com/office/drawing/2014/main" xmlns="" id="{967C03EB-4647-4E98-B84F-7651E807A990}"/>
+                <a16:creationId xmlns="" xmlns:a16="http://schemas.microsoft.com/office/drawing/2014/main" id="{967C03EB-4647-4E98-B84F-7651E807A990}"/>
               </a:ext>
             </a:extLst>
           </p:cNvPr>
@@ -594,7 +594,7 @@
           <p:cNvPr id="3" name="Vertical Text Placeholder 2">
             <a:extLst>
               <a:ext uri="{FF2B5EF4-FFF2-40B4-BE49-F238E27FC236}">
-                <a16:creationId xmlns:a16="http://schemas.microsoft.com/office/drawing/2014/main" xmlns="" id="{22B1D2A8-918A-4854-959C-EDA5D46D2D74}"/>
+                <a16:creationId xmlns="" xmlns:a16="http://schemas.microsoft.com/office/drawing/2014/main" id="{22B1D2A8-918A-4854-959C-EDA5D46D2D74}"/>
               </a:ext>
             </a:extLst>
           </p:cNvPr>
@@ -657,7 +657,7 @@
           <p:cNvPr id="4" name="Date Placeholder 3">
             <a:extLst>
               <a:ext uri="{FF2B5EF4-FFF2-40B4-BE49-F238E27FC236}">
-                <a16:creationId xmlns:a16="http://schemas.microsoft.com/office/drawing/2014/main" xmlns="" id="{3F77D3B6-616A-4D06-980E-5A7866F9BB49}"/>
+                <a16:creationId xmlns="" xmlns:a16="http://schemas.microsoft.com/office/drawing/2014/main" id="{3F77D3B6-616A-4D06-980E-5A7866F9BB49}"/>
               </a:ext>
             </a:extLst>
           </p:cNvPr>
@@ -675,7 +675,7 @@
           <a:p>
             <a:fld id="{542F47FF-5056-41FF-A1F8-23A414798AA4}" type="datetimeFigureOut">
               <a:rPr lang="en-SG" smtClean="0"/>
-              <a:t>4/3/19</a:t>
+              <a:t>5/3/19</a:t>
             </a:fld>
             <a:endParaRPr lang="en-SG"/>
           </a:p>
@@ -686,7 +686,7 @@
           <p:cNvPr id="5" name="Footer Placeholder 4">
             <a:extLst>
               <a:ext uri="{FF2B5EF4-FFF2-40B4-BE49-F238E27FC236}">
-                <a16:creationId xmlns:a16="http://schemas.microsoft.com/office/drawing/2014/main" xmlns="" id="{20525AA2-4FD6-4C5E-B28C-2C71AF011737}"/>
+                <a16:creationId xmlns="" xmlns:a16="http://schemas.microsoft.com/office/drawing/2014/main" id="{20525AA2-4FD6-4C5E-B28C-2C71AF011737}"/>
               </a:ext>
             </a:extLst>
           </p:cNvPr>
@@ -711,7 +711,7 @@
           <p:cNvPr id="6" name="Slide Number Placeholder 5">
             <a:extLst>
               <a:ext uri="{FF2B5EF4-FFF2-40B4-BE49-F238E27FC236}">
-                <a16:creationId xmlns:a16="http://schemas.microsoft.com/office/drawing/2014/main" xmlns="" id="{4E040DF9-BA3F-440A-8819-8D374D74F15E}"/>
+                <a16:creationId xmlns="" xmlns:a16="http://schemas.microsoft.com/office/drawing/2014/main" id="{4E040DF9-BA3F-440A-8819-8D374D74F15E}"/>
               </a:ext>
             </a:extLst>
           </p:cNvPr>
@@ -770,7 +770,7 @@
           <p:cNvPr id="2" name="Title 1">
             <a:extLst>
               <a:ext uri="{FF2B5EF4-FFF2-40B4-BE49-F238E27FC236}">
-                <a16:creationId xmlns:a16="http://schemas.microsoft.com/office/drawing/2014/main" xmlns="" id="{75C804EA-614F-485C-A53F-C32B83B67A30}"/>
+                <a16:creationId xmlns="" xmlns:a16="http://schemas.microsoft.com/office/drawing/2014/main" id="{75C804EA-614F-485C-A53F-C32B83B67A30}"/>
               </a:ext>
             </a:extLst>
           </p:cNvPr>
@@ -799,7 +799,7 @@
           <p:cNvPr id="3" name="Content Placeholder 2">
             <a:extLst>
               <a:ext uri="{FF2B5EF4-FFF2-40B4-BE49-F238E27FC236}">
-                <a16:creationId xmlns:a16="http://schemas.microsoft.com/office/drawing/2014/main" xmlns="" id="{912A86A6-5554-4D2F-97BB-2D649E738506}"/>
+                <a16:creationId xmlns="" xmlns:a16="http://schemas.microsoft.com/office/drawing/2014/main" id="{912A86A6-5554-4D2F-97BB-2D649E738506}"/>
               </a:ext>
             </a:extLst>
           </p:cNvPr>
@@ -857,7 +857,7 @@
           <p:cNvPr id="4" name="Date Placeholder 3">
             <a:extLst>
               <a:ext uri="{FF2B5EF4-FFF2-40B4-BE49-F238E27FC236}">
-                <a16:creationId xmlns:a16="http://schemas.microsoft.com/office/drawing/2014/main" xmlns="" id="{69704FB4-4D28-4A39-B81F-407E0DDD475C}"/>
+                <a16:creationId xmlns="" xmlns:a16="http://schemas.microsoft.com/office/drawing/2014/main" id="{69704FB4-4D28-4A39-B81F-407E0DDD475C}"/>
               </a:ext>
             </a:extLst>
           </p:cNvPr>
@@ -875,7 +875,7 @@
           <a:p>
             <a:fld id="{542F47FF-5056-41FF-A1F8-23A414798AA4}" type="datetimeFigureOut">
               <a:rPr lang="en-SG" smtClean="0"/>
-              <a:t>4/3/19</a:t>
+              <a:t>5/3/19</a:t>
             </a:fld>
             <a:endParaRPr lang="en-SG"/>
           </a:p>
@@ -886,7 +886,7 @@
           <p:cNvPr id="5" name="Footer Placeholder 4">
             <a:extLst>
               <a:ext uri="{FF2B5EF4-FFF2-40B4-BE49-F238E27FC236}">
-                <a16:creationId xmlns:a16="http://schemas.microsoft.com/office/drawing/2014/main" xmlns="" id="{AFDB90F4-6173-409D-8731-A4C292C33336}"/>
+                <a16:creationId xmlns="" xmlns:a16="http://schemas.microsoft.com/office/drawing/2014/main" id="{AFDB90F4-6173-409D-8731-A4C292C33336}"/>
               </a:ext>
             </a:extLst>
           </p:cNvPr>
@@ -911,7 +911,7 @@
           <p:cNvPr id="6" name="Slide Number Placeholder 5">
             <a:extLst>
               <a:ext uri="{FF2B5EF4-FFF2-40B4-BE49-F238E27FC236}">
-                <a16:creationId xmlns:a16="http://schemas.microsoft.com/office/drawing/2014/main" xmlns="" id="{0C00E245-E701-4B2E-925D-4322EFA20D66}"/>
+                <a16:creationId xmlns="" xmlns:a16="http://schemas.microsoft.com/office/drawing/2014/main" id="{0C00E245-E701-4B2E-925D-4322EFA20D66}"/>
               </a:ext>
             </a:extLst>
           </p:cNvPr>
@@ -970,7 +970,7 @@
           <p:cNvPr id="2" name="Title 1">
             <a:extLst>
               <a:ext uri="{FF2B5EF4-FFF2-40B4-BE49-F238E27FC236}">
-                <a16:creationId xmlns:a16="http://schemas.microsoft.com/office/drawing/2014/main" xmlns="" id="{2237510E-B988-4DCB-9C02-932F190AC101}"/>
+                <a16:creationId xmlns="" xmlns:a16="http://schemas.microsoft.com/office/drawing/2014/main" id="{2237510E-B988-4DCB-9C02-932F190AC101}"/>
               </a:ext>
             </a:extLst>
           </p:cNvPr>
@@ -1008,7 +1008,7 @@
           <p:cNvPr id="3" name="Text Placeholder 2">
             <a:extLst>
               <a:ext uri="{FF2B5EF4-FFF2-40B4-BE49-F238E27FC236}">
-                <a16:creationId xmlns:a16="http://schemas.microsoft.com/office/drawing/2014/main" xmlns="" id="{784A23DD-6E19-4939-A085-751F973752F5}"/>
+                <a16:creationId xmlns="" xmlns:a16="http://schemas.microsoft.com/office/drawing/2014/main" id="{784A23DD-6E19-4939-A085-751F973752F5}"/>
               </a:ext>
             </a:extLst>
           </p:cNvPr>
@@ -1133,7 +1133,7 @@
           <p:cNvPr id="4" name="Date Placeholder 3">
             <a:extLst>
               <a:ext uri="{FF2B5EF4-FFF2-40B4-BE49-F238E27FC236}">
-                <a16:creationId xmlns:a16="http://schemas.microsoft.com/office/drawing/2014/main" xmlns="" id="{CD5B15F4-A7B8-4D17-8C46-94AC6465D19A}"/>
+                <a16:creationId xmlns="" xmlns:a16="http://schemas.microsoft.com/office/drawing/2014/main" id="{CD5B15F4-A7B8-4D17-8C46-94AC6465D19A}"/>
               </a:ext>
             </a:extLst>
           </p:cNvPr>
@@ -1151,7 +1151,7 @@
           <a:p>
             <a:fld id="{542F47FF-5056-41FF-A1F8-23A414798AA4}" type="datetimeFigureOut">
               <a:rPr lang="en-SG" smtClean="0"/>
-              <a:t>4/3/19</a:t>
+              <a:t>5/3/19</a:t>
             </a:fld>
             <a:endParaRPr lang="en-SG"/>
           </a:p>
@@ -1162,7 +1162,7 @@
           <p:cNvPr id="5" name="Footer Placeholder 4">
             <a:extLst>
               <a:ext uri="{FF2B5EF4-FFF2-40B4-BE49-F238E27FC236}">
-                <a16:creationId xmlns:a16="http://schemas.microsoft.com/office/drawing/2014/main" xmlns="" id="{0CC0B098-2820-40C0-8166-283BB17CD72D}"/>
+                <a16:creationId xmlns="" xmlns:a16="http://schemas.microsoft.com/office/drawing/2014/main" id="{0CC0B098-2820-40C0-8166-283BB17CD72D}"/>
               </a:ext>
             </a:extLst>
           </p:cNvPr>
@@ -1187,7 +1187,7 @@
           <p:cNvPr id="6" name="Slide Number Placeholder 5">
             <a:extLst>
               <a:ext uri="{FF2B5EF4-FFF2-40B4-BE49-F238E27FC236}">
-                <a16:creationId xmlns:a16="http://schemas.microsoft.com/office/drawing/2014/main" xmlns="" id="{CA1D6085-5297-4CE0-858B-F5A8477F21A1}"/>
+                <a16:creationId xmlns="" xmlns:a16="http://schemas.microsoft.com/office/drawing/2014/main" id="{CA1D6085-5297-4CE0-858B-F5A8477F21A1}"/>
               </a:ext>
             </a:extLst>
           </p:cNvPr>
@@ -1246,7 +1246,7 @@
           <p:cNvPr id="2" name="Title 1">
             <a:extLst>
               <a:ext uri="{FF2B5EF4-FFF2-40B4-BE49-F238E27FC236}">
-                <a16:creationId xmlns:a16="http://schemas.microsoft.com/office/drawing/2014/main" xmlns="" id="{C8312645-9305-4015-B5DF-8CD06CE54CD2}"/>
+                <a16:creationId xmlns="" xmlns:a16="http://schemas.microsoft.com/office/drawing/2014/main" id="{C8312645-9305-4015-B5DF-8CD06CE54CD2}"/>
               </a:ext>
             </a:extLst>
           </p:cNvPr>
@@ -1275,7 +1275,7 @@
           <p:cNvPr id="3" name="Content Placeholder 2">
             <a:extLst>
               <a:ext uri="{FF2B5EF4-FFF2-40B4-BE49-F238E27FC236}">
-                <a16:creationId xmlns:a16="http://schemas.microsoft.com/office/drawing/2014/main" xmlns="" id="{5F718F3D-23A6-4BAE-A195-9290BED99436}"/>
+                <a16:creationId xmlns="" xmlns:a16="http://schemas.microsoft.com/office/drawing/2014/main" id="{5F718F3D-23A6-4BAE-A195-9290BED99436}"/>
               </a:ext>
             </a:extLst>
           </p:cNvPr>
@@ -1338,7 +1338,7 @@
           <p:cNvPr id="4" name="Content Placeholder 3">
             <a:extLst>
               <a:ext uri="{FF2B5EF4-FFF2-40B4-BE49-F238E27FC236}">
-                <a16:creationId xmlns:a16="http://schemas.microsoft.com/office/drawing/2014/main" xmlns="" id="{987DE0C4-EF3A-42E6-9D3E-22C7A0BC9A37}"/>
+                <a16:creationId xmlns="" xmlns:a16="http://schemas.microsoft.com/office/drawing/2014/main" id="{987DE0C4-EF3A-42E6-9D3E-22C7A0BC9A37}"/>
               </a:ext>
             </a:extLst>
           </p:cNvPr>
@@ -1401,7 +1401,7 @@
           <p:cNvPr id="5" name="Date Placeholder 4">
             <a:extLst>
               <a:ext uri="{FF2B5EF4-FFF2-40B4-BE49-F238E27FC236}">
-                <a16:creationId xmlns:a16="http://schemas.microsoft.com/office/drawing/2014/main" xmlns="" id="{E4BFA167-4D74-44D4-AA06-F7DBEA7BB015}"/>
+                <a16:creationId xmlns="" xmlns:a16="http://schemas.microsoft.com/office/drawing/2014/main" id="{E4BFA167-4D74-44D4-AA06-F7DBEA7BB015}"/>
               </a:ext>
             </a:extLst>
           </p:cNvPr>
@@ -1419,7 +1419,7 @@
           <a:p>
             <a:fld id="{542F47FF-5056-41FF-A1F8-23A414798AA4}" type="datetimeFigureOut">
               <a:rPr lang="en-SG" smtClean="0"/>
-              <a:t>4/3/19</a:t>
+              <a:t>5/3/19</a:t>
             </a:fld>
             <a:endParaRPr lang="en-SG"/>
           </a:p>
@@ -1430,7 +1430,7 @@
           <p:cNvPr id="6" name="Footer Placeholder 5">
             <a:extLst>
               <a:ext uri="{FF2B5EF4-FFF2-40B4-BE49-F238E27FC236}">
-                <a16:creationId xmlns:a16="http://schemas.microsoft.com/office/drawing/2014/main" xmlns="" id="{000F966C-5803-470B-AFA7-C187FB7AE76F}"/>
+                <a16:creationId xmlns="" xmlns:a16="http://schemas.microsoft.com/office/drawing/2014/main" id="{000F966C-5803-470B-AFA7-C187FB7AE76F}"/>
               </a:ext>
             </a:extLst>
           </p:cNvPr>
@@ -1455,7 +1455,7 @@
           <p:cNvPr id="7" name="Slide Number Placeholder 6">
             <a:extLst>
               <a:ext uri="{FF2B5EF4-FFF2-40B4-BE49-F238E27FC236}">
-                <a16:creationId xmlns:a16="http://schemas.microsoft.com/office/drawing/2014/main" xmlns="" id="{C5072683-17F0-489D-BA30-0EAE1A9786AE}"/>
+                <a16:creationId xmlns="" xmlns:a16="http://schemas.microsoft.com/office/drawing/2014/main" id="{C5072683-17F0-489D-BA30-0EAE1A9786AE}"/>
               </a:ext>
             </a:extLst>
           </p:cNvPr>
@@ -1514,7 +1514,7 @@
           <p:cNvPr id="2" name="Title 1">
             <a:extLst>
               <a:ext uri="{FF2B5EF4-FFF2-40B4-BE49-F238E27FC236}">
-                <a16:creationId xmlns:a16="http://schemas.microsoft.com/office/drawing/2014/main" xmlns="" id="{CEC7B897-F9D1-4F32-BB47-48174A5ED64C}"/>
+                <a16:creationId xmlns="" xmlns:a16="http://schemas.microsoft.com/office/drawing/2014/main" id="{CEC7B897-F9D1-4F32-BB47-48174A5ED64C}"/>
               </a:ext>
             </a:extLst>
           </p:cNvPr>
@@ -1548,7 +1548,7 @@
           <p:cNvPr id="3" name="Text Placeholder 2">
             <a:extLst>
               <a:ext uri="{FF2B5EF4-FFF2-40B4-BE49-F238E27FC236}">
-                <a16:creationId xmlns:a16="http://schemas.microsoft.com/office/drawing/2014/main" xmlns="" id="{F641612B-9729-43C6-B566-AD5088E65020}"/>
+                <a16:creationId xmlns="" xmlns:a16="http://schemas.microsoft.com/office/drawing/2014/main" id="{F641612B-9729-43C6-B566-AD5088E65020}"/>
               </a:ext>
             </a:extLst>
           </p:cNvPr>
@@ -1619,7 +1619,7 @@
           <p:cNvPr id="4" name="Content Placeholder 3">
             <a:extLst>
               <a:ext uri="{FF2B5EF4-FFF2-40B4-BE49-F238E27FC236}">
-                <a16:creationId xmlns:a16="http://schemas.microsoft.com/office/drawing/2014/main" xmlns="" id="{C9E1DDFB-755B-486A-8E6E-CC7CFE66970C}"/>
+                <a16:creationId xmlns="" xmlns:a16="http://schemas.microsoft.com/office/drawing/2014/main" id="{C9E1DDFB-755B-486A-8E6E-CC7CFE66970C}"/>
               </a:ext>
             </a:extLst>
           </p:cNvPr>
@@ -1682,7 +1682,7 @@
           <p:cNvPr id="5" name="Text Placeholder 4">
             <a:extLst>
               <a:ext uri="{FF2B5EF4-FFF2-40B4-BE49-F238E27FC236}">
-                <a16:creationId xmlns:a16="http://schemas.microsoft.com/office/drawing/2014/main" xmlns="" id="{9C513BAE-7453-4E00-A4D1-7192F85ACD26}"/>
+                <a16:creationId xmlns="" xmlns:a16="http://schemas.microsoft.com/office/drawing/2014/main" id="{9C513BAE-7453-4E00-A4D1-7192F85ACD26}"/>
               </a:ext>
             </a:extLst>
           </p:cNvPr>
@@ -1753,7 +1753,7 @@
           <p:cNvPr id="6" name="Content Placeholder 5">
             <a:extLst>
               <a:ext uri="{FF2B5EF4-FFF2-40B4-BE49-F238E27FC236}">
-                <a16:creationId xmlns:a16="http://schemas.microsoft.com/office/drawing/2014/main" xmlns="" id="{CD44104D-C0AE-4458-869E-DFF710C415CC}"/>
+                <a16:creationId xmlns="" xmlns:a16="http://schemas.microsoft.com/office/drawing/2014/main" id="{CD44104D-C0AE-4458-869E-DFF710C415CC}"/>
               </a:ext>
             </a:extLst>
           </p:cNvPr>
@@ -1816,7 +1816,7 @@
           <p:cNvPr id="7" name="Date Placeholder 6">
             <a:extLst>
               <a:ext uri="{FF2B5EF4-FFF2-40B4-BE49-F238E27FC236}">
-                <a16:creationId xmlns:a16="http://schemas.microsoft.com/office/drawing/2014/main" xmlns="" id="{4CB7CAF3-D690-40A3-88F7-9D0D17864C18}"/>
+                <a16:creationId xmlns="" xmlns:a16="http://schemas.microsoft.com/office/drawing/2014/main" id="{4CB7CAF3-D690-40A3-88F7-9D0D17864C18}"/>
               </a:ext>
             </a:extLst>
           </p:cNvPr>
@@ -1834,7 +1834,7 @@
           <a:p>
             <a:fld id="{542F47FF-5056-41FF-A1F8-23A414798AA4}" type="datetimeFigureOut">
               <a:rPr lang="en-SG" smtClean="0"/>
-              <a:t>4/3/19</a:t>
+              <a:t>5/3/19</a:t>
             </a:fld>
             <a:endParaRPr lang="en-SG"/>
           </a:p>
@@ -1845,7 +1845,7 @@
           <p:cNvPr id="8" name="Footer Placeholder 7">
             <a:extLst>
               <a:ext uri="{FF2B5EF4-FFF2-40B4-BE49-F238E27FC236}">
-                <a16:creationId xmlns:a16="http://schemas.microsoft.com/office/drawing/2014/main" xmlns="" id="{E3FCCAB0-63DD-4704-AA42-E4F81E641DA3}"/>
+                <a16:creationId xmlns="" xmlns:a16="http://schemas.microsoft.com/office/drawing/2014/main" id="{E3FCCAB0-63DD-4704-AA42-E4F81E641DA3}"/>
               </a:ext>
             </a:extLst>
           </p:cNvPr>
@@ -1870,7 +1870,7 @@
           <p:cNvPr id="9" name="Slide Number Placeholder 8">
             <a:extLst>
               <a:ext uri="{FF2B5EF4-FFF2-40B4-BE49-F238E27FC236}">
-                <a16:creationId xmlns:a16="http://schemas.microsoft.com/office/drawing/2014/main" xmlns="" id="{604EFCC3-8687-4BC3-9C9E-60FD561B237F}"/>
+                <a16:creationId xmlns="" xmlns:a16="http://schemas.microsoft.com/office/drawing/2014/main" id="{604EFCC3-8687-4BC3-9C9E-60FD561B237F}"/>
               </a:ext>
             </a:extLst>
           </p:cNvPr>
@@ -1929,7 +1929,7 @@
           <p:cNvPr id="2" name="Title 1">
             <a:extLst>
               <a:ext uri="{FF2B5EF4-FFF2-40B4-BE49-F238E27FC236}">
-                <a16:creationId xmlns:a16="http://schemas.microsoft.com/office/drawing/2014/main" xmlns="" id="{D324AE97-E2C9-4642-887A-4474C5566AA6}"/>
+                <a16:creationId xmlns="" xmlns:a16="http://schemas.microsoft.com/office/drawing/2014/main" id="{D324AE97-E2C9-4642-887A-4474C5566AA6}"/>
               </a:ext>
             </a:extLst>
           </p:cNvPr>
@@ -1958,7 +1958,7 @@
           <p:cNvPr id="3" name="Date Placeholder 2">
             <a:extLst>
               <a:ext uri="{FF2B5EF4-FFF2-40B4-BE49-F238E27FC236}">
-                <a16:creationId xmlns:a16="http://schemas.microsoft.com/office/drawing/2014/main" xmlns="" id="{919EDCEA-D8A9-431E-AF93-4824C03FD0F2}"/>
+                <a16:creationId xmlns="" xmlns:a16="http://schemas.microsoft.com/office/drawing/2014/main" id="{919EDCEA-D8A9-431E-AF93-4824C03FD0F2}"/>
               </a:ext>
             </a:extLst>
           </p:cNvPr>
@@ -1976,7 +1976,7 @@
           <a:p>
             <a:fld id="{542F47FF-5056-41FF-A1F8-23A414798AA4}" type="datetimeFigureOut">
               <a:rPr lang="en-SG" smtClean="0"/>
-              <a:t>4/3/19</a:t>
+              <a:t>5/3/19</a:t>
             </a:fld>
             <a:endParaRPr lang="en-SG"/>
           </a:p>
@@ -1987,7 +1987,7 @@
           <p:cNvPr id="4" name="Footer Placeholder 3">
             <a:extLst>
               <a:ext uri="{FF2B5EF4-FFF2-40B4-BE49-F238E27FC236}">
-                <a16:creationId xmlns:a16="http://schemas.microsoft.com/office/drawing/2014/main" xmlns="" id="{1F13DD51-16D3-435A-A475-0C2A7255A05E}"/>
+                <a16:creationId xmlns="" xmlns:a16="http://schemas.microsoft.com/office/drawing/2014/main" id="{1F13DD51-16D3-435A-A475-0C2A7255A05E}"/>
               </a:ext>
             </a:extLst>
           </p:cNvPr>
@@ -2012,7 +2012,7 @@
           <p:cNvPr id="5" name="Slide Number Placeholder 4">
             <a:extLst>
               <a:ext uri="{FF2B5EF4-FFF2-40B4-BE49-F238E27FC236}">
-                <a16:creationId xmlns:a16="http://schemas.microsoft.com/office/drawing/2014/main" xmlns="" id="{3D7AC15F-BADE-4466-835A-57B1A9E5162B}"/>
+                <a16:creationId xmlns="" xmlns:a16="http://schemas.microsoft.com/office/drawing/2014/main" id="{3D7AC15F-BADE-4466-835A-57B1A9E5162B}"/>
               </a:ext>
             </a:extLst>
           </p:cNvPr>
@@ -2071,7 +2071,7 @@
           <p:cNvPr id="2" name="Date Placeholder 1">
             <a:extLst>
               <a:ext uri="{FF2B5EF4-FFF2-40B4-BE49-F238E27FC236}">
-                <a16:creationId xmlns:a16="http://schemas.microsoft.com/office/drawing/2014/main" xmlns="" id="{48F01CC8-EEC4-4B3C-8C73-3EBB7DCEBE67}"/>
+                <a16:creationId xmlns="" xmlns:a16="http://schemas.microsoft.com/office/drawing/2014/main" id="{48F01CC8-EEC4-4B3C-8C73-3EBB7DCEBE67}"/>
               </a:ext>
             </a:extLst>
           </p:cNvPr>
@@ -2089,7 +2089,7 @@
           <a:p>
             <a:fld id="{542F47FF-5056-41FF-A1F8-23A414798AA4}" type="datetimeFigureOut">
               <a:rPr lang="en-SG" smtClean="0"/>
-              <a:t>4/3/19</a:t>
+              <a:t>5/3/19</a:t>
             </a:fld>
             <a:endParaRPr lang="en-SG"/>
           </a:p>
@@ -2100,7 +2100,7 @@
           <p:cNvPr id="3" name="Footer Placeholder 2">
             <a:extLst>
               <a:ext uri="{FF2B5EF4-FFF2-40B4-BE49-F238E27FC236}">
-                <a16:creationId xmlns:a16="http://schemas.microsoft.com/office/drawing/2014/main" xmlns="" id="{4D820BAF-6E28-43DA-9E9B-8C229AB2A964}"/>
+                <a16:creationId xmlns="" xmlns:a16="http://schemas.microsoft.com/office/drawing/2014/main" id="{4D820BAF-6E28-43DA-9E9B-8C229AB2A964}"/>
               </a:ext>
             </a:extLst>
           </p:cNvPr>
@@ -2125,7 +2125,7 @@
           <p:cNvPr id="4" name="Slide Number Placeholder 3">
             <a:extLst>
               <a:ext uri="{FF2B5EF4-FFF2-40B4-BE49-F238E27FC236}">
-                <a16:creationId xmlns:a16="http://schemas.microsoft.com/office/drawing/2014/main" xmlns="" id="{49BFE3EF-B472-4F66-80D5-1B722E8086E6}"/>
+                <a16:creationId xmlns="" xmlns:a16="http://schemas.microsoft.com/office/drawing/2014/main" id="{49BFE3EF-B472-4F66-80D5-1B722E8086E6}"/>
               </a:ext>
             </a:extLst>
           </p:cNvPr>
@@ -2184,7 +2184,7 @@
           <p:cNvPr id="2" name="Title 1">
             <a:extLst>
               <a:ext uri="{FF2B5EF4-FFF2-40B4-BE49-F238E27FC236}">
-                <a16:creationId xmlns:a16="http://schemas.microsoft.com/office/drawing/2014/main" xmlns="" id="{E1ABDE73-0F58-47D3-8C8B-C147DE1C0B22}"/>
+                <a16:creationId xmlns="" xmlns:a16="http://schemas.microsoft.com/office/drawing/2014/main" id="{E1ABDE73-0F58-47D3-8C8B-C147DE1C0B22}"/>
               </a:ext>
             </a:extLst>
           </p:cNvPr>
@@ -2222,7 +2222,7 @@
           <p:cNvPr id="3" name="Content Placeholder 2">
             <a:extLst>
               <a:ext uri="{FF2B5EF4-FFF2-40B4-BE49-F238E27FC236}">
-                <a16:creationId xmlns:a16="http://schemas.microsoft.com/office/drawing/2014/main" xmlns="" id="{0167F6A8-B979-42A6-B421-40577DD5582F}"/>
+                <a16:creationId xmlns="" xmlns:a16="http://schemas.microsoft.com/office/drawing/2014/main" id="{0167F6A8-B979-42A6-B421-40577DD5582F}"/>
               </a:ext>
             </a:extLst>
           </p:cNvPr>
@@ -2313,7 +2313,7 @@
           <p:cNvPr id="4" name="Text Placeholder 3">
             <a:extLst>
               <a:ext uri="{FF2B5EF4-FFF2-40B4-BE49-F238E27FC236}">
-                <a16:creationId xmlns:a16="http://schemas.microsoft.com/office/drawing/2014/main" xmlns="" id="{6887A488-06FE-46E9-8AC5-DF38A61CCF05}"/>
+                <a16:creationId xmlns="" xmlns:a16="http://schemas.microsoft.com/office/drawing/2014/main" id="{6887A488-06FE-46E9-8AC5-DF38A61CCF05}"/>
               </a:ext>
             </a:extLst>
           </p:cNvPr>
@@ -2384,7 +2384,7 @@
           <p:cNvPr id="5" name="Date Placeholder 4">
             <a:extLst>
               <a:ext uri="{FF2B5EF4-FFF2-40B4-BE49-F238E27FC236}">
-                <a16:creationId xmlns:a16="http://schemas.microsoft.com/office/drawing/2014/main" xmlns="" id="{1225C56B-78B2-45C0-A8A9-C9D435A286D0}"/>
+                <a16:creationId xmlns="" xmlns:a16="http://schemas.microsoft.com/office/drawing/2014/main" id="{1225C56B-78B2-45C0-A8A9-C9D435A286D0}"/>
               </a:ext>
             </a:extLst>
           </p:cNvPr>
@@ -2402,7 +2402,7 @@
           <a:p>
             <a:fld id="{542F47FF-5056-41FF-A1F8-23A414798AA4}" type="datetimeFigureOut">
               <a:rPr lang="en-SG" smtClean="0"/>
-              <a:t>4/3/19</a:t>
+              <a:t>5/3/19</a:t>
             </a:fld>
             <a:endParaRPr lang="en-SG"/>
           </a:p>
@@ -2413,7 +2413,7 @@
           <p:cNvPr id="6" name="Footer Placeholder 5">
             <a:extLst>
               <a:ext uri="{FF2B5EF4-FFF2-40B4-BE49-F238E27FC236}">
-                <a16:creationId xmlns:a16="http://schemas.microsoft.com/office/drawing/2014/main" xmlns="" id="{3F9E1B9E-B673-4E26-9323-D731DC395F9C}"/>
+                <a16:creationId xmlns="" xmlns:a16="http://schemas.microsoft.com/office/drawing/2014/main" id="{3F9E1B9E-B673-4E26-9323-D731DC395F9C}"/>
               </a:ext>
             </a:extLst>
           </p:cNvPr>
@@ -2438,7 +2438,7 @@
           <p:cNvPr id="7" name="Slide Number Placeholder 6">
             <a:extLst>
               <a:ext uri="{FF2B5EF4-FFF2-40B4-BE49-F238E27FC236}">
-                <a16:creationId xmlns:a16="http://schemas.microsoft.com/office/drawing/2014/main" xmlns="" id="{6633AB4A-8EB3-4154-869B-5580DEDF4F79}"/>
+                <a16:creationId xmlns="" xmlns:a16="http://schemas.microsoft.com/office/drawing/2014/main" id="{6633AB4A-8EB3-4154-869B-5580DEDF4F79}"/>
               </a:ext>
             </a:extLst>
           </p:cNvPr>
@@ -2497,7 +2497,7 @@
           <p:cNvPr id="2" name="Title 1">
             <a:extLst>
               <a:ext uri="{FF2B5EF4-FFF2-40B4-BE49-F238E27FC236}">
-                <a16:creationId xmlns:a16="http://schemas.microsoft.com/office/drawing/2014/main" xmlns="" id="{61D5430E-44A7-4B67-9F34-F532D5533356}"/>
+                <a16:creationId xmlns="" xmlns:a16="http://schemas.microsoft.com/office/drawing/2014/main" id="{61D5430E-44A7-4B67-9F34-F532D5533356}"/>
               </a:ext>
             </a:extLst>
           </p:cNvPr>
@@ -2535,7 +2535,7 @@
           <p:cNvPr id="3" name="Picture Placeholder 2">
             <a:extLst>
               <a:ext uri="{FF2B5EF4-FFF2-40B4-BE49-F238E27FC236}">
-                <a16:creationId xmlns:a16="http://schemas.microsoft.com/office/drawing/2014/main" xmlns="" id="{94374BCC-AC4A-4ED0-A7BD-6B2491EAED7E}"/>
+                <a16:creationId xmlns="" xmlns:a16="http://schemas.microsoft.com/office/drawing/2014/main" id="{94374BCC-AC4A-4ED0-A7BD-6B2491EAED7E}"/>
               </a:ext>
             </a:extLst>
           </p:cNvPr>
@@ -2602,7 +2602,7 @@
           <p:cNvPr id="4" name="Text Placeholder 3">
             <a:extLst>
               <a:ext uri="{FF2B5EF4-FFF2-40B4-BE49-F238E27FC236}">
-                <a16:creationId xmlns:a16="http://schemas.microsoft.com/office/drawing/2014/main" xmlns="" id="{5AD4568E-164B-462E-9285-49B735DD9DE7}"/>
+                <a16:creationId xmlns="" xmlns:a16="http://schemas.microsoft.com/office/drawing/2014/main" id="{5AD4568E-164B-462E-9285-49B735DD9DE7}"/>
               </a:ext>
             </a:extLst>
           </p:cNvPr>
@@ -2673,7 +2673,7 @@
           <p:cNvPr id="5" name="Date Placeholder 4">
             <a:extLst>
               <a:ext uri="{FF2B5EF4-FFF2-40B4-BE49-F238E27FC236}">
-                <a16:creationId xmlns:a16="http://schemas.microsoft.com/office/drawing/2014/main" xmlns="" id="{ABD88AB5-C9D0-4013-85B4-2228545F24AD}"/>
+                <a16:creationId xmlns="" xmlns:a16="http://schemas.microsoft.com/office/drawing/2014/main" id="{ABD88AB5-C9D0-4013-85B4-2228545F24AD}"/>
               </a:ext>
             </a:extLst>
           </p:cNvPr>
@@ -2691,7 +2691,7 @@
           <a:p>
             <a:fld id="{542F47FF-5056-41FF-A1F8-23A414798AA4}" type="datetimeFigureOut">
               <a:rPr lang="en-SG" smtClean="0"/>
-              <a:t>4/3/19</a:t>
+              <a:t>5/3/19</a:t>
             </a:fld>
             <a:endParaRPr lang="en-SG"/>
           </a:p>
@@ -2702,7 +2702,7 @@
           <p:cNvPr id="6" name="Footer Placeholder 5">
             <a:extLst>
               <a:ext uri="{FF2B5EF4-FFF2-40B4-BE49-F238E27FC236}">
-                <a16:creationId xmlns:a16="http://schemas.microsoft.com/office/drawing/2014/main" xmlns="" id="{6378A798-E2A6-4417-A003-DE553E8EC325}"/>
+                <a16:creationId xmlns="" xmlns:a16="http://schemas.microsoft.com/office/drawing/2014/main" id="{6378A798-E2A6-4417-A003-DE553E8EC325}"/>
               </a:ext>
             </a:extLst>
           </p:cNvPr>
@@ -2727,7 +2727,7 @@
           <p:cNvPr id="7" name="Slide Number Placeholder 6">
             <a:extLst>
               <a:ext uri="{FF2B5EF4-FFF2-40B4-BE49-F238E27FC236}">
-                <a16:creationId xmlns:a16="http://schemas.microsoft.com/office/drawing/2014/main" xmlns="" id="{7BC6852D-C345-455C-9499-B57AE4D2D943}"/>
+                <a16:creationId xmlns="" xmlns:a16="http://schemas.microsoft.com/office/drawing/2014/main" id="{7BC6852D-C345-455C-9499-B57AE4D2D943}"/>
               </a:ext>
             </a:extLst>
           </p:cNvPr>
@@ -2791,7 +2791,7 @@
           <p:cNvPr id="2" name="Title Placeholder 1">
             <a:extLst>
               <a:ext uri="{FF2B5EF4-FFF2-40B4-BE49-F238E27FC236}">
-                <a16:creationId xmlns:a16="http://schemas.microsoft.com/office/drawing/2014/main" xmlns="" id="{CF097353-E272-4974-B34C-369C28928CA1}"/>
+                <a16:creationId xmlns="" xmlns:a16="http://schemas.microsoft.com/office/drawing/2014/main" id="{CF097353-E272-4974-B34C-369C28928CA1}"/>
               </a:ext>
             </a:extLst>
           </p:cNvPr>
@@ -2830,7 +2830,7 @@
           <p:cNvPr id="3" name="Text Placeholder 2">
             <a:extLst>
               <a:ext uri="{FF2B5EF4-FFF2-40B4-BE49-F238E27FC236}">
-                <a16:creationId xmlns:a16="http://schemas.microsoft.com/office/drawing/2014/main" xmlns="" id="{BB1BE290-84C1-4415-A557-1ACC36D1226C}"/>
+                <a16:creationId xmlns="" xmlns:a16="http://schemas.microsoft.com/office/drawing/2014/main" id="{BB1BE290-84C1-4415-A557-1ACC36D1226C}"/>
               </a:ext>
             </a:extLst>
           </p:cNvPr>
@@ -2898,7 +2898,7 @@
           <p:cNvPr id="4" name="Date Placeholder 3">
             <a:extLst>
               <a:ext uri="{FF2B5EF4-FFF2-40B4-BE49-F238E27FC236}">
-                <a16:creationId xmlns:a16="http://schemas.microsoft.com/office/drawing/2014/main" xmlns="" id="{F7EAAB47-96EA-44D5-8293-0D696F52A395}"/>
+                <a16:creationId xmlns="" xmlns:a16="http://schemas.microsoft.com/office/drawing/2014/main" id="{F7EAAB47-96EA-44D5-8293-0D696F52A395}"/>
               </a:ext>
             </a:extLst>
           </p:cNvPr>
@@ -2934,7 +2934,7 @@
           <a:p>
             <a:fld id="{542F47FF-5056-41FF-A1F8-23A414798AA4}" type="datetimeFigureOut">
               <a:rPr lang="en-SG" smtClean="0"/>
-              <a:t>4/3/19</a:t>
+              <a:t>5/3/19</a:t>
             </a:fld>
             <a:endParaRPr lang="en-SG"/>
           </a:p>
@@ -2945,7 +2945,7 @@
           <p:cNvPr id="5" name="Footer Placeholder 4">
             <a:extLst>
               <a:ext uri="{FF2B5EF4-FFF2-40B4-BE49-F238E27FC236}">
-                <a16:creationId xmlns:a16="http://schemas.microsoft.com/office/drawing/2014/main" xmlns="" id="{F21C6E84-C98D-4391-98A0-E77A4221131C}"/>
+                <a16:creationId xmlns="" xmlns:a16="http://schemas.microsoft.com/office/drawing/2014/main" id="{F21C6E84-C98D-4391-98A0-E77A4221131C}"/>
               </a:ext>
             </a:extLst>
           </p:cNvPr>
@@ -2988,7 +2988,7 @@
           <p:cNvPr id="6" name="Slide Number Placeholder 5">
             <a:extLst>
               <a:ext uri="{FF2B5EF4-FFF2-40B4-BE49-F238E27FC236}">
-                <a16:creationId xmlns:a16="http://schemas.microsoft.com/office/drawing/2014/main" xmlns="" id="{FB352E9C-7394-48E0-A08D-56390F6520E1}"/>
+                <a16:creationId xmlns="" xmlns:a16="http://schemas.microsoft.com/office/drawing/2014/main" id="{FB352E9C-7394-48E0-A08D-56390F6520E1}"/>
               </a:ext>
             </a:extLst>
           </p:cNvPr>
@@ -3356,7 +3356,7 @@
           <p:cNvPr id="4" name="Oval 3">
             <a:extLst>
               <a:ext uri="{FF2B5EF4-FFF2-40B4-BE49-F238E27FC236}">
-                <a16:creationId xmlns:a16="http://schemas.microsoft.com/office/drawing/2014/main" xmlns="" id="{D45F487B-A914-4C8E-B564-00C9D621567D}"/>
+                <a16:creationId xmlns="" xmlns:a16="http://schemas.microsoft.com/office/drawing/2014/main" id="{D45F487B-A914-4C8E-B564-00C9D621567D}"/>
               </a:ext>
             </a:extLst>
           </p:cNvPr>
@@ -3405,7 +3405,7 @@
           <p:cNvPr id="6" name="Straight Arrow Connector 5">
             <a:extLst>
               <a:ext uri="{FF2B5EF4-FFF2-40B4-BE49-F238E27FC236}">
-                <a16:creationId xmlns:a16="http://schemas.microsoft.com/office/drawing/2014/main" xmlns="" id="{73D6638D-34B0-4D9A-B7DC-62ABF1C7D407}"/>
+                <a16:creationId xmlns="" xmlns:a16="http://schemas.microsoft.com/office/drawing/2014/main" id="{73D6638D-34B0-4D9A-B7DC-62ABF1C7D407}"/>
               </a:ext>
             </a:extLst>
           </p:cNvPr>
@@ -3448,7 +3448,7 @@
           <p:cNvPr id="8" name="Rectangle: Rounded Corners 7">
             <a:extLst>
               <a:ext uri="{FF2B5EF4-FFF2-40B4-BE49-F238E27FC236}">
-                <a16:creationId xmlns:a16="http://schemas.microsoft.com/office/drawing/2014/main" xmlns="" id="{C13E6F3C-30CD-49FB-94D8-AF011F54E935}"/>
+                <a16:creationId xmlns="" xmlns:a16="http://schemas.microsoft.com/office/drawing/2014/main" id="{C13E6F3C-30CD-49FB-94D8-AF011F54E935}"/>
               </a:ext>
             </a:extLst>
           </p:cNvPr>
@@ -3500,7 +3500,7 @@
           <p:cNvPr id="9" name="Straight Arrow Connector 8">
             <a:extLst>
               <a:ext uri="{FF2B5EF4-FFF2-40B4-BE49-F238E27FC236}">
-                <a16:creationId xmlns:a16="http://schemas.microsoft.com/office/drawing/2014/main" xmlns="" id="{6A0B3198-7B18-417D-A041-B13DF5BAE7A6}"/>
+                <a16:creationId xmlns="" xmlns:a16="http://schemas.microsoft.com/office/drawing/2014/main" id="{6A0B3198-7B18-417D-A041-B13DF5BAE7A6}"/>
               </a:ext>
             </a:extLst>
           </p:cNvPr>
@@ -3543,7 +3543,7 @@
           <p:cNvPr id="46" name="Diamond 45">
             <a:extLst>
               <a:ext uri="{FF2B5EF4-FFF2-40B4-BE49-F238E27FC236}">
-                <a16:creationId xmlns:a16="http://schemas.microsoft.com/office/drawing/2014/main" xmlns="" id="{FDB4A38F-F816-4320-82EB-071E9BA2EFAB}"/>
+                <a16:creationId xmlns="" xmlns:a16="http://schemas.microsoft.com/office/drawing/2014/main" id="{FDB4A38F-F816-4320-82EB-071E9BA2EFAB}"/>
               </a:ext>
             </a:extLst>
           </p:cNvPr>
@@ -3592,7 +3592,7 @@
           <p:cNvPr id="47" name="TextBox 46">
             <a:extLst>
               <a:ext uri="{FF2B5EF4-FFF2-40B4-BE49-F238E27FC236}">
-                <a16:creationId xmlns:a16="http://schemas.microsoft.com/office/drawing/2014/main" xmlns="" id="{791A7435-1CBD-4D64-B373-CDF617409EFD}"/>
+                <a16:creationId xmlns="" xmlns:a16="http://schemas.microsoft.com/office/drawing/2014/main" id="{791A7435-1CBD-4D64-B373-CDF617409EFD}"/>
               </a:ext>
             </a:extLst>
           </p:cNvPr>
@@ -3627,7 +3627,7 @@
           <p:cNvPr id="48" name="TextBox 47">
             <a:extLst>
               <a:ext uri="{FF2B5EF4-FFF2-40B4-BE49-F238E27FC236}">
-                <a16:creationId xmlns:a16="http://schemas.microsoft.com/office/drawing/2014/main" xmlns="" id="{300470AD-DA4C-4F16-91F5-E3E560CDBEFC}"/>
+                <a16:creationId xmlns="" xmlns:a16="http://schemas.microsoft.com/office/drawing/2014/main" id="{300470AD-DA4C-4F16-91F5-E3E560CDBEFC}"/>
               </a:ext>
             </a:extLst>
           </p:cNvPr>
@@ -3659,8 +3659,16 @@
               <a:t>command commits </a:t>
             </a:r>
             <a:r>
-              <a:rPr lang="en-US" dirty="0" smtClean="0"/>
-              <a:t>book list]</a:t>
+              <a:rPr lang="en-US" smtClean="0"/>
+              <a:t>book </a:t>
+            </a:r>
+            <a:r>
+              <a:rPr lang="en-US" smtClean="0"/>
+              <a:t>shelf</a:t>
+            </a:r>
+            <a:r>
+              <a:rPr lang="en-US" smtClean="0"/>
+              <a:t>]</a:t>
             </a:r>
             <a:endParaRPr lang="en-SG" sz="1801" dirty="0"/>
           </a:p>
@@ -3671,7 +3679,7 @@
           <p:cNvPr id="51" name="Rectangle: Rounded Corners 50">
             <a:extLst>
               <a:ext uri="{FF2B5EF4-FFF2-40B4-BE49-F238E27FC236}">
-                <a16:creationId xmlns:a16="http://schemas.microsoft.com/office/drawing/2014/main" xmlns="" id="{D62D81FC-C644-4602-90C8-B7974D14CA54}"/>
+                <a16:creationId xmlns="" xmlns:a16="http://schemas.microsoft.com/office/drawing/2014/main" id="{D62D81FC-C644-4602-90C8-B7974D14CA54}"/>
               </a:ext>
             </a:extLst>
           </p:cNvPr>
@@ -3725,7 +3733,7 @@
             </a:r>
             <a:r>
               <a:rPr lang="en-SG" sz="1801" dirty="0" err="1" smtClean="0"/>
-              <a:t>bookListStateList</a:t>
+              <a:t>bookShelfStateList</a:t>
             </a:r>
             <a:r>
               <a:rPr lang="en-SG" sz="1801" dirty="0" smtClean="0"/>
@@ -3740,7 +3748,7 @@
           <p:cNvPr id="56" name="Diamond 55">
             <a:extLst>
               <a:ext uri="{FF2B5EF4-FFF2-40B4-BE49-F238E27FC236}">
-                <a16:creationId xmlns:a16="http://schemas.microsoft.com/office/drawing/2014/main" xmlns="" id="{0ACD7DC4-F31E-42B2-9D34-41B1AE997EB1}"/>
+                <a16:creationId xmlns="" xmlns:a16="http://schemas.microsoft.com/office/drawing/2014/main" id="{0ACD7DC4-F31E-42B2-9D34-41B1AE997EB1}"/>
               </a:ext>
             </a:extLst>
           </p:cNvPr>
@@ -3789,7 +3797,7 @@
           <p:cNvPr id="69" name="Straight Arrow Connector 68">
             <a:extLst>
               <a:ext uri="{FF2B5EF4-FFF2-40B4-BE49-F238E27FC236}">
-                <a16:creationId xmlns:a16="http://schemas.microsoft.com/office/drawing/2014/main" xmlns="" id="{7BE2639B-14BA-4C9C-9964-899CEF3278C9}"/>
+                <a16:creationId xmlns="" xmlns:a16="http://schemas.microsoft.com/office/drawing/2014/main" id="{7BE2639B-14BA-4C9C-9964-899CEF3278C9}"/>
               </a:ext>
             </a:extLst>
           </p:cNvPr>
@@ -3832,7 +3840,7 @@
           <p:cNvPr id="75" name="Group 74">
             <a:extLst>
               <a:ext uri="{FF2B5EF4-FFF2-40B4-BE49-F238E27FC236}">
-                <a16:creationId xmlns:a16="http://schemas.microsoft.com/office/drawing/2014/main" xmlns="" id="{A48F4168-7D41-4ED6-97F1-58289DDE3C4D}"/>
+                <a16:creationId xmlns="" xmlns:a16="http://schemas.microsoft.com/office/drawing/2014/main" id="{A48F4168-7D41-4ED6-97F1-58289DDE3C4D}"/>
               </a:ext>
             </a:extLst>
           </p:cNvPr>
@@ -3852,7 +3860,7 @@
             <p:cNvPr id="68" name="Oval 67">
               <a:extLst>
                 <a:ext uri="{FF2B5EF4-FFF2-40B4-BE49-F238E27FC236}">
-                  <a16:creationId xmlns:a16="http://schemas.microsoft.com/office/drawing/2014/main" xmlns="" id="{E423C8D7-553D-4A16-BA68-78DB113CAEC3}"/>
+                  <a16:creationId xmlns="" xmlns:a16="http://schemas.microsoft.com/office/drawing/2014/main" id="{E423C8D7-553D-4A16-BA68-78DB113CAEC3}"/>
                 </a:ext>
               </a:extLst>
             </p:cNvPr>
@@ -3904,7 +3912,7 @@
             <p:cNvPr id="71" name="Oval 70">
               <a:extLst>
                 <a:ext uri="{FF2B5EF4-FFF2-40B4-BE49-F238E27FC236}">
-                  <a16:creationId xmlns:a16="http://schemas.microsoft.com/office/drawing/2014/main" xmlns="" id="{1F41AA13-1BFC-498E-BBC4-DC32053E38E1}"/>
+                  <a16:creationId xmlns="" xmlns:a16="http://schemas.microsoft.com/office/drawing/2014/main" id="{1F41AA13-1BFC-498E-BBC4-DC32053E38E1}"/>
                 </a:ext>
               </a:extLst>
             </p:cNvPr>

--- a/docs/diagrams/UndoRedoActivityDiagram.pptx
+++ b/docs/diagrams/UndoRedoActivityDiagram.pptx
@@ -3335,8 +3335,18 @@
 </file>
 
 <file path=ppt/slides/slide1.xml><?xml version="1.0" encoding="utf-8"?>
-<p:sld xmlns:a="http://schemas.openxmlformats.org/drawingml/2006/main" xmlns:r="http://schemas.openxmlformats.org/officeDocument/2006/relationships" xmlns:p="http://schemas.openxmlformats.org/presentationml/2006/main">
+<p:sld xmlns:a="http://schemas.openxmlformats.org/drawingml/2006/main" xmlns:r="http://schemas.openxmlformats.org/officeDocument/2006/relationships" xmlns:p="http://schemas.openxmlformats.org/presentationml/2006/main" showMasterSp="0">
   <p:cSld>
+    <p:bg>
+      <p:bgPr>
+        <a:solidFill>
+          <a:schemeClr val="bg1">
+            <a:alpha val="0"/>
+          </a:schemeClr>
+        </a:solidFill>
+        <a:effectLst/>
+      </p:bgPr>
+    </p:bg>
     <p:spTree>
       <p:nvGrpSpPr>
         <p:cNvPr id="1" name=""/>
@@ -3660,15 +3670,7 @@
             </a:r>
             <a:r>
               <a:rPr lang="en-US" smtClean="0"/>
-              <a:t>book </a:t>
-            </a:r>
-            <a:r>
-              <a:rPr lang="en-US" smtClean="0"/>
-              <a:t>shelf</a:t>
-            </a:r>
-            <a:r>
-              <a:rPr lang="en-US" smtClean="0"/>
-              <a:t>]</a:t>
+              <a:t>book shelf]</a:t>
             </a:r>
             <a:endParaRPr lang="en-SG" sz="1801" dirty="0"/>
           </a:p>

--- a/docs/diagrams/UndoRedoActivityDiagram.pptx
+++ b/docs/diagrams/UndoRedoActivityDiagram.pptx
@@ -138,7 +138,7 @@
           <p:cNvPr id="2" name="Title 1">
             <a:extLst>
               <a:ext uri="{FF2B5EF4-FFF2-40B4-BE49-F238E27FC236}">
-                <a16:creationId xmlns:a16="http://schemas.microsoft.com/office/drawing/2014/main" id="{CE1B3102-23FE-4A07-92CF-8DB8025B5C54}"/>
+                <a16:creationId xmlns="" xmlns:a16="http://schemas.microsoft.com/office/drawing/2014/main" id="{CE1B3102-23FE-4A07-92CF-8DB8025B5C54}"/>
               </a:ext>
             </a:extLst>
           </p:cNvPr>
@@ -176,7 +176,7 @@
           <p:cNvPr id="3" name="Subtitle 2">
             <a:extLst>
               <a:ext uri="{FF2B5EF4-FFF2-40B4-BE49-F238E27FC236}">
-                <a16:creationId xmlns:a16="http://schemas.microsoft.com/office/drawing/2014/main" id="{09A64644-374F-4763-B477-E75EED09E18A}"/>
+                <a16:creationId xmlns="" xmlns:a16="http://schemas.microsoft.com/office/drawing/2014/main" id="{09A64644-374F-4763-B477-E75EED09E18A}"/>
               </a:ext>
             </a:extLst>
           </p:cNvPr>
@@ -247,7 +247,7 @@
           <p:cNvPr id="4" name="Date Placeholder 3">
             <a:extLst>
               <a:ext uri="{FF2B5EF4-FFF2-40B4-BE49-F238E27FC236}">
-                <a16:creationId xmlns:a16="http://schemas.microsoft.com/office/drawing/2014/main" id="{26CAD04B-553E-4EE0-8FEC-DA9E05F22F2C}"/>
+                <a16:creationId xmlns="" xmlns:a16="http://schemas.microsoft.com/office/drawing/2014/main" id="{26CAD04B-553E-4EE0-8FEC-DA9E05F22F2C}"/>
               </a:ext>
             </a:extLst>
           </p:cNvPr>
@@ -265,7 +265,7 @@
           <a:p>
             <a:fld id="{542F47FF-5056-41FF-A1F8-23A414798AA4}" type="datetimeFigureOut">
               <a:rPr lang="en-SG" smtClean="0"/>
-              <a:t>6/7/2018</a:t>
+              <a:t>5/3/19</a:t>
             </a:fld>
             <a:endParaRPr lang="en-SG"/>
           </a:p>
@@ -276,7 +276,7 @@
           <p:cNvPr id="5" name="Footer Placeholder 4">
             <a:extLst>
               <a:ext uri="{FF2B5EF4-FFF2-40B4-BE49-F238E27FC236}">
-                <a16:creationId xmlns:a16="http://schemas.microsoft.com/office/drawing/2014/main" id="{E6F42670-2AD7-448C-BB6C-D759C9255DEB}"/>
+                <a16:creationId xmlns="" xmlns:a16="http://schemas.microsoft.com/office/drawing/2014/main" id="{E6F42670-2AD7-448C-BB6C-D759C9255DEB}"/>
               </a:ext>
             </a:extLst>
           </p:cNvPr>
@@ -301,7 +301,7 @@
           <p:cNvPr id="6" name="Slide Number Placeholder 5">
             <a:extLst>
               <a:ext uri="{FF2B5EF4-FFF2-40B4-BE49-F238E27FC236}">
-                <a16:creationId xmlns:a16="http://schemas.microsoft.com/office/drawing/2014/main" id="{8CFAA546-9089-42A6-8CCB-5E88855E6CB1}"/>
+                <a16:creationId xmlns="" xmlns:a16="http://schemas.microsoft.com/office/drawing/2014/main" id="{8CFAA546-9089-42A6-8CCB-5E88855E6CB1}"/>
               </a:ext>
             </a:extLst>
           </p:cNvPr>
@@ -360,7 +360,7 @@
           <p:cNvPr id="2" name="Title 1">
             <a:extLst>
               <a:ext uri="{FF2B5EF4-FFF2-40B4-BE49-F238E27FC236}">
-                <a16:creationId xmlns:a16="http://schemas.microsoft.com/office/drawing/2014/main" id="{C73C8897-08BA-4903-B8F2-48E6E6713059}"/>
+                <a16:creationId xmlns="" xmlns:a16="http://schemas.microsoft.com/office/drawing/2014/main" id="{C73C8897-08BA-4903-B8F2-48E6E6713059}"/>
               </a:ext>
             </a:extLst>
           </p:cNvPr>
@@ -389,7 +389,7 @@
           <p:cNvPr id="3" name="Vertical Text Placeholder 2">
             <a:extLst>
               <a:ext uri="{FF2B5EF4-FFF2-40B4-BE49-F238E27FC236}">
-                <a16:creationId xmlns:a16="http://schemas.microsoft.com/office/drawing/2014/main" id="{F4DB86F3-F3A8-4AC4-A2D0-18858F9E9EAF}"/>
+                <a16:creationId xmlns="" xmlns:a16="http://schemas.microsoft.com/office/drawing/2014/main" id="{F4DB86F3-F3A8-4AC4-A2D0-18858F9E9EAF}"/>
               </a:ext>
             </a:extLst>
           </p:cNvPr>
@@ -447,7 +447,7 @@
           <p:cNvPr id="4" name="Date Placeholder 3">
             <a:extLst>
               <a:ext uri="{FF2B5EF4-FFF2-40B4-BE49-F238E27FC236}">
-                <a16:creationId xmlns:a16="http://schemas.microsoft.com/office/drawing/2014/main" id="{22C4FC92-3E88-48DC-9327-19CD6A48E96D}"/>
+                <a16:creationId xmlns="" xmlns:a16="http://schemas.microsoft.com/office/drawing/2014/main" id="{22C4FC92-3E88-48DC-9327-19CD6A48E96D}"/>
               </a:ext>
             </a:extLst>
           </p:cNvPr>
@@ -465,7 +465,7 @@
           <a:p>
             <a:fld id="{542F47FF-5056-41FF-A1F8-23A414798AA4}" type="datetimeFigureOut">
               <a:rPr lang="en-SG" smtClean="0"/>
-              <a:t>6/7/2018</a:t>
+              <a:t>5/3/19</a:t>
             </a:fld>
             <a:endParaRPr lang="en-SG"/>
           </a:p>
@@ -476,7 +476,7 @@
           <p:cNvPr id="5" name="Footer Placeholder 4">
             <a:extLst>
               <a:ext uri="{FF2B5EF4-FFF2-40B4-BE49-F238E27FC236}">
-                <a16:creationId xmlns:a16="http://schemas.microsoft.com/office/drawing/2014/main" id="{AA190F3C-D185-4E17-A1B5-D7F4DF331BE0}"/>
+                <a16:creationId xmlns="" xmlns:a16="http://schemas.microsoft.com/office/drawing/2014/main" id="{AA190F3C-D185-4E17-A1B5-D7F4DF331BE0}"/>
               </a:ext>
             </a:extLst>
           </p:cNvPr>
@@ -501,7 +501,7 @@
           <p:cNvPr id="6" name="Slide Number Placeholder 5">
             <a:extLst>
               <a:ext uri="{FF2B5EF4-FFF2-40B4-BE49-F238E27FC236}">
-                <a16:creationId xmlns:a16="http://schemas.microsoft.com/office/drawing/2014/main" id="{0F2506F5-483C-4F84-8363-1D309E459ADD}"/>
+                <a16:creationId xmlns="" xmlns:a16="http://schemas.microsoft.com/office/drawing/2014/main" id="{0F2506F5-483C-4F84-8363-1D309E459ADD}"/>
               </a:ext>
             </a:extLst>
           </p:cNvPr>
@@ -560,7 +560,7 @@
           <p:cNvPr id="2" name="Vertical Title 1">
             <a:extLst>
               <a:ext uri="{FF2B5EF4-FFF2-40B4-BE49-F238E27FC236}">
-                <a16:creationId xmlns:a16="http://schemas.microsoft.com/office/drawing/2014/main" id="{967C03EB-4647-4E98-B84F-7651E807A990}"/>
+                <a16:creationId xmlns="" xmlns:a16="http://schemas.microsoft.com/office/drawing/2014/main" id="{967C03EB-4647-4E98-B84F-7651E807A990}"/>
               </a:ext>
             </a:extLst>
           </p:cNvPr>
@@ -594,7 +594,7 @@
           <p:cNvPr id="3" name="Vertical Text Placeholder 2">
             <a:extLst>
               <a:ext uri="{FF2B5EF4-FFF2-40B4-BE49-F238E27FC236}">
-                <a16:creationId xmlns:a16="http://schemas.microsoft.com/office/drawing/2014/main" id="{22B1D2A8-918A-4854-959C-EDA5D46D2D74}"/>
+                <a16:creationId xmlns="" xmlns:a16="http://schemas.microsoft.com/office/drawing/2014/main" id="{22B1D2A8-918A-4854-959C-EDA5D46D2D74}"/>
               </a:ext>
             </a:extLst>
           </p:cNvPr>
@@ -657,7 +657,7 @@
           <p:cNvPr id="4" name="Date Placeholder 3">
             <a:extLst>
               <a:ext uri="{FF2B5EF4-FFF2-40B4-BE49-F238E27FC236}">
-                <a16:creationId xmlns:a16="http://schemas.microsoft.com/office/drawing/2014/main" id="{3F77D3B6-616A-4D06-980E-5A7866F9BB49}"/>
+                <a16:creationId xmlns="" xmlns:a16="http://schemas.microsoft.com/office/drawing/2014/main" id="{3F77D3B6-616A-4D06-980E-5A7866F9BB49}"/>
               </a:ext>
             </a:extLst>
           </p:cNvPr>
@@ -675,7 +675,7 @@
           <a:p>
             <a:fld id="{542F47FF-5056-41FF-A1F8-23A414798AA4}" type="datetimeFigureOut">
               <a:rPr lang="en-SG" smtClean="0"/>
-              <a:t>6/7/2018</a:t>
+              <a:t>5/3/19</a:t>
             </a:fld>
             <a:endParaRPr lang="en-SG"/>
           </a:p>
@@ -686,7 +686,7 @@
           <p:cNvPr id="5" name="Footer Placeholder 4">
             <a:extLst>
               <a:ext uri="{FF2B5EF4-FFF2-40B4-BE49-F238E27FC236}">
-                <a16:creationId xmlns:a16="http://schemas.microsoft.com/office/drawing/2014/main" id="{20525AA2-4FD6-4C5E-B28C-2C71AF011737}"/>
+                <a16:creationId xmlns="" xmlns:a16="http://schemas.microsoft.com/office/drawing/2014/main" id="{20525AA2-4FD6-4C5E-B28C-2C71AF011737}"/>
               </a:ext>
             </a:extLst>
           </p:cNvPr>
@@ -711,7 +711,7 @@
           <p:cNvPr id="6" name="Slide Number Placeholder 5">
             <a:extLst>
               <a:ext uri="{FF2B5EF4-FFF2-40B4-BE49-F238E27FC236}">
-                <a16:creationId xmlns:a16="http://schemas.microsoft.com/office/drawing/2014/main" id="{4E040DF9-BA3F-440A-8819-8D374D74F15E}"/>
+                <a16:creationId xmlns="" xmlns:a16="http://schemas.microsoft.com/office/drawing/2014/main" id="{4E040DF9-BA3F-440A-8819-8D374D74F15E}"/>
               </a:ext>
             </a:extLst>
           </p:cNvPr>
@@ -770,7 +770,7 @@
           <p:cNvPr id="2" name="Title 1">
             <a:extLst>
               <a:ext uri="{FF2B5EF4-FFF2-40B4-BE49-F238E27FC236}">
-                <a16:creationId xmlns:a16="http://schemas.microsoft.com/office/drawing/2014/main" id="{75C804EA-614F-485C-A53F-C32B83B67A30}"/>
+                <a16:creationId xmlns="" xmlns:a16="http://schemas.microsoft.com/office/drawing/2014/main" id="{75C804EA-614F-485C-A53F-C32B83B67A30}"/>
               </a:ext>
             </a:extLst>
           </p:cNvPr>
@@ -799,7 +799,7 @@
           <p:cNvPr id="3" name="Content Placeholder 2">
             <a:extLst>
               <a:ext uri="{FF2B5EF4-FFF2-40B4-BE49-F238E27FC236}">
-                <a16:creationId xmlns:a16="http://schemas.microsoft.com/office/drawing/2014/main" id="{912A86A6-5554-4D2F-97BB-2D649E738506}"/>
+                <a16:creationId xmlns="" xmlns:a16="http://schemas.microsoft.com/office/drawing/2014/main" id="{912A86A6-5554-4D2F-97BB-2D649E738506}"/>
               </a:ext>
             </a:extLst>
           </p:cNvPr>
@@ -857,7 +857,7 @@
           <p:cNvPr id="4" name="Date Placeholder 3">
             <a:extLst>
               <a:ext uri="{FF2B5EF4-FFF2-40B4-BE49-F238E27FC236}">
-                <a16:creationId xmlns:a16="http://schemas.microsoft.com/office/drawing/2014/main" id="{69704FB4-4D28-4A39-B81F-407E0DDD475C}"/>
+                <a16:creationId xmlns="" xmlns:a16="http://schemas.microsoft.com/office/drawing/2014/main" id="{69704FB4-4D28-4A39-B81F-407E0DDD475C}"/>
               </a:ext>
             </a:extLst>
           </p:cNvPr>
@@ -875,7 +875,7 @@
           <a:p>
             <a:fld id="{542F47FF-5056-41FF-A1F8-23A414798AA4}" type="datetimeFigureOut">
               <a:rPr lang="en-SG" smtClean="0"/>
-              <a:t>6/7/2018</a:t>
+              <a:t>5/3/19</a:t>
             </a:fld>
             <a:endParaRPr lang="en-SG"/>
           </a:p>
@@ -886,7 +886,7 @@
           <p:cNvPr id="5" name="Footer Placeholder 4">
             <a:extLst>
               <a:ext uri="{FF2B5EF4-FFF2-40B4-BE49-F238E27FC236}">
-                <a16:creationId xmlns:a16="http://schemas.microsoft.com/office/drawing/2014/main" id="{AFDB90F4-6173-409D-8731-A4C292C33336}"/>
+                <a16:creationId xmlns="" xmlns:a16="http://schemas.microsoft.com/office/drawing/2014/main" id="{AFDB90F4-6173-409D-8731-A4C292C33336}"/>
               </a:ext>
             </a:extLst>
           </p:cNvPr>
@@ -911,7 +911,7 @@
           <p:cNvPr id="6" name="Slide Number Placeholder 5">
             <a:extLst>
               <a:ext uri="{FF2B5EF4-FFF2-40B4-BE49-F238E27FC236}">
-                <a16:creationId xmlns:a16="http://schemas.microsoft.com/office/drawing/2014/main" id="{0C00E245-E701-4B2E-925D-4322EFA20D66}"/>
+                <a16:creationId xmlns="" xmlns:a16="http://schemas.microsoft.com/office/drawing/2014/main" id="{0C00E245-E701-4B2E-925D-4322EFA20D66}"/>
               </a:ext>
             </a:extLst>
           </p:cNvPr>
@@ -970,7 +970,7 @@
           <p:cNvPr id="2" name="Title 1">
             <a:extLst>
               <a:ext uri="{FF2B5EF4-FFF2-40B4-BE49-F238E27FC236}">
-                <a16:creationId xmlns:a16="http://schemas.microsoft.com/office/drawing/2014/main" id="{2237510E-B988-4DCB-9C02-932F190AC101}"/>
+                <a16:creationId xmlns="" xmlns:a16="http://schemas.microsoft.com/office/drawing/2014/main" id="{2237510E-B988-4DCB-9C02-932F190AC101}"/>
               </a:ext>
             </a:extLst>
           </p:cNvPr>
@@ -1008,7 +1008,7 @@
           <p:cNvPr id="3" name="Text Placeholder 2">
             <a:extLst>
               <a:ext uri="{FF2B5EF4-FFF2-40B4-BE49-F238E27FC236}">
-                <a16:creationId xmlns:a16="http://schemas.microsoft.com/office/drawing/2014/main" id="{784A23DD-6E19-4939-A085-751F973752F5}"/>
+                <a16:creationId xmlns="" xmlns:a16="http://schemas.microsoft.com/office/drawing/2014/main" id="{784A23DD-6E19-4939-A085-751F973752F5}"/>
               </a:ext>
             </a:extLst>
           </p:cNvPr>
@@ -1133,7 +1133,7 @@
           <p:cNvPr id="4" name="Date Placeholder 3">
             <a:extLst>
               <a:ext uri="{FF2B5EF4-FFF2-40B4-BE49-F238E27FC236}">
-                <a16:creationId xmlns:a16="http://schemas.microsoft.com/office/drawing/2014/main" id="{CD5B15F4-A7B8-4D17-8C46-94AC6465D19A}"/>
+                <a16:creationId xmlns="" xmlns:a16="http://schemas.microsoft.com/office/drawing/2014/main" id="{CD5B15F4-A7B8-4D17-8C46-94AC6465D19A}"/>
               </a:ext>
             </a:extLst>
           </p:cNvPr>
@@ -1151,7 +1151,7 @@
           <a:p>
             <a:fld id="{542F47FF-5056-41FF-A1F8-23A414798AA4}" type="datetimeFigureOut">
               <a:rPr lang="en-SG" smtClean="0"/>
-              <a:t>6/7/2018</a:t>
+              <a:t>5/3/19</a:t>
             </a:fld>
             <a:endParaRPr lang="en-SG"/>
           </a:p>
@@ -1162,7 +1162,7 @@
           <p:cNvPr id="5" name="Footer Placeholder 4">
             <a:extLst>
               <a:ext uri="{FF2B5EF4-FFF2-40B4-BE49-F238E27FC236}">
-                <a16:creationId xmlns:a16="http://schemas.microsoft.com/office/drawing/2014/main" id="{0CC0B098-2820-40C0-8166-283BB17CD72D}"/>
+                <a16:creationId xmlns="" xmlns:a16="http://schemas.microsoft.com/office/drawing/2014/main" id="{0CC0B098-2820-40C0-8166-283BB17CD72D}"/>
               </a:ext>
             </a:extLst>
           </p:cNvPr>
@@ -1187,7 +1187,7 @@
           <p:cNvPr id="6" name="Slide Number Placeholder 5">
             <a:extLst>
               <a:ext uri="{FF2B5EF4-FFF2-40B4-BE49-F238E27FC236}">
-                <a16:creationId xmlns:a16="http://schemas.microsoft.com/office/drawing/2014/main" id="{CA1D6085-5297-4CE0-858B-F5A8477F21A1}"/>
+                <a16:creationId xmlns="" xmlns:a16="http://schemas.microsoft.com/office/drawing/2014/main" id="{CA1D6085-5297-4CE0-858B-F5A8477F21A1}"/>
               </a:ext>
             </a:extLst>
           </p:cNvPr>
@@ -1246,7 +1246,7 @@
           <p:cNvPr id="2" name="Title 1">
             <a:extLst>
               <a:ext uri="{FF2B5EF4-FFF2-40B4-BE49-F238E27FC236}">
-                <a16:creationId xmlns:a16="http://schemas.microsoft.com/office/drawing/2014/main" id="{C8312645-9305-4015-B5DF-8CD06CE54CD2}"/>
+                <a16:creationId xmlns="" xmlns:a16="http://schemas.microsoft.com/office/drawing/2014/main" id="{C8312645-9305-4015-B5DF-8CD06CE54CD2}"/>
               </a:ext>
             </a:extLst>
           </p:cNvPr>
@@ -1275,7 +1275,7 @@
           <p:cNvPr id="3" name="Content Placeholder 2">
             <a:extLst>
               <a:ext uri="{FF2B5EF4-FFF2-40B4-BE49-F238E27FC236}">
-                <a16:creationId xmlns:a16="http://schemas.microsoft.com/office/drawing/2014/main" id="{5F718F3D-23A6-4BAE-A195-9290BED99436}"/>
+                <a16:creationId xmlns="" xmlns:a16="http://schemas.microsoft.com/office/drawing/2014/main" id="{5F718F3D-23A6-4BAE-A195-9290BED99436}"/>
               </a:ext>
             </a:extLst>
           </p:cNvPr>
@@ -1338,7 +1338,7 @@
           <p:cNvPr id="4" name="Content Placeholder 3">
             <a:extLst>
               <a:ext uri="{FF2B5EF4-FFF2-40B4-BE49-F238E27FC236}">
-                <a16:creationId xmlns:a16="http://schemas.microsoft.com/office/drawing/2014/main" id="{987DE0C4-EF3A-42E6-9D3E-22C7A0BC9A37}"/>
+                <a16:creationId xmlns="" xmlns:a16="http://schemas.microsoft.com/office/drawing/2014/main" id="{987DE0C4-EF3A-42E6-9D3E-22C7A0BC9A37}"/>
               </a:ext>
             </a:extLst>
           </p:cNvPr>
@@ -1401,7 +1401,7 @@
           <p:cNvPr id="5" name="Date Placeholder 4">
             <a:extLst>
               <a:ext uri="{FF2B5EF4-FFF2-40B4-BE49-F238E27FC236}">
-                <a16:creationId xmlns:a16="http://schemas.microsoft.com/office/drawing/2014/main" id="{E4BFA167-4D74-44D4-AA06-F7DBEA7BB015}"/>
+                <a16:creationId xmlns="" xmlns:a16="http://schemas.microsoft.com/office/drawing/2014/main" id="{E4BFA167-4D74-44D4-AA06-F7DBEA7BB015}"/>
               </a:ext>
             </a:extLst>
           </p:cNvPr>
@@ -1419,7 +1419,7 @@
           <a:p>
             <a:fld id="{542F47FF-5056-41FF-A1F8-23A414798AA4}" type="datetimeFigureOut">
               <a:rPr lang="en-SG" smtClean="0"/>
-              <a:t>6/7/2018</a:t>
+              <a:t>5/3/19</a:t>
             </a:fld>
             <a:endParaRPr lang="en-SG"/>
           </a:p>
@@ -1430,7 +1430,7 @@
           <p:cNvPr id="6" name="Footer Placeholder 5">
             <a:extLst>
               <a:ext uri="{FF2B5EF4-FFF2-40B4-BE49-F238E27FC236}">
-                <a16:creationId xmlns:a16="http://schemas.microsoft.com/office/drawing/2014/main" id="{000F966C-5803-470B-AFA7-C187FB7AE76F}"/>
+                <a16:creationId xmlns="" xmlns:a16="http://schemas.microsoft.com/office/drawing/2014/main" id="{000F966C-5803-470B-AFA7-C187FB7AE76F}"/>
               </a:ext>
             </a:extLst>
           </p:cNvPr>
@@ -1455,7 +1455,7 @@
           <p:cNvPr id="7" name="Slide Number Placeholder 6">
             <a:extLst>
               <a:ext uri="{FF2B5EF4-FFF2-40B4-BE49-F238E27FC236}">
-                <a16:creationId xmlns:a16="http://schemas.microsoft.com/office/drawing/2014/main" id="{C5072683-17F0-489D-BA30-0EAE1A9786AE}"/>
+                <a16:creationId xmlns="" xmlns:a16="http://schemas.microsoft.com/office/drawing/2014/main" id="{C5072683-17F0-489D-BA30-0EAE1A9786AE}"/>
               </a:ext>
             </a:extLst>
           </p:cNvPr>
@@ -1514,7 +1514,7 @@
           <p:cNvPr id="2" name="Title 1">
             <a:extLst>
               <a:ext uri="{FF2B5EF4-FFF2-40B4-BE49-F238E27FC236}">
-                <a16:creationId xmlns:a16="http://schemas.microsoft.com/office/drawing/2014/main" id="{CEC7B897-F9D1-4F32-BB47-48174A5ED64C}"/>
+                <a16:creationId xmlns="" xmlns:a16="http://schemas.microsoft.com/office/drawing/2014/main" id="{CEC7B897-F9D1-4F32-BB47-48174A5ED64C}"/>
               </a:ext>
             </a:extLst>
           </p:cNvPr>
@@ -1548,7 +1548,7 @@
           <p:cNvPr id="3" name="Text Placeholder 2">
             <a:extLst>
               <a:ext uri="{FF2B5EF4-FFF2-40B4-BE49-F238E27FC236}">
-                <a16:creationId xmlns:a16="http://schemas.microsoft.com/office/drawing/2014/main" id="{F641612B-9729-43C6-B566-AD5088E65020}"/>
+                <a16:creationId xmlns="" xmlns:a16="http://schemas.microsoft.com/office/drawing/2014/main" id="{F641612B-9729-43C6-B566-AD5088E65020}"/>
               </a:ext>
             </a:extLst>
           </p:cNvPr>
@@ -1619,7 +1619,7 @@
           <p:cNvPr id="4" name="Content Placeholder 3">
             <a:extLst>
               <a:ext uri="{FF2B5EF4-FFF2-40B4-BE49-F238E27FC236}">
-                <a16:creationId xmlns:a16="http://schemas.microsoft.com/office/drawing/2014/main" id="{C9E1DDFB-755B-486A-8E6E-CC7CFE66970C}"/>
+                <a16:creationId xmlns="" xmlns:a16="http://schemas.microsoft.com/office/drawing/2014/main" id="{C9E1DDFB-755B-486A-8E6E-CC7CFE66970C}"/>
               </a:ext>
             </a:extLst>
           </p:cNvPr>
@@ -1682,7 +1682,7 @@
           <p:cNvPr id="5" name="Text Placeholder 4">
             <a:extLst>
               <a:ext uri="{FF2B5EF4-FFF2-40B4-BE49-F238E27FC236}">
-                <a16:creationId xmlns:a16="http://schemas.microsoft.com/office/drawing/2014/main" id="{9C513BAE-7453-4E00-A4D1-7192F85ACD26}"/>
+                <a16:creationId xmlns="" xmlns:a16="http://schemas.microsoft.com/office/drawing/2014/main" id="{9C513BAE-7453-4E00-A4D1-7192F85ACD26}"/>
               </a:ext>
             </a:extLst>
           </p:cNvPr>
@@ -1753,7 +1753,7 @@
           <p:cNvPr id="6" name="Content Placeholder 5">
             <a:extLst>
               <a:ext uri="{FF2B5EF4-FFF2-40B4-BE49-F238E27FC236}">
-                <a16:creationId xmlns:a16="http://schemas.microsoft.com/office/drawing/2014/main" id="{CD44104D-C0AE-4458-869E-DFF710C415CC}"/>
+                <a16:creationId xmlns="" xmlns:a16="http://schemas.microsoft.com/office/drawing/2014/main" id="{CD44104D-C0AE-4458-869E-DFF710C415CC}"/>
               </a:ext>
             </a:extLst>
           </p:cNvPr>
@@ -1816,7 +1816,7 @@
           <p:cNvPr id="7" name="Date Placeholder 6">
             <a:extLst>
               <a:ext uri="{FF2B5EF4-FFF2-40B4-BE49-F238E27FC236}">
-                <a16:creationId xmlns:a16="http://schemas.microsoft.com/office/drawing/2014/main" id="{4CB7CAF3-D690-40A3-88F7-9D0D17864C18}"/>
+                <a16:creationId xmlns="" xmlns:a16="http://schemas.microsoft.com/office/drawing/2014/main" id="{4CB7CAF3-D690-40A3-88F7-9D0D17864C18}"/>
               </a:ext>
             </a:extLst>
           </p:cNvPr>
@@ -1834,7 +1834,7 @@
           <a:p>
             <a:fld id="{542F47FF-5056-41FF-A1F8-23A414798AA4}" type="datetimeFigureOut">
               <a:rPr lang="en-SG" smtClean="0"/>
-              <a:t>6/7/2018</a:t>
+              <a:t>5/3/19</a:t>
             </a:fld>
             <a:endParaRPr lang="en-SG"/>
           </a:p>
@@ -1845,7 +1845,7 @@
           <p:cNvPr id="8" name="Footer Placeholder 7">
             <a:extLst>
               <a:ext uri="{FF2B5EF4-FFF2-40B4-BE49-F238E27FC236}">
-                <a16:creationId xmlns:a16="http://schemas.microsoft.com/office/drawing/2014/main" id="{E3FCCAB0-63DD-4704-AA42-E4F81E641DA3}"/>
+                <a16:creationId xmlns="" xmlns:a16="http://schemas.microsoft.com/office/drawing/2014/main" id="{E3FCCAB0-63DD-4704-AA42-E4F81E641DA3}"/>
               </a:ext>
             </a:extLst>
           </p:cNvPr>
@@ -1870,7 +1870,7 @@
           <p:cNvPr id="9" name="Slide Number Placeholder 8">
             <a:extLst>
               <a:ext uri="{FF2B5EF4-FFF2-40B4-BE49-F238E27FC236}">
-                <a16:creationId xmlns:a16="http://schemas.microsoft.com/office/drawing/2014/main" id="{604EFCC3-8687-4BC3-9C9E-60FD561B237F}"/>
+                <a16:creationId xmlns="" xmlns:a16="http://schemas.microsoft.com/office/drawing/2014/main" id="{604EFCC3-8687-4BC3-9C9E-60FD561B237F}"/>
               </a:ext>
             </a:extLst>
           </p:cNvPr>
@@ -1929,7 +1929,7 @@
           <p:cNvPr id="2" name="Title 1">
             <a:extLst>
               <a:ext uri="{FF2B5EF4-FFF2-40B4-BE49-F238E27FC236}">
-                <a16:creationId xmlns:a16="http://schemas.microsoft.com/office/drawing/2014/main" id="{D324AE97-E2C9-4642-887A-4474C5566AA6}"/>
+                <a16:creationId xmlns="" xmlns:a16="http://schemas.microsoft.com/office/drawing/2014/main" id="{D324AE97-E2C9-4642-887A-4474C5566AA6}"/>
               </a:ext>
             </a:extLst>
           </p:cNvPr>
@@ -1958,7 +1958,7 @@
           <p:cNvPr id="3" name="Date Placeholder 2">
             <a:extLst>
               <a:ext uri="{FF2B5EF4-FFF2-40B4-BE49-F238E27FC236}">
-                <a16:creationId xmlns:a16="http://schemas.microsoft.com/office/drawing/2014/main" id="{919EDCEA-D8A9-431E-AF93-4824C03FD0F2}"/>
+                <a16:creationId xmlns="" xmlns:a16="http://schemas.microsoft.com/office/drawing/2014/main" id="{919EDCEA-D8A9-431E-AF93-4824C03FD0F2}"/>
               </a:ext>
             </a:extLst>
           </p:cNvPr>
@@ -1976,7 +1976,7 @@
           <a:p>
             <a:fld id="{542F47FF-5056-41FF-A1F8-23A414798AA4}" type="datetimeFigureOut">
               <a:rPr lang="en-SG" smtClean="0"/>
-              <a:t>6/7/2018</a:t>
+              <a:t>5/3/19</a:t>
             </a:fld>
             <a:endParaRPr lang="en-SG"/>
           </a:p>
@@ -1987,7 +1987,7 @@
           <p:cNvPr id="4" name="Footer Placeholder 3">
             <a:extLst>
               <a:ext uri="{FF2B5EF4-FFF2-40B4-BE49-F238E27FC236}">
-                <a16:creationId xmlns:a16="http://schemas.microsoft.com/office/drawing/2014/main" id="{1F13DD51-16D3-435A-A475-0C2A7255A05E}"/>
+                <a16:creationId xmlns="" xmlns:a16="http://schemas.microsoft.com/office/drawing/2014/main" id="{1F13DD51-16D3-435A-A475-0C2A7255A05E}"/>
               </a:ext>
             </a:extLst>
           </p:cNvPr>
@@ -2012,7 +2012,7 @@
           <p:cNvPr id="5" name="Slide Number Placeholder 4">
             <a:extLst>
               <a:ext uri="{FF2B5EF4-FFF2-40B4-BE49-F238E27FC236}">
-                <a16:creationId xmlns:a16="http://schemas.microsoft.com/office/drawing/2014/main" id="{3D7AC15F-BADE-4466-835A-57B1A9E5162B}"/>
+                <a16:creationId xmlns="" xmlns:a16="http://schemas.microsoft.com/office/drawing/2014/main" id="{3D7AC15F-BADE-4466-835A-57B1A9E5162B}"/>
               </a:ext>
             </a:extLst>
           </p:cNvPr>
@@ -2071,7 +2071,7 @@
           <p:cNvPr id="2" name="Date Placeholder 1">
             <a:extLst>
               <a:ext uri="{FF2B5EF4-FFF2-40B4-BE49-F238E27FC236}">
-                <a16:creationId xmlns:a16="http://schemas.microsoft.com/office/drawing/2014/main" id="{48F01CC8-EEC4-4B3C-8C73-3EBB7DCEBE67}"/>
+                <a16:creationId xmlns="" xmlns:a16="http://schemas.microsoft.com/office/drawing/2014/main" id="{48F01CC8-EEC4-4B3C-8C73-3EBB7DCEBE67}"/>
               </a:ext>
             </a:extLst>
           </p:cNvPr>
@@ -2089,7 +2089,7 @@
           <a:p>
             <a:fld id="{542F47FF-5056-41FF-A1F8-23A414798AA4}" type="datetimeFigureOut">
               <a:rPr lang="en-SG" smtClean="0"/>
-              <a:t>6/7/2018</a:t>
+              <a:t>5/3/19</a:t>
             </a:fld>
             <a:endParaRPr lang="en-SG"/>
           </a:p>
@@ -2100,7 +2100,7 @@
           <p:cNvPr id="3" name="Footer Placeholder 2">
             <a:extLst>
               <a:ext uri="{FF2B5EF4-FFF2-40B4-BE49-F238E27FC236}">
-                <a16:creationId xmlns:a16="http://schemas.microsoft.com/office/drawing/2014/main" id="{4D820BAF-6E28-43DA-9E9B-8C229AB2A964}"/>
+                <a16:creationId xmlns="" xmlns:a16="http://schemas.microsoft.com/office/drawing/2014/main" id="{4D820BAF-6E28-43DA-9E9B-8C229AB2A964}"/>
               </a:ext>
             </a:extLst>
           </p:cNvPr>
@@ -2125,7 +2125,7 @@
           <p:cNvPr id="4" name="Slide Number Placeholder 3">
             <a:extLst>
               <a:ext uri="{FF2B5EF4-FFF2-40B4-BE49-F238E27FC236}">
-                <a16:creationId xmlns:a16="http://schemas.microsoft.com/office/drawing/2014/main" id="{49BFE3EF-B472-4F66-80D5-1B722E8086E6}"/>
+                <a16:creationId xmlns="" xmlns:a16="http://schemas.microsoft.com/office/drawing/2014/main" id="{49BFE3EF-B472-4F66-80D5-1B722E8086E6}"/>
               </a:ext>
             </a:extLst>
           </p:cNvPr>
@@ -2184,7 +2184,7 @@
           <p:cNvPr id="2" name="Title 1">
             <a:extLst>
               <a:ext uri="{FF2B5EF4-FFF2-40B4-BE49-F238E27FC236}">
-                <a16:creationId xmlns:a16="http://schemas.microsoft.com/office/drawing/2014/main" id="{E1ABDE73-0F58-47D3-8C8B-C147DE1C0B22}"/>
+                <a16:creationId xmlns="" xmlns:a16="http://schemas.microsoft.com/office/drawing/2014/main" id="{E1ABDE73-0F58-47D3-8C8B-C147DE1C0B22}"/>
               </a:ext>
             </a:extLst>
           </p:cNvPr>
@@ -2222,7 +2222,7 @@
           <p:cNvPr id="3" name="Content Placeholder 2">
             <a:extLst>
               <a:ext uri="{FF2B5EF4-FFF2-40B4-BE49-F238E27FC236}">
-                <a16:creationId xmlns:a16="http://schemas.microsoft.com/office/drawing/2014/main" id="{0167F6A8-B979-42A6-B421-40577DD5582F}"/>
+                <a16:creationId xmlns="" xmlns:a16="http://schemas.microsoft.com/office/drawing/2014/main" id="{0167F6A8-B979-42A6-B421-40577DD5582F}"/>
               </a:ext>
             </a:extLst>
           </p:cNvPr>
@@ -2313,7 +2313,7 @@
           <p:cNvPr id="4" name="Text Placeholder 3">
             <a:extLst>
               <a:ext uri="{FF2B5EF4-FFF2-40B4-BE49-F238E27FC236}">
-                <a16:creationId xmlns:a16="http://schemas.microsoft.com/office/drawing/2014/main" id="{6887A488-06FE-46E9-8AC5-DF38A61CCF05}"/>
+                <a16:creationId xmlns="" xmlns:a16="http://schemas.microsoft.com/office/drawing/2014/main" id="{6887A488-06FE-46E9-8AC5-DF38A61CCF05}"/>
               </a:ext>
             </a:extLst>
           </p:cNvPr>
@@ -2384,7 +2384,7 @@
           <p:cNvPr id="5" name="Date Placeholder 4">
             <a:extLst>
               <a:ext uri="{FF2B5EF4-FFF2-40B4-BE49-F238E27FC236}">
-                <a16:creationId xmlns:a16="http://schemas.microsoft.com/office/drawing/2014/main" id="{1225C56B-78B2-45C0-A8A9-C9D435A286D0}"/>
+                <a16:creationId xmlns="" xmlns:a16="http://schemas.microsoft.com/office/drawing/2014/main" id="{1225C56B-78B2-45C0-A8A9-C9D435A286D0}"/>
               </a:ext>
             </a:extLst>
           </p:cNvPr>
@@ -2402,7 +2402,7 @@
           <a:p>
             <a:fld id="{542F47FF-5056-41FF-A1F8-23A414798AA4}" type="datetimeFigureOut">
               <a:rPr lang="en-SG" smtClean="0"/>
-              <a:t>6/7/2018</a:t>
+              <a:t>5/3/19</a:t>
             </a:fld>
             <a:endParaRPr lang="en-SG"/>
           </a:p>
@@ -2413,7 +2413,7 @@
           <p:cNvPr id="6" name="Footer Placeholder 5">
             <a:extLst>
               <a:ext uri="{FF2B5EF4-FFF2-40B4-BE49-F238E27FC236}">
-                <a16:creationId xmlns:a16="http://schemas.microsoft.com/office/drawing/2014/main" id="{3F9E1B9E-B673-4E26-9323-D731DC395F9C}"/>
+                <a16:creationId xmlns="" xmlns:a16="http://schemas.microsoft.com/office/drawing/2014/main" id="{3F9E1B9E-B673-4E26-9323-D731DC395F9C}"/>
               </a:ext>
             </a:extLst>
           </p:cNvPr>
@@ -2438,7 +2438,7 @@
           <p:cNvPr id="7" name="Slide Number Placeholder 6">
             <a:extLst>
               <a:ext uri="{FF2B5EF4-FFF2-40B4-BE49-F238E27FC236}">
-                <a16:creationId xmlns:a16="http://schemas.microsoft.com/office/drawing/2014/main" id="{6633AB4A-8EB3-4154-869B-5580DEDF4F79}"/>
+                <a16:creationId xmlns="" xmlns:a16="http://schemas.microsoft.com/office/drawing/2014/main" id="{6633AB4A-8EB3-4154-869B-5580DEDF4F79}"/>
               </a:ext>
             </a:extLst>
           </p:cNvPr>
@@ -2497,7 +2497,7 @@
           <p:cNvPr id="2" name="Title 1">
             <a:extLst>
               <a:ext uri="{FF2B5EF4-FFF2-40B4-BE49-F238E27FC236}">
-                <a16:creationId xmlns:a16="http://schemas.microsoft.com/office/drawing/2014/main" id="{61D5430E-44A7-4B67-9F34-F532D5533356}"/>
+                <a16:creationId xmlns="" xmlns:a16="http://schemas.microsoft.com/office/drawing/2014/main" id="{61D5430E-44A7-4B67-9F34-F532D5533356}"/>
               </a:ext>
             </a:extLst>
           </p:cNvPr>
@@ -2535,7 +2535,7 @@
           <p:cNvPr id="3" name="Picture Placeholder 2">
             <a:extLst>
               <a:ext uri="{FF2B5EF4-FFF2-40B4-BE49-F238E27FC236}">
-                <a16:creationId xmlns:a16="http://schemas.microsoft.com/office/drawing/2014/main" id="{94374BCC-AC4A-4ED0-A7BD-6B2491EAED7E}"/>
+                <a16:creationId xmlns="" xmlns:a16="http://schemas.microsoft.com/office/drawing/2014/main" id="{94374BCC-AC4A-4ED0-A7BD-6B2491EAED7E}"/>
               </a:ext>
             </a:extLst>
           </p:cNvPr>
@@ -2602,7 +2602,7 @@
           <p:cNvPr id="4" name="Text Placeholder 3">
             <a:extLst>
               <a:ext uri="{FF2B5EF4-FFF2-40B4-BE49-F238E27FC236}">
-                <a16:creationId xmlns:a16="http://schemas.microsoft.com/office/drawing/2014/main" id="{5AD4568E-164B-462E-9285-49B735DD9DE7}"/>
+                <a16:creationId xmlns="" xmlns:a16="http://schemas.microsoft.com/office/drawing/2014/main" id="{5AD4568E-164B-462E-9285-49B735DD9DE7}"/>
               </a:ext>
             </a:extLst>
           </p:cNvPr>
@@ -2673,7 +2673,7 @@
           <p:cNvPr id="5" name="Date Placeholder 4">
             <a:extLst>
               <a:ext uri="{FF2B5EF4-FFF2-40B4-BE49-F238E27FC236}">
-                <a16:creationId xmlns:a16="http://schemas.microsoft.com/office/drawing/2014/main" id="{ABD88AB5-C9D0-4013-85B4-2228545F24AD}"/>
+                <a16:creationId xmlns="" xmlns:a16="http://schemas.microsoft.com/office/drawing/2014/main" id="{ABD88AB5-C9D0-4013-85B4-2228545F24AD}"/>
               </a:ext>
             </a:extLst>
           </p:cNvPr>
@@ -2691,7 +2691,7 @@
           <a:p>
             <a:fld id="{542F47FF-5056-41FF-A1F8-23A414798AA4}" type="datetimeFigureOut">
               <a:rPr lang="en-SG" smtClean="0"/>
-              <a:t>6/7/2018</a:t>
+              <a:t>5/3/19</a:t>
             </a:fld>
             <a:endParaRPr lang="en-SG"/>
           </a:p>
@@ -2702,7 +2702,7 @@
           <p:cNvPr id="6" name="Footer Placeholder 5">
             <a:extLst>
               <a:ext uri="{FF2B5EF4-FFF2-40B4-BE49-F238E27FC236}">
-                <a16:creationId xmlns:a16="http://schemas.microsoft.com/office/drawing/2014/main" id="{6378A798-E2A6-4417-A003-DE553E8EC325}"/>
+                <a16:creationId xmlns="" xmlns:a16="http://schemas.microsoft.com/office/drawing/2014/main" id="{6378A798-E2A6-4417-A003-DE553E8EC325}"/>
               </a:ext>
             </a:extLst>
           </p:cNvPr>
@@ -2727,7 +2727,7 @@
           <p:cNvPr id="7" name="Slide Number Placeholder 6">
             <a:extLst>
               <a:ext uri="{FF2B5EF4-FFF2-40B4-BE49-F238E27FC236}">
-                <a16:creationId xmlns:a16="http://schemas.microsoft.com/office/drawing/2014/main" id="{7BC6852D-C345-455C-9499-B57AE4D2D943}"/>
+                <a16:creationId xmlns="" xmlns:a16="http://schemas.microsoft.com/office/drawing/2014/main" id="{7BC6852D-C345-455C-9499-B57AE4D2D943}"/>
               </a:ext>
             </a:extLst>
           </p:cNvPr>
@@ -2791,7 +2791,7 @@
           <p:cNvPr id="2" name="Title Placeholder 1">
             <a:extLst>
               <a:ext uri="{FF2B5EF4-FFF2-40B4-BE49-F238E27FC236}">
-                <a16:creationId xmlns:a16="http://schemas.microsoft.com/office/drawing/2014/main" id="{CF097353-E272-4974-B34C-369C28928CA1}"/>
+                <a16:creationId xmlns="" xmlns:a16="http://schemas.microsoft.com/office/drawing/2014/main" id="{CF097353-E272-4974-B34C-369C28928CA1}"/>
               </a:ext>
             </a:extLst>
           </p:cNvPr>
@@ -2830,7 +2830,7 @@
           <p:cNvPr id="3" name="Text Placeholder 2">
             <a:extLst>
               <a:ext uri="{FF2B5EF4-FFF2-40B4-BE49-F238E27FC236}">
-                <a16:creationId xmlns:a16="http://schemas.microsoft.com/office/drawing/2014/main" id="{BB1BE290-84C1-4415-A557-1ACC36D1226C}"/>
+                <a16:creationId xmlns="" xmlns:a16="http://schemas.microsoft.com/office/drawing/2014/main" id="{BB1BE290-84C1-4415-A557-1ACC36D1226C}"/>
               </a:ext>
             </a:extLst>
           </p:cNvPr>
@@ -2898,7 +2898,7 @@
           <p:cNvPr id="4" name="Date Placeholder 3">
             <a:extLst>
               <a:ext uri="{FF2B5EF4-FFF2-40B4-BE49-F238E27FC236}">
-                <a16:creationId xmlns:a16="http://schemas.microsoft.com/office/drawing/2014/main" id="{F7EAAB47-96EA-44D5-8293-0D696F52A395}"/>
+                <a16:creationId xmlns="" xmlns:a16="http://schemas.microsoft.com/office/drawing/2014/main" id="{F7EAAB47-96EA-44D5-8293-0D696F52A395}"/>
               </a:ext>
             </a:extLst>
           </p:cNvPr>
@@ -2934,7 +2934,7 @@
           <a:p>
             <a:fld id="{542F47FF-5056-41FF-A1F8-23A414798AA4}" type="datetimeFigureOut">
               <a:rPr lang="en-SG" smtClean="0"/>
-              <a:t>6/7/2018</a:t>
+              <a:t>5/3/19</a:t>
             </a:fld>
             <a:endParaRPr lang="en-SG"/>
           </a:p>
@@ -2945,7 +2945,7 @@
           <p:cNvPr id="5" name="Footer Placeholder 4">
             <a:extLst>
               <a:ext uri="{FF2B5EF4-FFF2-40B4-BE49-F238E27FC236}">
-                <a16:creationId xmlns:a16="http://schemas.microsoft.com/office/drawing/2014/main" id="{F21C6E84-C98D-4391-98A0-E77A4221131C}"/>
+                <a16:creationId xmlns="" xmlns:a16="http://schemas.microsoft.com/office/drawing/2014/main" id="{F21C6E84-C98D-4391-98A0-E77A4221131C}"/>
               </a:ext>
             </a:extLst>
           </p:cNvPr>
@@ -2988,7 +2988,7 @@
           <p:cNvPr id="6" name="Slide Number Placeholder 5">
             <a:extLst>
               <a:ext uri="{FF2B5EF4-FFF2-40B4-BE49-F238E27FC236}">
-                <a16:creationId xmlns:a16="http://schemas.microsoft.com/office/drawing/2014/main" id="{FB352E9C-7394-48E0-A08D-56390F6520E1}"/>
+                <a16:creationId xmlns="" xmlns:a16="http://schemas.microsoft.com/office/drawing/2014/main" id="{FB352E9C-7394-48E0-A08D-56390F6520E1}"/>
               </a:ext>
             </a:extLst>
           </p:cNvPr>
@@ -3335,8 +3335,18 @@
 </file>
 
 <file path=ppt/slides/slide1.xml><?xml version="1.0" encoding="utf-8"?>
-<p:sld xmlns:a="http://schemas.openxmlformats.org/drawingml/2006/main" xmlns:r="http://schemas.openxmlformats.org/officeDocument/2006/relationships" xmlns:p="http://schemas.openxmlformats.org/presentationml/2006/main">
+<p:sld xmlns:a="http://schemas.openxmlformats.org/drawingml/2006/main" xmlns:r="http://schemas.openxmlformats.org/officeDocument/2006/relationships" xmlns:p="http://schemas.openxmlformats.org/presentationml/2006/main" showMasterSp="0">
   <p:cSld>
+    <p:bg>
+      <p:bgPr>
+        <a:solidFill>
+          <a:schemeClr val="bg1">
+            <a:alpha val="0"/>
+          </a:schemeClr>
+        </a:solidFill>
+        <a:effectLst/>
+      </p:bgPr>
+    </p:bg>
     <p:spTree>
       <p:nvGrpSpPr>
         <p:cNvPr id="1" name=""/>
@@ -3356,7 +3366,7 @@
           <p:cNvPr id="4" name="Oval 3">
             <a:extLst>
               <a:ext uri="{FF2B5EF4-FFF2-40B4-BE49-F238E27FC236}">
-                <a16:creationId xmlns:a16="http://schemas.microsoft.com/office/drawing/2014/main" id="{D45F487B-A914-4C8E-B564-00C9D621567D}"/>
+                <a16:creationId xmlns="" xmlns:a16="http://schemas.microsoft.com/office/drawing/2014/main" id="{D45F487B-A914-4C8E-B564-00C9D621567D}"/>
               </a:ext>
             </a:extLst>
           </p:cNvPr>
@@ -3405,7 +3415,7 @@
           <p:cNvPr id="6" name="Straight Arrow Connector 5">
             <a:extLst>
               <a:ext uri="{FF2B5EF4-FFF2-40B4-BE49-F238E27FC236}">
-                <a16:creationId xmlns:a16="http://schemas.microsoft.com/office/drawing/2014/main" id="{73D6638D-34B0-4D9A-B7DC-62ABF1C7D407}"/>
+                <a16:creationId xmlns="" xmlns:a16="http://schemas.microsoft.com/office/drawing/2014/main" id="{73D6638D-34B0-4D9A-B7DC-62ABF1C7D407}"/>
               </a:ext>
             </a:extLst>
           </p:cNvPr>
@@ -3448,7 +3458,7 @@
           <p:cNvPr id="8" name="Rectangle: Rounded Corners 7">
             <a:extLst>
               <a:ext uri="{FF2B5EF4-FFF2-40B4-BE49-F238E27FC236}">
-                <a16:creationId xmlns:a16="http://schemas.microsoft.com/office/drawing/2014/main" id="{C13E6F3C-30CD-49FB-94D8-AF011F54E935}"/>
+                <a16:creationId xmlns="" xmlns:a16="http://schemas.microsoft.com/office/drawing/2014/main" id="{C13E6F3C-30CD-49FB-94D8-AF011F54E935}"/>
               </a:ext>
             </a:extLst>
           </p:cNvPr>
@@ -3500,7 +3510,7 @@
           <p:cNvPr id="9" name="Straight Arrow Connector 8">
             <a:extLst>
               <a:ext uri="{FF2B5EF4-FFF2-40B4-BE49-F238E27FC236}">
-                <a16:creationId xmlns:a16="http://schemas.microsoft.com/office/drawing/2014/main" id="{6A0B3198-7B18-417D-A041-B13DF5BAE7A6}"/>
+                <a16:creationId xmlns="" xmlns:a16="http://schemas.microsoft.com/office/drawing/2014/main" id="{6A0B3198-7B18-417D-A041-B13DF5BAE7A6}"/>
               </a:ext>
             </a:extLst>
           </p:cNvPr>
@@ -3543,7 +3553,7 @@
           <p:cNvPr id="46" name="Diamond 45">
             <a:extLst>
               <a:ext uri="{FF2B5EF4-FFF2-40B4-BE49-F238E27FC236}">
-                <a16:creationId xmlns:a16="http://schemas.microsoft.com/office/drawing/2014/main" id="{FDB4A38F-F816-4320-82EB-071E9BA2EFAB}"/>
+                <a16:creationId xmlns="" xmlns:a16="http://schemas.microsoft.com/office/drawing/2014/main" id="{FDB4A38F-F816-4320-82EB-071E9BA2EFAB}"/>
               </a:ext>
             </a:extLst>
           </p:cNvPr>
@@ -3592,7 +3602,7 @@
           <p:cNvPr id="47" name="TextBox 46">
             <a:extLst>
               <a:ext uri="{FF2B5EF4-FFF2-40B4-BE49-F238E27FC236}">
-                <a16:creationId xmlns:a16="http://schemas.microsoft.com/office/drawing/2014/main" id="{791A7435-1CBD-4D64-B373-CDF617409EFD}"/>
+                <a16:creationId xmlns="" xmlns:a16="http://schemas.microsoft.com/office/drawing/2014/main" id="{791A7435-1CBD-4D64-B373-CDF617409EFD}"/>
               </a:ext>
             </a:extLst>
           </p:cNvPr>
@@ -3627,7 +3637,7 @@
           <p:cNvPr id="48" name="TextBox 47">
             <a:extLst>
               <a:ext uri="{FF2B5EF4-FFF2-40B4-BE49-F238E27FC236}">
-                <a16:creationId xmlns:a16="http://schemas.microsoft.com/office/drawing/2014/main" id="{300470AD-DA4C-4F16-91F5-E3E560CDBEFC}"/>
+                <a16:creationId xmlns="" xmlns:a16="http://schemas.microsoft.com/office/drawing/2014/main" id="{300470AD-DA4C-4F16-91F5-E3E560CDBEFC}"/>
               </a:ext>
             </a:extLst>
           </p:cNvPr>
@@ -3656,7 +3666,11 @@
             </a:r>
             <a:r>
               <a:rPr lang="en-US" dirty="0"/>
-              <a:t>command commits address book]</a:t>
+              <a:t>command commits </a:t>
+            </a:r>
+            <a:r>
+              <a:rPr lang="en-US" smtClean="0"/>
+              <a:t>book shelf]</a:t>
             </a:r>
             <a:endParaRPr lang="en-SG" sz="1801" dirty="0"/>
           </a:p>
@@ -3667,7 +3681,7 @@
           <p:cNvPr id="51" name="Rectangle: Rounded Corners 50">
             <a:extLst>
               <a:ext uri="{FF2B5EF4-FFF2-40B4-BE49-F238E27FC236}">
-                <a16:creationId xmlns:a16="http://schemas.microsoft.com/office/drawing/2014/main" id="{D62D81FC-C644-4602-90C8-B7974D14CA54}"/>
+                <a16:creationId xmlns="" xmlns:a16="http://schemas.microsoft.com/office/drawing/2014/main" id="{D62D81FC-C644-4602-90C8-B7974D14CA54}"/>
               </a:ext>
             </a:extLst>
           </p:cNvPr>
@@ -3709,16 +3723,25 @@
             <a:pPr algn="ctr"/>
             <a:r>
               <a:rPr lang="en-SG" sz="1801" dirty="0"/>
-              <a:t>Purge redundant states and then save address book to </a:t>
-            </a:r>
-            <a:r>
-              <a:rPr lang="en-SG" sz="1801" dirty="0" err="1"/>
-              <a:t>addressBookStateList</a:t>
+              <a:t>Purge redundant states and then save </a:t>
+            </a:r>
+            <a:r>
+              <a:rPr lang="en-SG" sz="1801" dirty="0" smtClean="0"/>
+              <a:t>book list </a:t>
             </a:r>
             <a:r>
               <a:rPr lang="en-SG" sz="1801" dirty="0"/>
+              <a:t>to </a:t>
+            </a:r>
+            <a:r>
+              <a:rPr lang="en-SG" sz="1801" dirty="0" err="1" smtClean="0"/>
+              <a:t>bookShelfStateList</a:t>
+            </a:r>
+            <a:r>
+              <a:rPr lang="en-SG" sz="1801" dirty="0" smtClean="0"/>
               <a:t> </a:t>
             </a:r>
+            <a:endParaRPr lang="en-SG" sz="1801" dirty="0"/>
           </a:p>
         </p:txBody>
       </p:sp>
@@ -3727,7 +3750,7 @@
           <p:cNvPr id="56" name="Diamond 55">
             <a:extLst>
               <a:ext uri="{FF2B5EF4-FFF2-40B4-BE49-F238E27FC236}">
-                <a16:creationId xmlns:a16="http://schemas.microsoft.com/office/drawing/2014/main" id="{0ACD7DC4-F31E-42B2-9D34-41B1AE997EB1}"/>
+                <a16:creationId xmlns="" xmlns:a16="http://schemas.microsoft.com/office/drawing/2014/main" id="{0ACD7DC4-F31E-42B2-9D34-41B1AE997EB1}"/>
               </a:ext>
             </a:extLst>
           </p:cNvPr>
@@ -3776,7 +3799,7 @@
           <p:cNvPr id="69" name="Straight Arrow Connector 68">
             <a:extLst>
               <a:ext uri="{FF2B5EF4-FFF2-40B4-BE49-F238E27FC236}">
-                <a16:creationId xmlns:a16="http://schemas.microsoft.com/office/drawing/2014/main" id="{7BE2639B-14BA-4C9C-9964-899CEF3278C9}"/>
+                <a16:creationId xmlns="" xmlns:a16="http://schemas.microsoft.com/office/drawing/2014/main" id="{7BE2639B-14BA-4C9C-9964-899CEF3278C9}"/>
               </a:ext>
             </a:extLst>
           </p:cNvPr>
@@ -3819,7 +3842,7 @@
           <p:cNvPr id="75" name="Group 74">
             <a:extLst>
               <a:ext uri="{FF2B5EF4-FFF2-40B4-BE49-F238E27FC236}">
-                <a16:creationId xmlns:a16="http://schemas.microsoft.com/office/drawing/2014/main" id="{A48F4168-7D41-4ED6-97F1-58289DDE3C4D}"/>
+                <a16:creationId xmlns="" xmlns:a16="http://schemas.microsoft.com/office/drawing/2014/main" id="{A48F4168-7D41-4ED6-97F1-58289DDE3C4D}"/>
               </a:ext>
             </a:extLst>
           </p:cNvPr>
@@ -3839,7 +3862,7 @@
             <p:cNvPr id="68" name="Oval 67">
               <a:extLst>
                 <a:ext uri="{FF2B5EF4-FFF2-40B4-BE49-F238E27FC236}">
-                  <a16:creationId xmlns:a16="http://schemas.microsoft.com/office/drawing/2014/main" id="{E423C8D7-553D-4A16-BA68-78DB113CAEC3}"/>
+                  <a16:creationId xmlns="" xmlns:a16="http://schemas.microsoft.com/office/drawing/2014/main" id="{E423C8D7-553D-4A16-BA68-78DB113CAEC3}"/>
                 </a:ext>
               </a:extLst>
             </p:cNvPr>
@@ -3891,7 +3914,7 @@
             <p:cNvPr id="71" name="Oval 70">
               <a:extLst>
                 <a:ext uri="{FF2B5EF4-FFF2-40B4-BE49-F238E27FC236}">
-                  <a16:creationId xmlns:a16="http://schemas.microsoft.com/office/drawing/2014/main" id="{1F41AA13-1BFC-498E-BBC4-DC32053E38E1}"/>
+                  <a16:creationId xmlns="" xmlns:a16="http://schemas.microsoft.com/office/drawing/2014/main" id="{1F41AA13-1BFC-498E-BBC4-DC32053E38E1}"/>
                 </a:ext>
               </a:extLst>
             </p:cNvPr>

--- a/docs/diagrams/UndoRedoActivityDiagram.pptx
+++ b/docs/diagrams/UndoRedoActivityDiagram.pptx
@@ -112,10 +112,6 @@
 </p:presentation>
 </file>
 
-<file path=ppt/revisionInfo.xml><?xml version="1.0" encoding="utf-8"?>
-<p1510:revInfo xmlns:a="http://schemas.openxmlformats.org/drawingml/2006/main" xmlns:r="http://schemas.openxmlformats.org/officeDocument/2006/relationships" xmlns:p1510="http://schemas.microsoft.com/office/powerpoint/2015/10/main"/>
-</file>
-
 <file path=ppt/slideLayouts/slideLayout1.xml><?xml version="1.0" encoding="utf-8"?>
 <p:sldLayout xmlns:a="http://schemas.openxmlformats.org/drawingml/2006/main" xmlns:r="http://schemas.openxmlformats.org/officeDocument/2006/relationships" xmlns:p="http://schemas.openxmlformats.org/presentationml/2006/main" type="title" preserve="1">
   <p:cSld name="Title Slide">
@@ -265,7 +261,7 @@
           <a:p>
             <a:fld id="{542F47FF-5056-41FF-A1F8-23A414798AA4}" type="datetimeFigureOut">
               <a:rPr lang="en-SG" smtClean="0"/>
-              <a:t>6/7/2018</a:t>
+              <a:t>17/3/2019</a:t>
             </a:fld>
             <a:endParaRPr lang="en-SG"/>
           </a:p>
@@ -465,7 +461,7 @@
           <a:p>
             <a:fld id="{542F47FF-5056-41FF-A1F8-23A414798AA4}" type="datetimeFigureOut">
               <a:rPr lang="en-SG" smtClean="0"/>
-              <a:t>6/7/2018</a:t>
+              <a:t>17/3/2019</a:t>
             </a:fld>
             <a:endParaRPr lang="en-SG"/>
           </a:p>
@@ -675,7 +671,7 @@
           <a:p>
             <a:fld id="{542F47FF-5056-41FF-A1F8-23A414798AA4}" type="datetimeFigureOut">
               <a:rPr lang="en-SG" smtClean="0"/>
-              <a:t>6/7/2018</a:t>
+              <a:t>17/3/2019</a:t>
             </a:fld>
             <a:endParaRPr lang="en-SG"/>
           </a:p>
@@ -875,7 +871,7 @@
           <a:p>
             <a:fld id="{542F47FF-5056-41FF-A1F8-23A414798AA4}" type="datetimeFigureOut">
               <a:rPr lang="en-SG" smtClean="0"/>
-              <a:t>6/7/2018</a:t>
+              <a:t>17/3/2019</a:t>
             </a:fld>
             <a:endParaRPr lang="en-SG"/>
           </a:p>
@@ -1151,7 +1147,7 @@
           <a:p>
             <a:fld id="{542F47FF-5056-41FF-A1F8-23A414798AA4}" type="datetimeFigureOut">
               <a:rPr lang="en-SG" smtClean="0"/>
-              <a:t>6/7/2018</a:t>
+              <a:t>17/3/2019</a:t>
             </a:fld>
             <a:endParaRPr lang="en-SG"/>
           </a:p>
@@ -1419,7 +1415,7 @@
           <a:p>
             <a:fld id="{542F47FF-5056-41FF-A1F8-23A414798AA4}" type="datetimeFigureOut">
               <a:rPr lang="en-SG" smtClean="0"/>
-              <a:t>6/7/2018</a:t>
+              <a:t>17/3/2019</a:t>
             </a:fld>
             <a:endParaRPr lang="en-SG"/>
           </a:p>
@@ -1834,7 +1830,7 @@
           <a:p>
             <a:fld id="{542F47FF-5056-41FF-A1F8-23A414798AA4}" type="datetimeFigureOut">
               <a:rPr lang="en-SG" smtClean="0"/>
-              <a:t>6/7/2018</a:t>
+              <a:t>17/3/2019</a:t>
             </a:fld>
             <a:endParaRPr lang="en-SG"/>
           </a:p>
@@ -1976,7 +1972,7 @@
           <a:p>
             <a:fld id="{542F47FF-5056-41FF-A1F8-23A414798AA4}" type="datetimeFigureOut">
               <a:rPr lang="en-SG" smtClean="0"/>
-              <a:t>6/7/2018</a:t>
+              <a:t>17/3/2019</a:t>
             </a:fld>
             <a:endParaRPr lang="en-SG"/>
           </a:p>
@@ -2089,7 +2085,7 @@
           <a:p>
             <a:fld id="{542F47FF-5056-41FF-A1F8-23A414798AA4}" type="datetimeFigureOut">
               <a:rPr lang="en-SG" smtClean="0"/>
-              <a:t>6/7/2018</a:t>
+              <a:t>17/3/2019</a:t>
             </a:fld>
             <a:endParaRPr lang="en-SG"/>
           </a:p>
@@ -2402,7 +2398,7 @@
           <a:p>
             <a:fld id="{542F47FF-5056-41FF-A1F8-23A414798AA4}" type="datetimeFigureOut">
               <a:rPr lang="en-SG" smtClean="0"/>
-              <a:t>6/7/2018</a:t>
+              <a:t>17/3/2019</a:t>
             </a:fld>
             <a:endParaRPr lang="en-SG"/>
           </a:p>
@@ -2691,7 +2687,7 @@
           <a:p>
             <a:fld id="{542F47FF-5056-41FF-A1F8-23A414798AA4}" type="datetimeFigureOut">
               <a:rPr lang="en-SG" smtClean="0"/>
-              <a:t>6/7/2018</a:t>
+              <a:t>17/3/2019</a:t>
             </a:fld>
             <a:endParaRPr lang="en-SG"/>
           </a:p>
@@ -2934,7 +2930,7 @@
           <a:p>
             <a:fld id="{542F47FF-5056-41FF-A1F8-23A414798AA4}" type="datetimeFigureOut">
               <a:rPr lang="en-SG" smtClean="0"/>
-              <a:t>6/7/2018</a:t>
+              <a:t>17/3/2019</a:t>
             </a:fld>
             <a:endParaRPr lang="en-SG"/>
           </a:p>
@@ -3656,7 +3652,7 @@
             </a:r>
             <a:r>
               <a:rPr lang="en-US" dirty="0"/>
-              <a:t>command commits address book]</a:t>
+              <a:t>command commits inventory]</a:t>
             </a:r>
             <a:endParaRPr lang="en-SG" sz="1801" dirty="0"/>
           </a:p>
@@ -3709,11 +3705,11 @@
             <a:pPr algn="ctr"/>
             <a:r>
               <a:rPr lang="en-SG" sz="1801" dirty="0"/>
-              <a:t>Purge redundant states and then save address book to </a:t>
+              <a:t>Purge redundant states and then save inventory to </a:t>
             </a:r>
             <a:r>
               <a:rPr lang="en-SG" sz="1801" dirty="0" err="1"/>
-              <a:t>addressBookStateList</a:t>
+              <a:t>inventoryStateList</a:t>
             </a:r>
             <a:r>
               <a:rPr lang="en-SG" sz="1801" dirty="0"/>

--- a/docs/diagrams/UndoRedoActivityDiagram.pptx
+++ b/docs/diagrams/UndoRedoActivityDiagram.pptx
@@ -112,10 +112,6 @@
 </p:presentation>
 </file>
 
-<file path=ppt/revisionInfo.xml><?xml version="1.0" encoding="utf-8"?>
-<p1510:revInfo xmlns:a="http://schemas.openxmlformats.org/drawingml/2006/main" xmlns:r="http://schemas.openxmlformats.org/officeDocument/2006/relationships" xmlns:p1510="http://schemas.microsoft.com/office/powerpoint/2015/10/main"/>
-</file>
-
 <file path=ppt/slideLayouts/slideLayout1.xml><?xml version="1.0" encoding="utf-8"?>
 <p:sldLayout xmlns:a="http://schemas.openxmlformats.org/drawingml/2006/main" xmlns:r="http://schemas.openxmlformats.org/officeDocument/2006/relationships" xmlns:p="http://schemas.openxmlformats.org/presentationml/2006/main" type="title" preserve="1">
   <p:cSld name="Title Slide">
@@ -265,7 +261,7 @@
           <a:p>
             <a:fld id="{542F47FF-5056-41FF-A1F8-23A414798AA4}" type="datetimeFigureOut">
               <a:rPr lang="en-SG" smtClean="0"/>
-              <a:t>6/7/2018</a:t>
+              <a:t>18/3/19</a:t>
             </a:fld>
             <a:endParaRPr lang="en-SG"/>
           </a:p>
@@ -465,7 +461,7 @@
           <a:p>
             <a:fld id="{542F47FF-5056-41FF-A1F8-23A414798AA4}" type="datetimeFigureOut">
               <a:rPr lang="en-SG" smtClean="0"/>
-              <a:t>6/7/2018</a:t>
+              <a:t>18/3/19</a:t>
             </a:fld>
             <a:endParaRPr lang="en-SG"/>
           </a:p>
@@ -675,7 +671,7 @@
           <a:p>
             <a:fld id="{542F47FF-5056-41FF-A1F8-23A414798AA4}" type="datetimeFigureOut">
               <a:rPr lang="en-SG" smtClean="0"/>
-              <a:t>6/7/2018</a:t>
+              <a:t>18/3/19</a:t>
             </a:fld>
             <a:endParaRPr lang="en-SG"/>
           </a:p>
@@ -875,7 +871,7 @@
           <a:p>
             <a:fld id="{542F47FF-5056-41FF-A1F8-23A414798AA4}" type="datetimeFigureOut">
               <a:rPr lang="en-SG" smtClean="0"/>
-              <a:t>6/7/2018</a:t>
+              <a:t>18/3/19</a:t>
             </a:fld>
             <a:endParaRPr lang="en-SG"/>
           </a:p>
@@ -1151,7 +1147,7 @@
           <a:p>
             <a:fld id="{542F47FF-5056-41FF-A1F8-23A414798AA4}" type="datetimeFigureOut">
               <a:rPr lang="en-SG" smtClean="0"/>
-              <a:t>6/7/2018</a:t>
+              <a:t>18/3/19</a:t>
             </a:fld>
             <a:endParaRPr lang="en-SG"/>
           </a:p>
@@ -1419,7 +1415,7 @@
           <a:p>
             <a:fld id="{542F47FF-5056-41FF-A1F8-23A414798AA4}" type="datetimeFigureOut">
               <a:rPr lang="en-SG" smtClean="0"/>
-              <a:t>6/7/2018</a:t>
+              <a:t>18/3/19</a:t>
             </a:fld>
             <a:endParaRPr lang="en-SG"/>
           </a:p>
@@ -1834,7 +1830,7 @@
           <a:p>
             <a:fld id="{542F47FF-5056-41FF-A1F8-23A414798AA4}" type="datetimeFigureOut">
               <a:rPr lang="en-SG" smtClean="0"/>
-              <a:t>6/7/2018</a:t>
+              <a:t>18/3/19</a:t>
             </a:fld>
             <a:endParaRPr lang="en-SG"/>
           </a:p>
@@ -1976,7 +1972,7 @@
           <a:p>
             <a:fld id="{542F47FF-5056-41FF-A1F8-23A414798AA4}" type="datetimeFigureOut">
               <a:rPr lang="en-SG" smtClean="0"/>
-              <a:t>6/7/2018</a:t>
+              <a:t>18/3/19</a:t>
             </a:fld>
             <a:endParaRPr lang="en-SG"/>
           </a:p>
@@ -2089,7 +2085,7 @@
           <a:p>
             <a:fld id="{542F47FF-5056-41FF-A1F8-23A414798AA4}" type="datetimeFigureOut">
               <a:rPr lang="en-SG" smtClean="0"/>
-              <a:t>6/7/2018</a:t>
+              <a:t>18/3/19</a:t>
             </a:fld>
             <a:endParaRPr lang="en-SG"/>
           </a:p>
@@ -2402,7 +2398,7 @@
           <a:p>
             <a:fld id="{542F47FF-5056-41FF-A1F8-23A414798AA4}" type="datetimeFigureOut">
               <a:rPr lang="en-SG" smtClean="0"/>
-              <a:t>6/7/2018</a:t>
+              <a:t>18/3/19</a:t>
             </a:fld>
             <a:endParaRPr lang="en-SG"/>
           </a:p>
@@ -2691,7 +2687,7 @@
           <a:p>
             <a:fld id="{542F47FF-5056-41FF-A1F8-23A414798AA4}" type="datetimeFigureOut">
               <a:rPr lang="en-SG" smtClean="0"/>
-              <a:t>6/7/2018</a:t>
+              <a:t>18/3/19</a:t>
             </a:fld>
             <a:endParaRPr lang="en-SG"/>
           </a:p>
@@ -2934,7 +2930,7 @@
           <a:p>
             <a:fld id="{542F47FF-5056-41FF-A1F8-23A414798AA4}" type="datetimeFigureOut">
               <a:rPr lang="en-SG" smtClean="0"/>
-              <a:t>6/7/2018</a:t>
+              <a:t>18/3/19</a:t>
             </a:fld>
             <a:endParaRPr lang="en-SG"/>
           </a:p>
@@ -3656,7 +3652,7 @@
             </a:r>
             <a:r>
               <a:rPr lang="en-US" dirty="0"/>
-              <a:t>command commits address book]</a:t>
+              <a:t>command commits pdf book]</a:t>
             </a:r>
             <a:endParaRPr lang="en-SG" sz="1801" dirty="0"/>
           </a:p>
@@ -3709,11 +3705,11 @@
             <a:pPr algn="ctr"/>
             <a:r>
               <a:rPr lang="en-SG" sz="1801" dirty="0"/>
-              <a:t>Purge redundant states and then save address book to </a:t>
+              <a:t>Purge redundant states and then save pdf book to </a:t>
             </a:r>
             <a:r>
               <a:rPr lang="en-SG" sz="1801" dirty="0" err="1"/>
-              <a:t>addressBookStateList</a:t>
+              <a:t>pdfBookStateList</a:t>
             </a:r>
             <a:r>
               <a:rPr lang="en-SG" sz="1801" dirty="0"/>

--- a/docs/diagrams/UndoRedoActivityDiagram.pptx
+++ b/docs/diagrams/UndoRedoActivityDiagram.pptx
@@ -112,10 +112,6 @@
 </p:presentation>
 </file>
 
-<file path=ppt/revisionInfo.xml><?xml version="1.0" encoding="utf-8"?>
-<p1510:revInfo xmlns:a="http://schemas.openxmlformats.org/drawingml/2006/main" xmlns:r="http://schemas.openxmlformats.org/officeDocument/2006/relationships" xmlns:p1510="http://schemas.microsoft.com/office/powerpoint/2015/10/main"/>
-</file>
-
 <file path=ppt/slideLayouts/slideLayout1.xml><?xml version="1.0" encoding="utf-8"?>
 <p:sldLayout xmlns:a="http://schemas.openxmlformats.org/drawingml/2006/main" xmlns:r="http://schemas.openxmlformats.org/officeDocument/2006/relationships" xmlns:p="http://schemas.openxmlformats.org/presentationml/2006/main" type="title" preserve="1">
   <p:cSld name="Title Slide">
@@ -265,7 +261,7 @@
           <a:p>
             <a:fld id="{542F47FF-5056-41FF-A1F8-23A414798AA4}" type="datetimeFigureOut">
               <a:rPr lang="en-SG" smtClean="0"/>
-              <a:t>6/7/2018</a:t>
+              <a:t>19/3/19</a:t>
             </a:fld>
             <a:endParaRPr lang="en-SG"/>
           </a:p>
@@ -465,7 +461,7 @@
           <a:p>
             <a:fld id="{542F47FF-5056-41FF-A1F8-23A414798AA4}" type="datetimeFigureOut">
               <a:rPr lang="en-SG" smtClean="0"/>
-              <a:t>6/7/2018</a:t>
+              <a:t>19/3/19</a:t>
             </a:fld>
             <a:endParaRPr lang="en-SG"/>
           </a:p>
@@ -675,7 +671,7 @@
           <a:p>
             <a:fld id="{542F47FF-5056-41FF-A1F8-23A414798AA4}" type="datetimeFigureOut">
               <a:rPr lang="en-SG" smtClean="0"/>
-              <a:t>6/7/2018</a:t>
+              <a:t>19/3/19</a:t>
             </a:fld>
             <a:endParaRPr lang="en-SG"/>
           </a:p>
@@ -875,7 +871,7 @@
           <a:p>
             <a:fld id="{542F47FF-5056-41FF-A1F8-23A414798AA4}" type="datetimeFigureOut">
               <a:rPr lang="en-SG" smtClean="0"/>
-              <a:t>6/7/2018</a:t>
+              <a:t>19/3/19</a:t>
             </a:fld>
             <a:endParaRPr lang="en-SG"/>
           </a:p>
@@ -1151,7 +1147,7 @@
           <a:p>
             <a:fld id="{542F47FF-5056-41FF-A1F8-23A414798AA4}" type="datetimeFigureOut">
               <a:rPr lang="en-SG" smtClean="0"/>
-              <a:t>6/7/2018</a:t>
+              <a:t>19/3/19</a:t>
             </a:fld>
             <a:endParaRPr lang="en-SG"/>
           </a:p>
@@ -1419,7 +1415,7 @@
           <a:p>
             <a:fld id="{542F47FF-5056-41FF-A1F8-23A414798AA4}" type="datetimeFigureOut">
               <a:rPr lang="en-SG" smtClean="0"/>
-              <a:t>6/7/2018</a:t>
+              <a:t>19/3/19</a:t>
             </a:fld>
             <a:endParaRPr lang="en-SG"/>
           </a:p>
@@ -1834,7 +1830,7 @@
           <a:p>
             <a:fld id="{542F47FF-5056-41FF-A1F8-23A414798AA4}" type="datetimeFigureOut">
               <a:rPr lang="en-SG" smtClean="0"/>
-              <a:t>6/7/2018</a:t>
+              <a:t>19/3/19</a:t>
             </a:fld>
             <a:endParaRPr lang="en-SG"/>
           </a:p>
@@ -1976,7 +1972,7 @@
           <a:p>
             <a:fld id="{542F47FF-5056-41FF-A1F8-23A414798AA4}" type="datetimeFigureOut">
               <a:rPr lang="en-SG" smtClean="0"/>
-              <a:t>6/7/2018</a:t>
+              <a:t>19/3/19</a:t>
             </a:fld>
             <a:endParaRPr lang="en-SG"/>
           </a:p>
@@ -2089,7 +2085,7 @@
           <a:p>
             <a:fld id="{542F47FF-5056-41FF-A1F8-23A414798AA4}" type="datetimeFigureOut">
               <a:rPr lang="en-SG" smtClean="0"/>
-              <a:t>6/7/2018</a:t>
+              <a:t>19/3/19</a:t>
             </a:fld>
             <a:endParaRPr lang="en-SG"/>
           </a:p>
@@ -2402,7 +2398,7 @@
           <a:p>
             <a:fld id="{542F47FF-5056-41FF-A1F8-23A414798AA4}" type="datetimeFigureOut">
               <a:rPr lang="en-SG" smtClean="0"/>
-              <a:t>6/7/2018</a:t>
+              <a:t>19/3/19</a:t>
             </a:fld>
             <a:endParaRPr lang="en-SG"/>
           </a:p>
@@ -2691,7 +2687,7 @@
           <a:p>
             <a:fld id="{542F47FF-5056-41FF-A1F8-23A414798AA4}" type="datetimeFigureOut">
               <a:rPr lang="en-SG" smtClean="0"/>
-              <a:t>6/7/2018</a:t>
+              <a:t>19/3/19</a:t>
             </a:fld>
             <a:endParaRPr lang="en-SG"/>
           </a:p>
@@ -2934,7 +2930,7 @@
           <a:p>
             <a:fld id="{542F47FF-5056-41FF-A1F8-23A414798AA4}" type="datetimeFigureOut">
               <a:rPr lang="en-SG" smtClean="0"/>
-              <a:t>6/7/2018</a:t>
+              <a:t>19/3/19</a:t>
             </a:fld>
             <a:endParaRPr lang="en-SG"/>
           </a:p>

--- a/docs/diagrams/UndoRedoActivityDiagram.pptx
+++ b/docs/diagrams/UndoRedoActivityDiagram.pptx
@@ -112,10 +112,6 @@
 </p:presentation>
 </file>
 
-<file path=ppt/revisionInfo.xml><?xml version="1.0" encoding="utf-8"?>
-<p1510:revInfo xmlns:a="http://schemas.openxmlformats.org/drawingml/2006/main" xmlns:r="http://schemas.openxmlformats.org/officeDocument/2006/relationships" xmlns:p1510="http://schemas.microsoft.com/office/powerpoint/2015/10/main"/>
-</file>
-
 <file path=ppt/slideLayouts/slideLayout1.xml><?xml version="1.0" encoding="utf-8"?>
 <p:sldLayout xmlns:a="http://schemas.openxmlformats.org/drawingml/2006/main" xmlns:r="http://schemas.openxmlformats.org/officeDocument/2006/relationships" xmlns:p="http://schemas.openxmlformats.org/presentationml/2006/main" type="title" preserve="1">
   <p:cSld name="Title Slide">
@@ -265,7 +261,7 @@
           <a:p>
             <a:fld id="{542F47FF-5056-41FF-A1F8-23A414798AA4}" type="datetimeFigureOut">
               <a:rPr lang="en-SG" smtClean="0"/>
-              <a:t>6/7/2018</a:t>
+              <a:t>20/3/19</a:t>
             </a:fld>
             <a:endParaRPr lang="en-SG"/>
           </a:p>
@@ -465,7 +461,7 @@
           <a:p>
             <a:fld id="{542F47FF-5056-41FF-A1F8-23A414798AA4}" type="datetimeFigureOut">
               <a:rPr lang="en-SG" smtClean="0"/>
-              <a:t>6/7/2018</a:t>
+              <a:t>20/3/19</a:t>
             </a:fld>
             <a:endParaRPr lang="en-SG"/>
           </a:p>
@@ -675,7 +671,7 @@
           <a:p>
             <a:fld id="{542F47FF-5056-41FF-A1F8-23A414798AA4}" type="datetimeFigureOut">
               <a:rPr lang="en-SG" smtClean="0"/>
-              <a:t>6/7/2018</a:t>
+              <a:t>20/3/19</a:t>
             </a:fld>
             <a:endParaRPr lang="en-SG"/>
           </a:p>
@@ -875,7 +871,7 @@
           <a:p>
             <a:fld id="{542F47FF-5056-41FF-A1F8-23A414798AA4}" type="datetimeFigureOut">
               <a:rPr lang="en-SG" smtClean="0"/>
-              <a:t>6/7/2018</a:t>
+              <a:t>20/3/19</a:t>
             </a:fld>
             <a:endParaRPr lang="en-SG"/>
           </a:p>
@@ -1151,7 +1147,7 @@
           <a:p>
             <a:fld id="{542F47FF-5056-41FF-A1F8-23A414798AA4}" type="datetimeFigureOut">
               <a:rPr lang="en-SG" smtClean="0"/>
-              <a:t>6/7/2018</a:t>
+              <a:t>20/3/19</a:t>
             </a:fld>
             <a:endParaRPr lang="en-SG"/>
           </a:p>
@@ -1419,7 +1415,7 @@
           <a:p>
             <a:fld id="{542F47FF-5056-41FF-A1F8-23A414798AA4}" type="datetimeFigureOut">
               <a:rPr lang="en-SG" smtClean="0"/>
-              <a:t>6/7/2018</a:t>
+              <a:t>20/3/19</a:t>
             </a:fld>
             <a:endParaRPr lang="en-SG"/>
           </a:p>
@@ -1834,7 +1830,7 @@
           <a:p>
             <a:fld id="{542F47FF-5056-41FF-A1F8-23A414798AA4}" type="datetimeFigureOut">
               <a:rPr lang="en-SG" smtClean="0"/>
-              <a:t>6/7/2018</a:t>
+              <a:t>20/3/19</a:t>
             </a:fld>
             <a:endParaRPr lang="en-SG"/>
           </a:p>
@@ -1976,7 +1972,7 @@
           <a:p>
             <a:fld id="{542F47FF-5056-41FF-A1F8-23A414798AA4}" type="datetimeFigureOut">
               <a:rPr lang="en-SG" smtClean="0"/>
-              <a:t>6/7/2018</a:t>
+              <a:t>20/3/19</a:t>
             </a:fld>
             <a:endParaRPr lang="en-SG"/>
           </a:p>
@@ -2089,7 +2085,7 @@
           <a:p>
             <a:fld id="{542F47FF-5056-41FF-A1F8-23A414798AA4}" type="datetimeFigureOut">
               <a:rPr lang="en-SG" smtClean="0"/>
-              <a:t>6/7/2018</a:t>
+              <a:t>20/3/19</a:t>
             </a:fld>
             <a:endParaRPr lang="en-SG"/>
           </a:p>
@@ -2402,7 +2398,7 @@
           <a:p>
             <a:fld id="{542F47FF-5056-41FF-A1F8-23A414798AA4}" type="datetimeFigureOut">
               <a:rPr lang="en-SG" smtClean="0"/>
-              <a:t>6/7/2018</a:t>
+              <a:t>20/3/19</a:t>
             </a:fld>
             <a:endParaRPr lang="en-SG"/>
           </a:p>
@@ -2691,7 +2687,7 @@
           <a:p>
             <a:fld id="{542F47FF-5056-41FF-A1F8-23A414798AA4}" type="datetimeFigureOut">
               <a:rPr lang="en-SG" smtClean="0"/>
-              <a:t>6/7/2018</a:t>
+              <a:t>20/3/19</a:t>
             </a:fld>
             <a:endParaRPr lang="en-SG"/>
           </a:p>
@@ -2934,7 +2930,7 @@
           <a:p>
             <a:fld id="{542F47FF-5056-41FF-A1F8-23A414798AA4}" type="datetimeFigureOut">
               <a:rPr lang="en-SG" smtClean="0"/>
-              <a:t>6/7/2018</a:t>
+              <a:t>20/3/19</a:t>
             </a:fld>
             <a:endParaRPr lang="en-SG"/>
           </a:p>
@@ -3636,8 +3632,8 @@
         </p:nvSpPr>
         <p:spPr>
           <a:xfrm>
-            <a:off x="4412106" y="2102568"/>
-            <a:ext cx="2066045" cy="646587"/>
+            <a:off x="4202312" y="1910082"/>
+            <a:ext cx="2066045" cy="923458"/>
           </a:xfrm>
           <a:prstGeom prst="rect">
             <a:avLst/>
@@ -3656,7 +3652,7 @@
             </a:r>
             <a:r>
               <a:rPr lang="en-US" dirty="0"/>
-              <a:t>command commits address book]</a:t>
+              <a:t>command commits  hotel management system]</a:t>
             </a:r>
             <a:endParaRPr lang="en-SG" sz="1801" dirty="0"/>
           </a:p>
@@ -3676,8 +3672,8 @@
         </p:nvSpPr>
         <p:spPr>
           <a:xfrm>
-            <a:off x="6478151" y="2438400"/>
-            <a:ext cx="2953232" cy="814659"/>
+            <a:off x="6237767" y="2311019"/>
+            <a:ext cx="3568526" cy="814659"/>
           </a:xfrm>
           <a:prstGeom prst="roundRect">
             <a:avLst/>
@@ -3709,11 +3705,11 @@
             <a:pPr algn="ctr"/>
             <a:r>
               <a:rPr lang="en-SG" sz="1801" dirty="0"/>
-              <a:t>Purge redundant states and then save address book to </a:t>
+              <a:t>Purge redundant states and then save hotel management system to </a:t>
             </a:r>
             <a:r>
               <a:rPr lang="en-SG" sz="1801" dirty="0" err="1"/>
-              <a:t>addressBookStateList</a:t>
+              <a:t>hotelManagementSystemStateList</a:t>
             </a:r>
             <a:r>
               <a:rPr lang="en-SG" sz="1801" dirty="0"/>
@@ -3940,14 +3936,16 @@
         <p:nvCxnSpPr>
           <p:cNvPr id="66" name="Elbow Connector 65"/>
           <p:cNvCxnSpPr>
+            <a:cxnSpLocks/>
             <a:stCxn id="56" idx="0"/>
+            <a:endCxn id="51" idx="1"/>
           </p:cNvCxnSpPr>
           <p:nvPr/>
         </p:nvCxnSpPr>
         <p:spPr>
           <a:xfrm rot="5400000" flipH="1" flipV="1">
-            <a:off x="6123581" y="2716584"/>
-            <a:ext cx="229667" cy="482060"/>
+            <a:off x="5940526" y="2775207"/>
+            <a:ext cx="354098" cy="240383"/>
           </a:xfrm>
           <a:prstGeom prst="bentConnector2">
             <a:avLst/>
@@ -4013,6 +4011,7 @@
         <p:nvCxnSpPr>
           <p:cNvPr id="74" name="Elbow Connector 73"/>
           <p:cNvCxnSpPr>
+            <a:cxnSpLocks/>
             <a:stCxn id="51" idx="3"/>
             <a:endCxn id="46" idx="0"/>
           </p:cNvCxnSpPr>
@@ -4020,8 +4019,8 @@
         </p:nvCxnSpPr>
         <p:spPr>
           <a:xfrm>
-            <a:off x="9431383" y="2845730"/>
-            <a:ext cx="459678" cy="229667"/>
+            <a:off x="9806293" y="2718349"/>
+            <a:ext cx="84768" cy="357048"/>
           </a:xfrm>
           <a:prstGeom prst="bentConnector2">
             <a:avLst/>

--- a/docs/diagrams/UndoRedoActivityDiagram.pptx
+++ b/docs/diagrams/UndoRedoActivityDiagram.pptx
@@ -261,7 +261,7 @@
           <a:p>
             <a:fld id="{542F47FF-5056-41FF-A1F8-23A414798AA4}" type="datetimeFigureOut">
               <a:rPr lang="en-SG" smtClean="0"/>
-              <a:t>20/3/19</a:t>
+              <a:t>21/3/19</a:t>
             </a:fld>
             <a:endParaRPr lang="en-SG"/>
           </a:p>
@@ -461,7 +461,7 @@
           <a:p>
             <a:fld id="{542F47FF-5056-41FF-A1F8-23A414798AA4}" type="datetimeFigureOut">
               <a:rPr lang="en-SG" smtClean="0"/>
-              <a:t>20/3/19</a:t>
+              <a:t>21/3/19</a:t>
             </a:fld>
             <a:endParaRPr lang="en-SG"/>
           </a:p>
@@ -671,7 +671,7 @@
           <a:p>
             <a:fld id="{542F47FF-5056-41FF-A1F8-23A414798AA4}" type="datetimeFigureOut">
               <a:rPr lang="en-SG" smtClean="0"/>
-              <a:t>20/3/19</a:t>
+              <a:t>21/3/19</a:t>
             </a:fld>
             <a:endParaRPr lang="en-SG"/>
           </a:p>
@@ -871,7 +871,7 @@
           <a:p>
             <a:fld id="{542F47FF-5056-41FF-A1F8-23A414798AA4}" type="datetimeFigureOut">
               <a:rPr lang="en-SG" smtClean="0"/>
-              <a:t>20/3/19</a:t>
+              <a:t>21/3/19</a:t>
             </a:fld>
             <a:endParaRPr lang="en-SG"/>
           </a:p>
@@ -1147,7 +1147,7 @@
           <a:p>
             <a:fld id="{542F47FF-5056-41FF-A1F8-23A414798AA4}" type="datetimeFigureOut">
               <a:rPr lang="en-SG" smtClean="0"/>
-              <a:t>20/3/19</a:t>
+              <a:t>21/3/19</a:t>
             </a:fld>
             <a:endParaRPr lang="en-SG"/>
           </a:p>
@@ -1415,7 +1415,7 @@
           <a:p>
             <a:fld id="{542F47FF-5056-41FF-A1F8-23A414798AA4}" type="datetimeFigureOut">
               <a:rPr lang="en-SG" smtClean="0"/>
-              <a:t>20/3/19</a:t>
+              <a:t>21/3/19</a:t>
             </a:fld>
             <a:endParaRPr lang="en-SG"/>
           </a:p>
@@ -1830,7 +1830,7 @@
           <a:p>
             <a:fld id="{542F47FF-5056-41FF-A1F8-23A414798AA4}" type="datetimeFigureOut">
               <a:rPr lang="en-SG" smtClean="0"/>
-              <a:t>20/3/19</a:t>
+              <a:t>21/3/19</a:t>
             </a:fld>
             <a:endParaRPr lang="en-SG"/>
           </a:p>
@@ -1972,7 +1972,7 @@
           <a:p>
             <a:fld id="{542F47FF-5056-41FF-A1F8-23A414798AA4}" type="datetimeFigureOut">
               <a:rPr lang="en-SG" smtClean="0"/>
-              <a:t>20/3/19</a:t>
+              <a:t>21/3/19</a:t>
             </a:fld>
             <a:endParaRPr lang="en-SG"/>
           </a:p>
@@ -2085,7 +2085,7 @@
           <a:p>
             <a:fld id="{542F47FF-5056-41FF-A1F8-23A414798AA4}" type="datetimeFigureOut">
               <a:rPr lang="en-SG" smtClean="0"/>
-              <a:t>20/3/19</a:t>
+              <a:t>21/3/19</a:t>
             </a:fld>
             <a:endParaRPr lang="en-SG"/>
           </a:p>
@@ -2398,7 +2398,7 @@
           <a:p>
             <a:fld id="{542F47FF-5056-41FF-A1F8-23A414798AA4}" type="datetimeFigureOut">
               <a:rPr lang="en-SG" smtClean="0"/>
-              <a:t>20/3/19</a:t>
+              <a:t>21/3/19</a:t>
             </a:fld>
             <a:endParaRPr lang="en-SG"/>
           </a:p>
@@ -2687,7 +2687,7 @@
           <a:p>
             <a:fld id="{542F47FF-5056-41FF-A1F8-23A414798AA4}" type="datetimeFigureOut">
               <a:rPr lang="en-SG" smtClean="0"/>
-              <a:t>20/3/19</a:t>
+              <a:t>21/3/19</a:t>
             </a:fld>
             <a:endParaRPr lang="en-SG"/>
           </a:p>
@@ -2930,7 +2930,7 @@
           <a:p>
             <a:fld id="{542F47FF-5056-41FF-A1F8-23A414798AA4}" type="datetimeFigureOut">
               <a:rPr lang="en-SG" smtClean="0"/>
-              <a:t>20/3/19</a:t>
+              <a:t>21/3/19</a:t>
             </a:fld>
             <a:endParaRPr lang="en-SG"/>
           </a:p>
@@ -3705,15 +3705,7 @@
             <a:pPr algn="ctr"/>
             <a:r>
               <a:rPr lang="en-SG" sz="1801" dirty="0"/>
-              <a:t>Purge redundant states and then save hotel management system to </a:t>
-            </a:r>
-            <a:r>
-              <a:rPr lang="en-SG" sz="1801" dirty="0" err="1"/>
-              <a:t>hotelManagementSystemStateList</a:t>
-            </a:r>
-            <a:r>
-              <a:rPr lang="en-SG" sz="1801" dirty="0"/>
-              <a:t> </a:t>
+              <a:t>Purge redundant states and then save hotel management system to hotelManagementSystemStateList </a:t>
             </a:r>
           </a:p>
         </p:txBody>

--- a/docs/diagrams/UndoRedoActivityDiagram.pptx
+++ b/docs/diagrams/UndoRedoActivityDiagram.pptx
@@ -112,10 +112,6 @@
 </p:presentation>
 </file>
 
-<file path=ppt/revisionInfo.xml><?xml version="1.0" encoding="utf-8"?>
-<p1510:revInfo xmlns:a="http://schemas.openxmlformats.org/drawingml/2006/main" xmlns:r="http://schemas.openxmlformats.org/officeDocument/2006/relationships" xmlns:p1510="http://schemas.microsoft.com/office/powerpoint/2015/10/main"/>
-</file>
-
 <file path=ppt/slideLayouts/slideLayout1.xml><?xml version="1.0" encoding="utf-8"?>
 <p:sldLayout xmlns:a="http://schemas.openxmlformats.org/drawingml/2006/main" xmlns:r="http://schemas.openxmlformats.org/officeDocument/2006/relationships" xmlns:p="http://schemas.openxmlformats.org/presentationml/2006/main" type="title" preserve="1">
   <p:cSld name="Title Slide">
@@ -265,7 +261,7 @@
           <a:p>
             <a:fld id="{542F47FF-5056-41FF-A1F8-23A414798AA4}" type="datetimeFigureOut">
               <a:rPr lang="en-SG" smtClean="0"/>
-              <a:t>6/7/2018</a:t>
+              <a:t>22/3/2019</a:t>
             </a:fld>
             <a:endParaRPr lang="en-SG"/>
           </a:p>
@@ -465,7 +461,7 @@
           <a:p>
             <a:fld id="{542F47FF-5056-41FF-A1F8-23A414798AA4}" type="datetimeFigureOut">
               <a:rPr lang="en-SG" smtClean="0"/>
-              <a:t>6/7/2018</a:t>
+              <a:t>22/3/2019</a:t>
             </a:fld>
             <a:endParaRPr lang="en-SG"/>
           </a:p>
@@ -675,7 +671,7 @@
           <a:p>
             <a:fld id="{542F47FF-5056-41FF-A1F8-23A414798AA4}" type="datetimeFigureOut">
               <a:rPr lang="en-SG" smtClean="0"/>
-              <a:t>6/7/2018</a:t>
+              <a:t>22/3/2019</a:t>
             </a:fld>
             <a:endParaRPr lang="en-SG"/>
           </a:p>
@@ -875,7 +871,7 @@
           <a:p>
             <a:fld id="{542F47FF-5056-41FF-A1F8-23A414798AA4}" type="datetimeFigureOut">
               <a:rPr lang="en-SG" smtClean="0"/>
-              <a:t>6/7/2018</a:t>
+              <a:t>22/3/2019</a:t>
             </a:fld>
             <a:endParaRPr lang="en-SG"/>
           </a:p>
@@ -1151,7 +1147,7 @@
           <a:p>
             <a:fld id="{542F47FF-5056-41FF-A1F8-23A414798AA4}" type="datetimeFigureOut">
               <a:rPr lang="en-SG" smtClean="0"/>
-              <a:t>6/7/2018</a:t>
+              <a:t>22/3/2019</a:t>
             </a:fld>
             <a:endParaRPr lang="en-SG"/>
           </a:p>
@@ -1419,7 +1415,7 @@
           <a:p>
             <a:fld id="{542F47FF-5056-41FF-A1F8-23A414798AA4}" type="datetimeFigureOut">
               <a:rPr lang="en-SG" smtClean="0"/>
-              <a:t>6/7/2018</a:t>
+              <a:t>22/3/2019</a:t>
             </a:fld>
             <a:endParaRPr lang="en-SG"/>
           </a:p>
@@ -1834,7 +1830,7 @@
           <a:p>
             <a:fld id="{542F47FF-5056-41FF-A1F8-23A414798AA4}" type="datetimeFigureOut">
               <a:rPr lang="en-SG" smtClean="0"/>
-              <a:t>6/7/2018</a:t>
+              <a:t>22/3/2019</a:t>
             </a:fld>
             <a:endParaRPr lang="en-SG"/>
           </a:p>
@@ -1976,7 +1972,7 @@
           <a:p>
             <a:fld id="{542F47FF-5056-41FF-A1F8-23A414798AA4}" type="datetimeFigureOut">
               <a:rPr lang="en-SG" smtClean="0"/>
-              <a:t>6/7/2018</a:t>
+              <a:t>22/3/2019</a:t>
             </a:fld>
             <a:endParaRPr lang="en-SG"/>
           </a:p>
@@ -2089,7 +2085,7 @@
           <a:p>
             <a:fld id="{542F47FF-5056-41FF-A1F8-23A414798AA4}" type="datetimeFigureOut">
               <a:rPr lang="en-SG" smtClean="0"/>
-              <a:t>6/7/2018</a:t>
+              <a:t>22/3/2019</a:t>
             </a:fld>
             <a:endParaRPr lang="en-SG"/>
           </a:p>
@@ -2402,7 +2398,7 @@
           <a:p>
             <a:fld id="{542F47FF-5056-41FF-A1F8-23A414798AA4}" type="datetimeFigureOut">
               <a:rPr lang="en-SG" smtClean="0"/>
-              <a:t>6/7/2018</a:t>
+              <a:t>22/3/2019</a:t>
             </a:fld>
             <a:endParaRPr lang="en-SG"/>
           </a:p>
@@ -2691,7 +2687,7 @@
           <a:p>
             <a:fld id="{542F47FF-5056-41FF-A1F8-23A414798AA4}" type="datetimeFigureOut">
               <a:rPr lang="en-SG" smtClean="0"/>
-              <a:t>6/7/2018</a:t>
+              <a:t>22/3/2019</a:t>
             </a:fld>
             <a:endParaRPr lang="en-SG"/>
           </a:p>
@@ -2934,7 +2930,7 @@
           <a:p>
             <a:fld id="{542F47FF-5056-41FF-A1F8-23A414798AA4}" type="datetimeFigureOut">
               <a:rPr lang="en-SG" smtClean="0"/>
-              <a:t>6/7/2018</a:t>
+              <a:t>22/3/2019</a:t>
             </a:fld>
             <a:endParaRPr lang="en-SG"/>
           </a:p>
@@ -3656,7 +3652,11 @@
             </a:r>
             <a:r>
               <a:rPr lang="en-US" dirty="0"/>
-              <a:t>command commits address book]</a:t>
+              <a:t>command </a:t>
+            </a:r>
+            <a:r>
+              <a:rPr lang="en-US"/>
+              <a:t>commits TravelBuddy]</a:t>
             </a:r>
             <a:endParaRPr lang="en-SG" sz="1801" dirty="0"/>
           </a:p>
@@ -3712,8 +3712,8 @@
               <a:t>Purge redundant states and then save address book to </a:t>
             </a:r>
             <a:r>
-              <a:rPr lang="en-SG" sz="1801" dirty="0" err="1"/>
-              <a:t>addressBookStateList</a:t>
+              <a:rPr lang="en-SG" sz="1801"/>
+              <a:t>travelBuddyStateList</a:t>
             </a:r>
             <a:r>
               <a:rPr lang="en-SG" sz="1801" dirty="0"/>

--- a/docs/diagrams/UndoRedoActivityDiagram.pptx
+++ b/docs/diagrams/UndoRedoActivityDiagram.pptx
@@ -112,10 +112,6 @@
 </p:presentation>
 </file>
 
-<file path=ppt/revisionInfo.xml><?xml version="1.0" encoding="utf-8"?>
-<p1510:revInfo xmlns:a="http://schemas.openxmlformats.org/drawingml/2006/main" xmlns:r="http://schemas.openxmlformats.org/officeDocument/2006/relationships" xmlns:p1510="http://schemas.microsoft.com/office/powerpoint/2015/10/main"/>
-</file>
-
 <file path=ppt/slideLayouts/slideLayout1.xml><?xml version="1.0" encoding="utf-8"?>
 <p:sldLayout xmlns:a="http://schemas.openxmlformats.org/drawingml/2006/main" xmlns:r="http://schemas.openxmlformats.org/officeDocument/2006/relationships" xmlns:p="http://schemas.openxmlformats.org/presentationml/2006/main" type="title" preserve="1">
   <p:cSld name="Title Slide">
@@ -265,7 +261,7 @@
           <a:p>
             <a:fld id="{542F47FF-5056-41FF-A1F8-23A414798AA4}" type="datetimeFigureOut">
               <a:rPr lang="en-SG" smtClean="0"/>
-              <a:t>6/7/2018</a:t>
+              <a:t>31/3/2019</a:t>
             </a:fld>
             <a:endParaRPr lang="en-SG"/>
           </a:p>
@@ -465,7 +461,7 @@
           <a:p>
             <a:fld id="{542F47FF-5056-41FF-A1F8-23A414798AA4}" type="datetimeFigureOut">
               <a:rPr lang="en-SG" smtClean="0"/>
-              <a:t>6/7/2018</a:t>
+              <a:t>31/3/2019</a:t>
             </a:fld>
             <a:endParaRPr lang="en-SG"/>
           </a:p>
@@ -675,7 +671,7 @@
           <a:p>
             <a:fld id="{542F47FF-5056-41FF-A1F8-23A414798AA4}" type="datetimeFigureOut">
               <a:rPr lang="en-SG" smtClean="0"/>
-              <a:t>6/7/2018</a:t>
+              <a:t>31/3/2019</a:t>
             </a:fld>
             <a:endParaRPr lang="en-SG"/>
           </a:p>
@@ -875,7 +871,7 @@
           <a:p>
             <a:fld id="{542F47FF-5056-41FF-A1F8-23A414798AA4}" type="datetimeFigureOut">
               <a:rPr lang="en-SG" smtClean="0"/>
-              <a:t>6/7/2018</a:t>
+              <a:t>31/3/2019</a:t>
             </a:fld>
             <a:endParaRPr lang="en-SG"/>
           </a:p>
@@ -1151,7 +1147,7 @@
           <a:p>
             <a:fld id="{542F47FF-5056-41FF-A1F8-23A414798AA4}" type="datetimeFigureOut">
               <a:rPr lang="en-SG" smtClean="0"/>
-              <a:t>6/7/2018</a:t>
+              <a:t>31/3/2019</a:t>
             </a:fld>
             <a:endParaRPr lang="en-SG"/>
           </a:p>
@@ -1419,7 +1415,7 @@
           <a:p>
             <a:fld id="{542F47FF-5056-41FF-A1F8-23A414798AA4}" type="datetimeFigureOut">
               <a:rPr lang="en-SG" smtClean="0"/>
-              <a:t>6/7/2018</a:t>
+              <a:t>31/3/2019</a:t>
             </a:fld>
             <a:endParaRPr lang="en-SG"/>
           </a:p>
@@ -1834,7 +1830,7 @@
           <a:p>
             <a:fld id="{542F47FF-5056-41FF-A1F8-23A414798AA4}" type="datetimeFigureOut">
               <a:rPr lang="en-SG" smtClean="0"/>
-              <a:t>6/7/2018</a:t>
+              <a:t>31/3/2019</a:t>
             </a:fld>
             <a:endParaRPr lang="en-SG"/>
           </a:p>
@@ -1976,7 +1972,7 @@
           <a:p>
             <a:fld id="{542F47FF-5056-41FF-A1F8-23A414798AA4}" type="datetimeFigureOut">
               <a:rPr lang="en-SG" smtClean="0"/>
-              <a:t>6/7/2018</a:t>
+              <a:t>31/3/2019</a:t>
             </a:fld>
             <a:endParaRPr lang="en-SG"/>
           </a:p>
@@ -2089,7 +2085,7 @@
           <a:p>
             <a:fld id="{542F47FF-5056-41FF-A1F8-23A414798AA4}" type="datetimeFigureOut">
               <a:rPr lang="en-SG" smtClean="0"/>
-              <a:t>6/7/2018</a:t>
+              <a:t>31/3/2019</a:t>
             </a:fld>
             <a:endParaRPr lang="en-SG"/>
           </a:p>
@@ -2402,7 +2398,7 @@
           <a:p>
             <a:fld id="{542F47FF-5056-41FF-A1F8-23A414798AA4}" type="datetimeFigureOut">
               <a:rPr lang="en-SG" smtClean="0"/>
-              <a:t>6/7/2018</a:t>
+              <a:t>31/3/2019</a:t>
             </a:fld>
             <a:endParaRPr lang="en-SG"/>
           </a:p>
@@ -2691,7 +2687,7 @@
           <a:p>
             <a:fld id="{542F47FF-5056-41FF-A1F8-23A414798AA4}" type="datetimeFigureOut">
               <a:rPr lang="en-SG" smtClean="0"/>
-              <a:t>6/7/2018</a:t>
+              <a:t>31/3/2019</a:t>
             </a:fld>
             <a:endParaRPr lang="en-SG"/>
           </a:p>
@@ -2934,7 +2930,7 @@
           <a:p>
             <a:fld id="{542F47FF-5056-41FF-A1F8-23A414798AA4}" type="datetimeFigureOut">
               <a:rPr lang="en-SG" smtClean="0"/>
-              <a:t>6/7/2018</a:t>
+              <a:t>31/3/2019</a:t>
             </a:fld>
             <a:endParaRPr lang="en-SG"/>
           </a:p>
@@ -3458,7 +3454,7 @@
         <p:spPr>
           <a:xfrm>
             <a:off x="3143315" y="2957561"/>
-            <a:ext cx="1570355" cy="716437"/>
+            <a:ext cx="1703893" cy="716437"/>
           </a:xfrm>
           <a:prstGeom prst="roundRect">
             <a:avLst/>
@@ -3490,7 +3486,7 @@
             <a:pPr algn="ctr"/>
             <a:r>
               <a:rPr lang="en-SG" sz="1801" dirty="0"/>
-              <a:t>User executes command</a:t>
+              <a:t>User executes Transformation</a:t>
             </a:r>
           </a:p>
         </p:txBody>
@@ -3513,8 +3509,8 @@
         </p:nvCxnSpPr>
         <p:spPr>
           <a:xfrm flipV="1">
-            <a:off x="4713670" y="3312830"/>
-            <a:ext cx="1043331" cy="2950"/>
+            <a:off x="4847208" y="3312830"/>
+            <a:ext cx="909793" cy="2950"/>
           </a:xfrm>
           <a:prstGeom prst="straightConnector1">
             <a:avLst/>
@@ -3637,7 +3633,7 @@
         <p:spPr>
           <a:xfrm>
             <a:off x="4412106" y="2102568"/>
-            <a:ext cx="2066045" cy="646587"/>
+            <a:ext cx="2066045" cy="646459"/>
           </a:xfrm>
           <a:prstGeom prst="rect">
             <a:avLst/>
@@ -3656,7 +3652,7 @@
             </a:r>
             <a:r>
               <a:rPr lang="en-US" dirty="0"/>
-              <a:t>command commits address book]</a:t>
+              <a:t>command is added to history]</a:t>
             </a:r>
             <a:endParaRPr lang="en-SG" sz="1801" dirty="0"/>
           </a:p>
@@ -3709,15 +3705,7 @@
             <a:pPr algn="ctr"/>
             <a:r>
               <a:rPr lang="en-SG" sz="1801" dirty="0"/>
-              <a:t>Purge redundant states and then save address book to </a:t>
-            </a:r>
-            <a:r>
-              <a:rPr lang="en-SG" sz="1801" dirty="0" err="1"/>
-              <a:t>addressBookStateList</a:t>
-            </a:r>
-            <a:r>
-              <a:rPr lang="en-SG" sz="1801" dirty="0"/>
-              <a:t> </a:t>
+              <a:t>Purge redundant commands then shifts index accordingly</a:t>
             </a:r>
           </a:p>
         </p:txBody>

--- a/docs/diagrams/UndoRedoActivityDiagram.pptx
+++ b/docs/diagrams/UndoRedoActivityDiagram.pptx
@@ -106,7 +106,7 @@
   </p:defaultTextStyle>
   <p:extLst>
     <p:ext uri="{EFAFB233-063F-42B5-8137-9DF3F51BA10A}">
-      <p15:sldGuideLst xmlns:p15="http://schemas.microsoft.com/office/powerpoint/2012/main"/>
+      <p15:sldGuideLst xmlns:p15="http://schemas.microsoft.com/office/powerpoint/2012/main" xmlns=""/>
     </p:ext>
   </p:extLst>
 </p:presentation>
@@ -138,7 +138,7 @@
           <p:cNvPr id="2" name="Title 1">
             <a:extLst>
               <a:ext uri="{FF2B5EF4-FFF2-40B4-BE49-F238E27FC236}">
-                <a16:creationId xmlns:a16="http://schemas.microsoft.com/office/drawing/2014/main" id="{CE1B3102-23FE-4A07-92CF-8DB8025B5C54}"/>
+                <a16:creationId xmlns:a16="http://schemas.microsoft.com/office/drawing/2014/main" xmlns="" id="{CE1B3102-23FE-4A07-92CF-8DB8025B5C54}"/>
               </a:ext>
             </a:extLst>
           </p:cNvPr>
@@ -176,7 +176,7 @@
           <p:cNvPr id="3" name="Subtitle 2">
             <a:extLst>
               <a:ext uri="{FF2B5EF4-FFF2-40B4-BE49-F238E27FC236}">
-                <a16:creationId xmlns:a16="http://schemas.microsoft.com/office/drawing/2014/main" id="{09A64644-374F-4763-B477-E75EED09E18A}"/>
+                <a16:creationId xmlns:a16="http://schemas.microsoft.com/office/drawing/2014/main" xmlns="" id="{09A64644-374F-4763-B477-E75EED09E18A}"/>
               </a:ext>
             </a:extLst>
           </p:cNvPr>
@@ -247,7 +247,7 @@
           <p:cNvPr id="4" name="Date Placeholder 3">
             <a:extLst>
               <a:ext uri="{FF2B5EF4-FFF2-40B4-BE49-F238E27FC236}">
-                <a16:creationId xmlns:a16="http://schemas.microsoft.com/office/drawing/2014/main" id="{26CAD04B-553E-4EE0-8FEC-DA9E05F22F2C}"/>
+                <a16:creationId xmlns:a16="http://schemas.microsoft.com/office/drawing/2014/main" xmlns="" id="{26CAD04B-553E-4EE0-8FEC-DA9E05F22F2C}"/>
               </a:ext>
             </a:extLst>
           </p:cNvPr>
@@ -265,7 +265,8 @@
           <a:p>
             <a:fld id="{542F47FF-5056-41FF-A1F8-23A414798AA4}" type="datetimeFigureOut">
               <a:rPr lang="en-SG" smtClean="0"/>
-              <a:t>6/7/2018</a:t>
+              <a:pPr/>
+              <a:t>31/3/2019</a:t>
             </a:fld>
             <a:endParaRPr lang="en-SG"/>
           </a:p>
@@ -276,7 +277,7 @@
           <p:cNvPr id="5" name="Footer Placeholder 4">
             <a:extLst>
               <a:ext uri="{FF2B5EF4-FFF2-40B4-BE49-F238E27FC236}">
-                <a16:creationId xmlns:a16="http://schemas.microsoft.com/office/drawing/2014/main" id="{E6F42670-2AD7-448C-BB6C-D759C9255DEB}"/>
+                <a16:creationId xmlns:a16="http://schemas.microsoft.com/office/drawing/2014/main" xmlns="" id="{E6F42670-2AD7-448C-BB6C-D759C9255DEB}"/>
               </a:ext>
             </a:extLst>
           </p:cNvPr>
@@ -301,7 +302,7 @@
           <p:cNvPr id="6" name="Slide Number Placeholder 5">
             <a:extLst>
               <a:ext uri="{FF2B5EF4-FFF2-40B4-BE49-F238E27FC236}">
-                <a16:creationId xmlns:a16="http://schemas.microsoft.com/office/drawing/2014/main" id="{8CFAA546-9089-42A6-8CCB-5E88855E6CB1}"/>
+                <a16:creationId xmlns:a16="http://schemas.microsoft.com/office/drawing/2014/main" xmlns="" id="{8CFAA546-9089-42A6-8CCB-5E88855E6CB1}"/>
               </a:ext>
             </a:extLst>
           </p:cNvPr>
@@ -319,6 +320,7 @@
           <a:p>
             <a:fld id="{FAF26027-0CC0-4876-A678-1CB5D5A0D310}" type="slidenum">
               <a:rPr lang="en-SG" smtClean="0"/>
+              <a:pPr/>
               <a:t>‹#›</a:t>
             </a:fld>
             <a:endParaRPr lang="en-SG"/>
@@ -328,7 +330,7 @@
     </p:spTree>
     <p:extLst>
       <p:ext uri="{BB962C8B-B14F-4D97-AF65-F5344CB8AC3E}">
-        <p14:creationId xmlns:p14="http://schemas.microsoft.com/office/powerpoint/2010/main" val="1833372123"/>
+        <p14:creationId xmlns:p14="http://schemas.microsoft.com/office/powerpoint/2010/main" xmlns="" val="1833372123"/>
       </p:ext>
     </p:extLst>
   </p:cSld>
@@ -360,7 +362,7 @@
           <p:cNvPr id="2" name="Title 1">
             <a:extLst>
               <a:ext uri="{FF2B5EF4-FFF2-40B4-BE49-F238E27FC236}">
-                <a16:creationId xmlns:a16="http://schemas.microsoft.com/office/drawing/2014/main" id="{C73C8897-08BA-4903-B8F2-48E6E6713059}"/>
+                <a16:creationId xmlns:a16="http://schemas.microsoft.com/office/drawing/2014/main" xmlns="" id="{C73C8897-08BA-4903-B8F2-48E6E6713059}"/>
               </a:ext>
             </a:extLst>
           </p:cNvPr>
@@ -389,7 +391,7 @@
           <p:cNvPr id="3" name="Vertical Text Placeholder 2">
             <a:extLst>
               <a:ext uri="{FF2B5EF4-FFF2-40B4-BE49-F238E27FC236}">
-                <a16:creationId xmlns:a16="http://schemas.microsoft.com/office/drawing/2014/main" id="{F4DB86F3-F3A8-4AC4-A2D0-18858F9E9EAF}"/>
+                <a16:creationId xmlns:a16="http://schemas.microsoft.com/office/drawing/2014/main" xmlns="" id="{F4DB86F3-F3A8-4AC4-A2D0-18858F9E9EAF}"/>
               </a:ext>
             </a:extLst>
           </p:cNvPr>
@@ -447,7 +449,7 @@
           <p:cNvPr id="4" name="Date Placeholder 3">
             <a:extLst>
               <a:ext uri="{FF2B5EF4-FFF2-40B4-BE49-F238E27FC236}">
-                <a16:creationId xmlns:a16="http://schemas.microsoft.com/office/drawing/2014/main" id="{22C4FC92-3E88-48DC-9327-19CD6A48E96D}"/>
+                <a16:creationId xmlns:a16="http://schemas.microsoft.com/office/drawing/2014/main" xmlns="" id="{22C4FC92-3E88-48DC-9327-19CD6A48E96D}"/>
               </a:ext>
             </a:extLst>
           </p:cNvPr>
@@ -465,7 +467,8 @@
           <a:p>
             <a:fld id="{542F47FF-5056-41FF-A1F8-23A414798AA4}" type="datetimeFigureOut">
               <a:rPr lang="en-SG" smtClean="0"/>
-              <a:t>6/7/2018</a:t>
+              <a:pPr/>
+              <a:t>31/3/2019</a:t>
             </a:fld>
             <a:endParaRPr lang="en-SG"/>
           </a:p>
@@ -476,7 +479,7 @@
           <p:cNvPr id="5" name="Footer Placeholder 4">
             <a:extLst>
               <a:ext uri="{FF2B5EF4-FFF2-40B4-BE49-F238E27FC236}">
-                <a16:creationId xmlns:a16="http://schemas.microsoft.com/office/drawing/2014/main" id="{AA190F3C-D185-4E17-A1B5-D7F4DF331BE0}"/>
+                <a16:creationId xmlns:a16="http://schemas.microsoft.com/office/drawing/2014/main" xmlns="" id="{AA190F3C-D185-4E17-A1B5-D7F4DF331BE0}"/>
               </a:ext>
             </a:extLst>
           </p:cNvPr>
@@ -501,7 +504,7 @@
           <p:cNvPr id="6" name="Slide Number Placeholder 5">
             <a:extLst>
               <a:ext uri="{FF2B5EF4-FFF2-40B4-BE49-F238E27FC236}">
-                <a16:creationId xmlns:a16="http://schemas.microsoft.com/office/drawing/2014/main" id="{0F2506F5-483C-4F84-8363-1D309E459ADD}"/>
+                <a16:creationId xmlns:a16="http://schemas.microsoft.com/office/drawing/2014/main" xmlns="" id="{0F2506F5-483C-4F84-8363-1D309E459ADD}"/>
               </a:ext>
             </a:extLst>
           </p:cNvPr>
@@ -519,6 +522,7 @@
           <a:p>
             <a:fld id="{FAF26027-0CC0-4876-A678-1CB5D5A0D310}" type="slidenum">
               <a:rPr lang="en-SG" smtClean="0"/>
+              <a:pPr/>
               <a:t>‹#›</a:t>
             </a:fld>
             <a:endParaRPr lang="en-SG"/>
@@ -528,7 +532,7 @@
     </p:spTree>
     <p:extLst>
       <p:ext uri="{BB962C8B-B14F-4D97-AF65-F5344CB8AC3E}">
-        <p14:creationId xmlns:p14="http://schemas.microsoft.com/office/powerpoint/2010/main" val="3193590395"/>
+        <p14:creationId xmlns:p14="http://schemas.microsoft.com/office/powerpoint/2010/main" xmlns="" val="3193590395"/>
       </p:ext>
     </p:extLst>
   </p:cSld>
@@ -560,7 +564,7 @@
           <p:cNvPr id="2" name="Vertical Title 1">
             <a:extLst>
               <a:ext uri="{FF2B5EF4-FFF2-40B4-BE49-F238E27FC236}">
-                <a16:creationId xmlns:a16="http://schemas.microsoft.com/office/drawing/2014/main" id="{967C03EB-4647-4E98-B84F-7651E807A990}"/>
+                <a16:creationId xmlns:a16="http://schemas.microsoft.com/office/drawing/2014/main" xmlns="" id="{967C03EB-4647-4E98-B84F-7651E807A990}"/>
               </a:ext>
             </a:extLst>
           </p:cNvPr>
@@ -594,7 +598,7 @@
           <p:cNvPr id="3" name="Vertical Text Placeholder 2">
             <a:extLst>
               <a:ext uri="{FF2B5EF4-FFF2-40B4-BE49-F238E27FC236}">
-                <a16:creationId xmlns:a16="http://schemas.microsoft.com/office/drawing/2014/main" id="{22B1D2A8-918A-4854-959C-EDA5D46D2D74}"/>
+                <a16:creationId xmlns:a16="http://schemas.microsoft.com/office/drawing/2014/main" xmlns="" id="{22B1D2A8-918A-4854-959C-EDA5D46D2D74}"/>
               </a:ext>
             </a:extLst>
           </p:cNvPr>
@@ -657,7 +661,7 @@
           <p:cNvPr id="4" name="Date Placeholder 3">
             <a:extLst>
               <a:ext uri="{FF2B5EF4-FFF2-40B4-BE49-F238E27FC236}">
-                <a16:creationId xmlns:a16="http://schemas.microsoft.com/office/drawing/2014/main" id="{3F77D3B6-616A-4D06-980E-5A7866F9BB49}"/>
+                <a16:creationId xmlns:a16="http://schemas.microsoft.com/office/drawing/2014/main" xmlns="" id="{3F77D3B6-616A-4D06-980E-5A7866F9BB49}"/>
               </a:ext>
             </a:extLst>
           </p:cNvPr>
@@ -675,7 +679,8 @@
           <a:p>
             <a:fld id="{542F47FF-5056-41FF-A1F8-23A414798AA4}" type="datetimeFigureOut">
               <a:rPr lang="en-SG" smtClean="0"/>
-              <a:t>6/7/2018</a:t>
+              <a:pPr/>
+              <a:t>31/3/2019</a:t>
             </a:fld>
             <a:endParaRPr lang="en-SG"/>
           </a:p>
@@ -686,7 +691,7 @@
           <p:cNvPr id="5" name="Footer Placeholder 4">
             <a:extLst>
               <a:ext uri="{FF2B5EF4-FFF2-40B4-BE49-F238E27FC236}">
-                <a16:creationId xmlns:a16="http://schemas.microsoft.com/office/drawing/2014/main" id="{20525AA2-4FD6-4C5E-B28C-2C71AF011737}"/>
+                <a16:creationId xmlns:a16="http://schemas.microsoft.com/office/drawing/2014/main" xmlns="" id="{20525AA2-4FD6-4C5E-B28C-2C71AF011737}"/>
               </a:ext>
             </a:extLst>
           </p:cNvPr>
@@ -711,7 +716,7 @@
           <p:cNvPr id="6" name="Slide Number Placeholder 5">
             <a:extLst>
               <a:ext uri="{FF2B5EF4-FFF2-40B4-BE49-F238E27FC236}">
-                <a16:creationId xmlns:a16="http://schemas.microsoft.com/office/drawing/2014/main" id="{4E040DF9-BA3F-440A-8819-8D374D74F15E}"/>
+                <a16:creationId xmlns:a16="http://schemas.microsoft.com/office/drawing/2014/main" xmlns="" id="{4E040DF9-BA3F-440A-8819-8D374D74F15E}"/>
               </a:ext>
             </a:extLst>
           </p:cNvPr>
@@ -729,6 +734,7 @@
           <a:p>
             <a:fld id="{FAF26027-0CC0-4876-A678-1CB5D5A0D310}" type="slidenum">
               <a:rPr lang="en-SG" smtClean="0"/>
+              <a:pPr/>
               <a:t>‹#›</a:t>
             </a:fld>
             <a:endParaRPr lang="en-SG"/>
@@ -738,7 +744,7 @@
     </p:spTree>
     <p:extLst>
       <p:ext uri="{BB962C8B-B14F-4D97-AF65-F5344CB8AC3E}">
-        <p14:creationId xmlns:p14="http://schemas.microsoft.com/office/powerpoint/2010/main" val="691867425"/>
+        <p14:creationId xmlns:p14="http://schemas.microsoft.com/office/powerpoint/2010/main" xmlns="" val="691867425"/>
       </p:ext>
     </p:extLst>
   </p:cSld>
@@ -770,7 +776,7 @@
           <p:cNvPr id="2" name="Title 1">
             <a:extLst>
               <a:ext uri="{FF2B5EF4-FFF2-40B4-BE49-F238E27FC236}">
-                <a16:creationId xmlns:a16="http://schemas.microsoft.com/office/drawing/2014/main" id="{75C804EA-614F-485C-A53F-C32B83B67A30}"/>
+                <a16:creationId xmlns:a16="http://schemas.microsoft.com/office/drawing/2014/main" xmlns="" id="{75C804EA-614F-485C-A53F-C32B83B67A30}"/>
               </a:ext>
             </a:extLst>
           </p:cNvPr>
@@ -799,7 +805,7 @@
           <p:cNvPr id="3" name="Content Placeholder 2">
             <a:extLst>
               <a:ext uri="{FF2B5EF4-FFF2-40B4-BE49-F238E27FC236}">
-                <a16:creationId xmlns:a16="http://schemas.microsoft.com/office/drawing/2014/main" id="{912A86A6-5554-4D2F-97BB-2D649E738506}"/>
+                <a16:creationId xmlns:a16="http://schemas.microsoft.com/office/drawing/2014/main" xmlns="" id="{912A86A6-5554-4D2F-97BB-2D649E738506}"/>
               </a:ext>
             </a:extLst>
           </p:cNvPr>
@@ -857,7 +863,7 @@
           <p:cNvPr id="4" name="Date Placeholder 3">
             <a:extLst>
               <a:ext uri="{FF2B5EF4-FFF2-40B4-BE49-F238E27FC236}">
-                <a16:creationId xmlns:a16="http://schemas.microsoft.com/office/drawing/2014/main" id="{69704FB4-4D28-4A39-B81F-407E0DDD475C}"/>
+                <a16:creationId xmlns:a16="http://schemas.microsoft.com/office/drawing/2014/main" xmlns="" id="{69704FB4-4D28-4A39-B81F-407E0DDD475C}"/>
               </a:ext>
             </a:extLst>
           </p:cNvPr>
@@ -875,7 +881,8 @@
           <a:p>
             <a:fld id="{542F47FF-5056-41FF-A1F8-23A414798AA4}" type="datetimeFigureOut">
               <a:rPr lang="en-SG" smtClean="0"/>
-              <a:t>6/7/2018</a:t>
+              <a:pPr/>
+              <a:t>31/3/2019</a:t>
             </a:fld>
             <a:endParaRPr lang="en-SG"/>
           </a:p>
@@ -886,7 +893,7 @@
           <p:cNvPr id="5" name="Footer Placeholder 4">
             <a:extLst>
               <a:ext uri="{FF2B5EF4-FFF2-40B4-BE49-F238E27FC236}">
-                <a16:creationId xmlns:a16="http://schemas.microsoft.com/office/drawing/2014/main" id="{AFDB90F4-6173-409D-8731-A4C292C33336}"/>
+                <a16:creationId xmlns:a16="http://schemas.microsoft.com/office/drawing/2014/main" xmlns="" id="{AFDB90F4-6173-409D-8731-A4C292C33336}"/>
               </a:ext>
             </a:extLst>
           </p:cNvPr>
@@ -911,7 +918,7 @@
           <p:cNvPr id="6" name="Slide Number Placeholder 5">
             <a:extLst>
               <a:ext uri="{FF2B5EF4-FFF2-40B4-BE49-F238E27FC236}">
-                <a16:creationId xmlns:a16="http://schemas.microsoft.com/office/drawing/2014/main" id="{0C00E245-E701-4B2E-925D-4322EFA20D66}"/>
+                <a16:creationId xmlns:a16="http://schemas.microsoft.com/office/drawing/2014/main" xmlns="" id="{0C00E245-E701-4B2E-925D-4322EFA20D66}"/>
               </a:ext>
             </a:extLst>
           </p:cNvPr>
@@ -929,6 +936,7 @@
           <a:p>
             <a:fld id="{FAF26027-0CC0-4876-A678-1CB5D5A0D310}" type="slidenum">
               <a:rPr lang="en-SG" smtClean="0"/>
+              <a:pPr/>
               <a:t>‹#›</a:t>
             </a:fld>
             <a:endParaRPr lang="en-SG"/>
@@ -938,7 +946,7 @@
     </p:spTree>
     <p:extLst>
       <p:ext uri="{BB962C8B-B14F-4D97-AF65-F5344CB8AC3E}">
-        <p14:creationId xmlns:p14="http://schemas.microsoft.com/office/powerpoint/2010/main" val="2975187985"/>
+        <p14:creationId xmlns:p14="http://schemas.microsoft.com/office/powerpoint/2010/main" xmlns="" val="2975187985"/>
       </p:ext>
     </p:extLst>
   </p:cSld>
@@ -970,7 +978,7 @@
           <p:cNvPr id="2" name="Title 1">
             <a:extLst>
               <a:ext uri="{FF2B5EF4-FFF2-40B4-BE49-F238E27FC236}">
-                <a16:creationId xmlns:a16="http://schemas.microsoft.com/office/drawing/2014/main" id="{2237510E-B988-4DCB-9C02-932F190AC101}"/>
+                <a16:creationId xmlns:a16="http://schemas.microsoft.com/office/drawing/2014/main" xmlns="" id="{2237510E-B988-4DCB-9C02-932F190AC101}"/>
               </a:ext>
             </a:extLst>
           </p:cNvPr>
@@ -1008,7 +1016,7 @@
           <p:cNvPr id="3" name="Text Placeholder 2">
             <a:extLst>
               <a:ext uri="{FF2B5EF4-FFF2-40B4-BE49-F238E27FC236}">
-                <a16:creationId xmlns:a16="http://schemas.microsoft.com/office/drawing/2014/main" id="{784A23DD-6E19-4939-A085-751F973752F5}"/>
+                <a16:creationId xmlns:a16="http://schemas.microsoft.com/office/drawing/2014/main" xmlns="" id="{784A23DD-6E19-4939-A085-751F973752F5}"/>
               </a:ext>
             </a:extLst>
           </p:cNvPr>
@@ -1133,7 +1141,7 @@
           <p:cNvPr id="4" name="Date Placeholder 3">
             <a:extLst>
               <a:ext uri="{FF2B5EF4-FFF2-40B4-BE49-F238E27FC236}">
-                <a16:creationId xmlns:a16="http://schemas.microsoft.com/office/drawing/2014/main" id="{CD5B15F4-A7B8-4D17-8C46-94AC6465D19A}"/>
+                <a16:creationId xmlns:a16="http://schemas.microsoft.com/office/drawing/2014/main" xmlns="" id="{CD5B15F4-A7B8-4D17-8C46-94AC6465D19A}"/>
               </a:ext>
             </a:extLst>
           </p:cNvPr>
@@ -1151,7 +1159,8 @@
           <a:p>
             <a:fld id="{542F47FF-5056-41FF-A1F8-23A414798AA4}" type="datetimeFigureOut">
               <a:rPr lang="en-SG" smtClean="0"/>
-              <a:t>6/7/2018</a:t>
+              <a:pPr/>
+              <a:t>31/3/2019</a:t>
             </a:fld>
             <a:endParaRPr lang="en-SG"/>
           </a:p>
@@ -1162,7 +1171,7 @@
           <p:cNvPr id="5" name="Footer Placeholder 4">
             <a:extLst>
               <a:ext uri="{FF2B5EF4-FFF2-40B4-BE49-F238E27FC236}">
-                <a16:creationId xmlns:a16="http://schemas.microsoft.com/office/drawing/2014/main" id="{0CC0B098-2820-40C0-8166-283BB17CD72D}"/>
+                <a16:creationId xmlns:a16="http://schemas.microsoft.com/office/drawing/2014/main" xmlns="" id="{0CC0B098-2820-40C0-8166-283BB17CD72D}"/>
               </a:ext>
             </a:extLst>
           </p:cNvPr>
@@ -1187,7 +1196,7 @@
           <p:cNvPr id="6" name="Slide Number Placeholder 5">
             <a:extLst>
               <a:ext uri="{FF2B5EF4-FFF2-40B4-BE49-F238E27FC236}">
-                <a16:creationId xmlns:a16="http://schemas.microsoft.com/office/drawing/2014/main" id="{CA1D6085-5297-4CE0-858B-F5A8477F21A1}"/>
+                <a16:creationId xmlns:a16="http://schemas.microsoft.com/office/drawing/2014/main" xmlns="" id="{CA1D6085-5297-4CE0-858B-F5A8477F21A1}"/>
               </a:ext>
             </a:extLst>
           </p:cNvPr>
@@ -1205,6 +1214,7 @@
           <a:p>
             <a:fld id="{FAF26027-0CC0-4876-A678-1CB5D5A0D310}" type="slidenum">
               <a:rPr lang="en-SG" smtClean="0"/>
+              <a:pPr/>
               <a:t>‹#›</a:t>
             </a:fld>
             <a:endParaRPr lang="en-SG"/>
@@ -1214,7 +1224,7 @@
     </p:spTree>
     <p:extLst>
       <p:ext uri="{BB962C8B-B14F-4D97-AF65-F5344CB8AC3E}">
-        <p14:creationId xmlns:p14="http://schemas.microsoft.com/office/powerpoint/2010/main" val="3329318580"/>
+        <p14:creationId xmlns:p14="http://schemas.microsoft.com/office/powerpoint/2010/main" xmlns="" val="3329318580"/>
       </p:ext>
     </p:extLst>
   </p:cSld>
@@ -1246,7 +1256,7 @@
           <p:cNvPr id="2" name="Title 1">
             <a:extLst>
               <a:ext uri="{FF2B5EF4-FFF2-40B4-BE49-F238E27FC236}">
-                <a16:creationId xmlns:a16="http://schemas.microsoft.com/office/drawing/2014/main" id="{C8312645-9305-4015-B5DF-8CD06CE54CD2}"/>
+                <a16:creationId xmlns:a16="http://schemas.microsoft.com/office/drawing/2014/main" xmlns="" id="{C8312645-9305-4015-B5DF-8CD06CE54CD2}"/>
               </a:ext>
             </a:extLst>
           </p:cNvPr>
@@ -1275,7 +1285,7 @@
           <p:cNvPr id="3" name="Content Placeholder 2">
             <a:extLst>
               <a:ext uri="{FF2B5EF4-FFF2-40B4-BE49-F238E27FC236}">
-                <a16:creationId xmlns:a16="http://schemas.microsoft.com/office/drawing/2014/main" id="{5F718F3D-23A6-4BAE-A195-9290BED99436}"/>
+                <a16:creationId xmlns:a16="http://schemas.microsoft.com/office/drawing/2014/main" xmlns="" id="{5F718F3D-23A6-4BAE-A195-9290BED99436}"/>
               </a:ext>
             </a:extLst>
           </p:cNvPr>
@@ -1338,7 +1348,7 @@
           <p:cNvPr id="4" name="Content Placeholder 3">
             <a:extLst>
               <a:ext uri="{FF2B5EF4-FFF2-40B4-BE49-F238E27FC236}">
-                <a16:creationId xmlns:a16="http://schemas.microsoft.com/office/drawing/2014/main" id="{987DE0C4-EF3A-42E6-9D3E-22C7A0BC9A37}"/>
+                <a16:creationId xmlns:a16="http://schemas.microsoft.com/office/drawing/2014/main" xmlns="" id="{987DE0C4-EF3A-42E6-9D3E-22C7A0BC9A37}"/>
               </a:ext>
             </a:extLst>
           </p:cNvPr>
@@ -1401,7 +1411,7 @@
           <p:cNvPr id="5" name="Date Placeholder 4">
             <a:extLst>
               <a:ext uri="{FF2B5EF4-FFF2-40B4-BE49-F238E27FC236}">
-                <a16:creationId xmlns:a16="http://schemas.microsoft.com/office/drawing/2014/main" id="{E4BFA167-4D74-44D4-AA06-F7DBEA7BB015}"/>
+                <a16:creationId xmlns:a16="http://schemas.microsoft.com/office/drawing/2014/main" xmlns="" id="{E4BFA167-4D74-44D4-AA06-F7DBEA7BB015}"/>
               </a:ext>
             </a:extLst>
           </p:cNvPr>
@@ -1419,7 +1429,8 @@
           <a:p>
             <a:fld id="{542F47FF-5056-41FF-A1F8-23A414798AA4}" type="datetimeFigureOut">
               <a:rPr lang="en-SG" smtClean="0"/>
-              <a:t>6/7/2018</a:t>
+              <a:pPr/>
+              <a:t>31/3/2019</a:t>
             </a:fld>
             <a:endParaRPr lang="en-SG"/>
           </a:p>
@@ -1430,7 +1441,7 @@
           <p:cNvPr id="6" name="Footer Placeholder 5">
             <a:extLst>
               <a:ext uri="{FF2B5EF4-FFF2-40B4-BE49-F238E27FC236}">
-                <a16:creationId xmlns:a16="http://schemas.microsoft.com/office/drawing/2014/main" id="{000F966C-5803-470B-AFA7-C187FB7AE76F}"/>
+                <a16:creationId xmlns:a16="http://schemas.microsoft.com/office/drawing/2014/main" xmlns="" id="{000F966C-5803-470B-AFA7-C187FB7AE76F}"/>
               </a:ext>
             </a:extLst>
           </p:cNvPr>
@@ -1455,7 +1466,7 @@
           <p:cNvPr id="7" name="Slide Number Placeholder 6">
             <a:extLst>
               <a:ext uri="{FF2B5EF4-FFF2-40B4-BE49-F238E27FC236}">
-                <a16:creationId xmlns:a16="http://schemas.microsoft.com/office/drawing/2014/main" id="{C5072683-17F0-489D-BA30-0EAE1A9786AE}"/>
+                <a16:creationId xmlns:a16="http://schemas.microsoft.com/office/drawing/2014/main" xmlns="" id="{C5072683-17F0-489D-BA30-0EAE1A9786AE}"/>
               </a:ext>
             </a:extLst>
           </p:cNvPr>
@@ -1473,6 +1484,7 @@
           <a:p>
             <a:fld id="{FAF26027-0CC0-4876-A678-1CB5D5A0D310}" type="slidenum">
               <a:rPr lang="en-SG" smtClean="0"/>
+              <a:pPr/>
               <a:t>‹#›</a:t>
             </a:fld>
             <a:endParaRPr lang="en-SG"/>
@@ -1482,7 +1494,7 @@
     </p:spTree>
     <p:extLst>
       <p:ext uri="{BB962C8B-B14F-4D97-AF65-F5344CB8AC3E}">
-        <p14:creationId xmlns:p14="http://schemas.microsoft.com/office/powerpoint/2010/main" val="2484851762"/>
+        <p14:creationId xmlns:p14="http://schemas.microsoft.com/office/powerpoint/2010/main" xmlns="" val="2484851762"/>
       </p:ext>
     </p:extLst>
   </p:cSld>
@@ -1514,7 +1526,7 @@
           <p:cNvPr id="2" name="Title 1">
             <a:extLst>
               <a:ext uri="{FF2B5EF4-FFF2-40B4-BE49-F238E27FC236}">
-                <a16:creationId xmlns:a16="http://schemas.microsoft.com/office/drawing/2014/main" id="{CEC7B897-F9D1-4F32-BB47-48174A5ED64C}"/>
+                <a16:creationId xmlns:a16="http://schemas.microsoft.com/office/drawing/2014/main" xmlns="" id="{CEC7B897-F9D1-4F32-BB47-48174A5ED64C}"/>
               </a:ext>
             </a:extLst>
           </p:cNvPr>
@@ -1548,7 +1560,7 @@
           <p:cNvPr id="3" name="Text Placeholder 2">
             <a:extLst>
               <a:ext uri="{FF2B5EF4-FFF2-40B4-BE49-F238E27FC236}">
-                <a16:creationId xmlns:a16="http://schemas.microsoft.com/office/drawing/2014/main" id="{F641612B-9729-43C6-B566-AD5088E65020}"/>
+                <a16:creationId xmlns:a16="http://schemas.microsoft.com/office/drawing/2014/main" xmlns="" id="{F641612B-9729-43C6-B566-AD5088E65020}"/>
               </a:ext>
             </a:extLst>
           </p:cNvPr>
@@ -1619,7 +1631,7 @@
           <p:cNvPr id="4" name="Content Placeholder 3">
             <a:extLst>
               <a:ext uri="{FF2B5EF4-FFF2-40B4-BE49-F238E27FC236}">
-                <a16:creationId xmlns:a16="http://schemas.microsoft.com/office/drawing/2014/main" id="{C9E1DDFB-755B-486A-8E6E-CC7CFE66970C}"/>
+                <a16:creationId xmlns:a16="http://schemas.microsoft.com/office/drawing/2014/main" xmlns="" id="{C9E1DDFB-755B-486A-8E6E-CC7CFE66970C}"/>
               </a:ext>
             </a:extLst>
           </p:cNvPr>
@@ -1682,7 +1694,7 @@
           <p:cNvPr id="5" name="Text Placeholder 4">
             <a:extLst>
               <a:ext uri="{FF2B5EF4-FFF2-40B4-BE49-F238E27FC236}">
-                <a16:creationId xmlns:a16="http://schemas.microsoft.com/office/drawing/2014/main" id="{9C513BAE-7453-4E00-A4D1-7192F85ACD26}"/>
+                <a16:creationId xmlns:a16="http://schemas.microsoft.com/office/drawing/2014/main" xmlns="" id="{9C513BAE-7453-4E00-A4D1-7192F85ACD26}"/>
               </a:ext>
             </a:extLst>
           </p:cNvPr>
@@ -1753,7 +1765,7 @@
           <p:cNvPr id="6" name="Content Placeholder 5">
             <a:extLst>
               <a:ext uri="{FF2B5EF4-FFF2-40B4-BE49-F238E27FC236}">
-                <a16:creationId xmlns:a16="http://schemas.microsoft.com/office/drawing/2014/main" id="{CD44104D-C0AE-4458-869E-DFF710C415CC}"/>
+                <a16:creationId xmlns:a16="http://schemas.microsoft.com/office/drawing/2014/main" xmlns="" id="{CD44104D-C0AE-4458-869E-DFF710C415CC}"/>
               </a:ext>
             </a:extLst>
           </p:cNvPr>
@@ -1816,7 +1828,7 @@
           <p:cNvPr id="7" name="Date Placeholder 6">
             <a:extLst>
               <a:ext uri="{FF2B5EF4-FFF2-40B4-BE49-F238E27FC236}">
-                <a16:creationId xmlns:a16="http://schemas.microsoft.com/office/drawing/2014/main" id="{4CB7CAF3-D690-40A3-88F7-9D0D17864C18}"/>
+                <a16:creationId xmlns:a16="http://schemas.microsoft.com/office/drawing/2014/main" xmlns="" id="{4CB7CAF3-D690-40A3-88F7-9D0D17864C18}"/>
               </a:ext>
             </a:extLst>
           </p:cNvPr>
@@ -1834,7 +1846,8 @@
           <a:p>
             <a:fld id="{542F47FF-5056-41FF-A1F8-23A414798AA4}" type="datetimeFigureOut">
               <a:rPr lang="en-SG" smtClean="0"/>
-              <a:t>6/7/2018</a:t>
+              <a:pPr/>
+              <a:t>31/3/2019</a:t>
             </a:fld>
             <a:endParaRPr lang="en-SG"/>
           </a:p>
@@ -1845,7 +1858,7 @@
           <p:cNvPr id="8" name="Footer Placeholder 7">
             <a:extLst>
               <a:ext uri="{FF2B5EF4-FFF2-40B4-BE49-F238E27FC236}">
-                <a16:creationId xmlns:a16="http://schemas.microsoft.com/office/drawing/2014/main" id="{E3FCCAB0-63DD-4704-AA42-E4F81E641DA3}"/>
+                <a16:creationId xmlns:a16="http://schemas.microsoft.com/office/drawing/2014/main" xmlns="" id="{E3FCCAB0-63DD-4704-AA42-E4F81E641DA3}"/>
               </a:ext>
             </a:extLst>
           </p:cNvPr>
@@ -1870,7 +1883,7 @@
           <p:cNvPr id="9" name="Slide Number Placeholder 8">
             <a:extLst>
               <a:ext uri="{FF2B5EF4-FFF2-40B4-BE49-F238E27FC236}">
-                <a16:creationId xmlns:a16="http://schemas.microsoft.com/office/drawing/2014/main" id="{604EFCC3-8687-4BC3-9C9E-60FD561B237F}"/>
+                <a16:creationId xmlns:a16="http://schemas.microsoft.com/office/drawing/2014/main" xmlns="" id="{604EFCC3-8687-4BC3-9C9E-60FD561B237F}"/>
               </a:ext>
             </a:extLst>
           </p:cNvPr>
@@ -1888,6 +1901,7 @@
           <a:p>
             <a:fld id="{FAF26027-0CC0-4876-A678-1CB5D5A0D310}" type="slidenum">
               <a:rPr lang="en-SG" smtClean="0"/>
+              <a:pPr/>
               <a:t>‹#›</a:t>
             </a:fld>
             <a:endParaRPr lang="en-SG"/>
@@ -1897,7 +1911,7 @@
     </p:spTree>
     <p:extLst>
       <p:ext uri="{BB962C8B-B14F-4D97-AF65-F5344CB8AC3E}">
-        <p14:creationId xmlns:p14="http://schemas.microsoft.com/office/powerpoint/2010/main" val="4236804757"/>
+        <p14:creationId xmlns:p14="http://schemas.microsoft.com/office/powerpoint/2010/main" xmlns="" val="4236804757"/>
       </p:ext>
     </p:extLst>
   </p:cSld>
@@ -1929,7 +1943,7 @@
           <p:cNvPr id="2" name="Title 1">
             <a:extLst>
               <a:ext uri="{FF2B5EF4-FFF2-40B4-BE49-F238E27FC236}">
-                <a16:creationId xmlns:a16="http://schemas.microsoft.com/office/drawing/2014/main" id="{D324AE97-E2C9-4642-887A-4474C5566AA6}"/>
+                <a16:creationId xmlns:a16="http://schemas.microsoft.com/office/drawing/2014/main" xmlns="" id="{D324AE97-E2C9-4642-887A-4474C5566AA6}"/>
               </a:ext>
             </a:extLst>
           </p:cNvPr>
@@ -1958,7 +1972,7 @@
           <p:cNvPr id="3" name="Date Placeholder 2">
             <a:extLst>
               <a:ext uri="{FF2B5EF4-FFF2-40B4-BE49-F238E27FC236}">
-                <a16:creationId xmlns:a16="http://schemas.microsoft.com/office/drawing/2014/main" id="{919EDCEA-D8A9-431E-AF93-4824C03FD0F2}"/>
+                <a16:creationId xmlns:a16="http://schemas.microsoft.com/office/drawing/2014/main" xmlns="" id="{919EDCEA-D8A9-431E-AF93-4824C03FD0F2}"/>
               </a:ext>
             </a:extLst>
           </p:cNvPr>
@@ -1976,7 +1990,8 @@
           <a:p>
             <a:fld id="{542F47FF-5056-41FF-A1F8-23A414798AA4}" type="datetimeFigureOut">
               <a:rPr lang="en-SG" smtClean="0"/>
-              <a:t>6/7/2018</a:t>
+              <a:pPr/>
+              <a:t>31/3/2019</a:t>
             </a:fld>
             <a:endParaRPr lang="en-SG"/>
           </a:p>
@@ -1987,7 +2002,7 @@
           <p:cNvPr id="4" name="Footer Placeholder 3">
             <a:extLst>
               <a:ext uri="{FF2B5EF4-FFF2-40B4-BE49-F238E27FC236}">
-                <a16:creationId xmlns:a16="http://schemas.microsoft.com/office/drawing/2014/main" id="{1F13DD51-16D3-435A-A475-0C2A7255A05E}"/>
+                <a16:creationId xmlns:a16="http://schemas.microsoft.com/office/drawing/2014/main" xmlns="" id="{1F13DD51-16D3-435A-A475-0C2A7255A05E}"/>
               </a:ext>
             </a:extLst>
           </p:cNvPr>
@@ -2012,7 +2027,7 @@
           <p:cNvPr id="5" name="Slide Number Placeholder 4">
             <a:extLst>
               <a:ext uri="{FF2B5EF4-FFF2-40B4-BE49-F238E27FC236}">
-                <a16:creationId xmlns:a16="http://schemas.microsoft.com/office/drawing/2014/main" id="{3D7AC15F-BADE-4466-835A-57B1A9E5162B}"/>
+                <a16:creationId xmlns:a16="http://schemas.microsoft.com/office/drawing/2014/main" xmlns="" id="{3D7AC15F-BADE-4466-835A-57B1A9E5162B}"/>
               </a:ext>
             </a:extLst>
           </p:cNvPr>
@@ -2030,6 +2045,7 @@
           <a:p>
             <a:fld id="{FAF26027-0CC0-4876-A678-1CB5D5A0D310}" type="slidenum">
               <a:rPr lang="en-SG" smtClean="0"/>
+              <a:pPr/>
               <a:t>‹#›</a:t>
             </a:fld>
             <a:endParaRPr lang="en-SG"/>
@@ -2039,7 +2055,7 @@
     </p:spTree>
     <p:extLst>
       <p:ext uri="{BB962C8B-B14F-4D97-AF65-F5344CB8AC3E}">
-        <p14:creationId xmlns:p14="http://schemas.microsoft.com/office/powerpoint/2010/main" val="3459188963"/>
+        <p14:creationId xmlns:p14="http://schemas.microsoft.com/office/powerpoint/2010/main" xmlns="" val="3459188963"/>
       </p:ext>
     </p:extLst>
   </p:cSld>
@@ -2071,7 +2087,7 @@
           <p:cNvPr id="2" name="Date Placeholder 1">
             <a:extLst>
               <a:ext uri="{FF2B5EF4-FFF2-40B4-BE49-F238E27FC236}">
-                <a16:creationId xmlns:a16="http://schemas.microsoft.com/office/drawing/2014/main" id="{48F01CC8-EEC4-4B3C-8C73-3EBB7DCEBE67}"/>
+                <a16:creationId xmlns:a16="http://schemas.microsoft.com/office/drawing/2014/main" xmlns="" id="{48F01CC8-EEC4-4B3C-8C73-3EBB7DCEBE67}"/>
               </a:ext>
             </a:extLst>
           </p:cNvPr>
@@ -2089,7 +2105,8 @@
           <a:p>
             <a:fld id="{542F47FF-5056-41FF-A1F8-23A414798AA4}" type="datetimeFigureOut">
               <a:rPr lang="en-SG" smtClean="0"/>
-              <a:t>6/7/2018</a:t>
+              <a:pPr/>
+              <a:t>31/3/2019</a:t>
             </a:fld>
             <a:endParaRPr lang="en-SG"/>
           </a:p>
@@ -2100,7 +2117,7 @@
           <p:cNvPr id="3" name="Footer Placeholder 2">
             <a:extLst>
               <a:ext uri="{FF2B5EF4-FFF2-40B4-BE49-F238E27FC236}">
-                <a16:creationId xmlns:a16="http://schemas.microsoft.com/office/drawing/2014/main" id="{4D820BAF-6E28-43DA-9E9B-8C229AB2A964}"/>
+                <a16:creationId xmlns:a16="http://schemas.microsoft.com/office/drawing/2014/main" xmlns="" id="{4D820BAF-6E28-43DA-9E9B-8C229AB2A964}"/>
               </a:ext>
             </a:extLst>
           </p:cNvPr>
@@ -2125,7 +2142,7 @@
           <p:cNvPr id="4" name="Slide Number Placeholder 3">
             <a:extLst>
               <a:ext uri="{FF2B5EF4-FFF2-40B4-BE49-F238E27FC236}">
-                <a16:creationId xmlns:a16="http://schemas.microsoft.com/office/drawing/2014/main" id="{49BFE3EF-B472-4F66-80D5-1B722E8086E6}"/>
+                <a16:creationId xmlns:a16="http://schemas.microsoft.com/office/drawing/2014/main" xmlns="" id="{49BFE3EF-B472-4F66-80D5-1B722E8086E6}"/>
               </a:ext>
             </a:extLst>
           </p:cNvPr>
@@ -2143,6 +2160,7 @@
           <a:p>
             <a:fld id="{FAF26027-0CC0-4876-A678-1CB5D5A0D310}" type="slidenum">
               <a:rPr lang="en-SG" smtClean="0"/>
+              <a:pPr/>
               <a:t>‹#›</a:t>
             </a:fld>
             <a:endParaRPr lang="en-SG"/>
@@ -2152,7 +2170,7 @@
     </p:spTree>
     <p:extLst>
       <p:ext uri="{BB962C8B-B14F-4D97-AF65-F5344CB8AC3E}">
-        <p14:creationId xmlns:p14="http://schemas.microsoft.com/office/powerpoint/2010/main" val="3608484274"/>
+        <p14:creationId xmlns:p14="http://schemas.microsoft.com/office/powerpoint/2010/main" xmlns="" val="3608484274"/>
       </p:ext>
     </p:extLst>
   </p:cSld>
@@ -2184,7 +2202,7 @@
           <p:cNvPr id="2" name="Title 1">
             <a:extLst>
               <a:ext uri="{FF2B5EF4-FFF2-40B4-BE49-F238E27FC236}">
-                <a16:creationId xmlns:a16="http://schemas.microsoft.com/office/drawing/2014/main" id="{E1ABDE73-0F58-47D3-8C8B-C147DE1C0B22}"/>
+                <a16:creationId xmlns:a16="http://schemas.microsoft.com/office/drawing/2014/main" xmlns="" id="{E1ABDE73-0F58-47D3-8C8B-C147DE1C0B22}"/>
               </a:ext>
             </a:extLst>
           </p:cNvPr>
@@ -2222,7 +2240,7 @@
           <p:cNvPr id="3" name="Content Placeholder 2">
             <a:extLst>
               <a:ext uri="{FF2B5EF4-FFF2-40B4-BE49-F238E27FC236}">
-                <a16:creationId xmlns:a16="http://schemas.microsoft.com/office/drawing/2014/main" id="{0167F6A8-B979-42A6-B421-40577DD5582F}"/>
+                <a16:creationId xmlns:a16="http://schemas.microsoft.com/office/drawing/2014/main" xmlns="" id="{0167F6A8-B979-42A6-B421-40577DD5582F}"/>
               </a:ext>
             </a:extLst>
           </p:cNvPr>
@@ -2313,7 +2331,7 @@
           <p:cNvPr id="4" name="Text Placeholder 3">
             <a:extLst>
               <a:ext uri="{FF2B5EF4-FFF2-40B4-BE49-F238E27FC236}">
-                <a16:creationId xmlns:a16="http://schemas.microsoft.com/office/drawing/2014/main" id="{6887A488-06FE-46E9-8AC5-DF38A61CCF05}"/>
+                <a16:creationId xmlns:a16="http://schemas.microsoft.com/office/drawing/2014/main" xmlns="" id="{6887A488-06FE-46E9-8AC5-DF38A61CCF05}"/>
               </a:ext>
             </a:extLst>
           </p:cNvPr>
@@ -2384,7 +2402,7 @@
           <p:cNvPr id="5" name="Date Placeholder 4">
             <a:extLst>
               <a:ext uri="{FF2B5EF4-FFF2-40B4-BE49-F238E27FC236}">
-                <a16:creationId xmlns:a16="http://schemas.microsoft.com/office/drawing/2014/main" id="{1225C56B-78B2-45C0-A8A9-C9D435A286D0}"/>
+                <a16:creationId xmlns:a16="http://schemas.microsoft.com/office/drawing/2014/main" xmlns="" id="{1225C56B-78B2-45C0-A8A9-C9D435A286D0}"/>
               </a:ext>
             </a:extLst>
           </p:cNvPr>
@@ -2402,7 +2420,8 @@
           <a:p>
             <a:fld id="{542F47FF-5056-41FF-A1F8-23A414798AA4}" type="datetimeFigureOut">
               <a:rPr lang="en-SG" smtClean="0"/>
-              <a:t>6/7/2018</a:t>
+              <a:pPr/>
+              <a:t>31/3/2019</a:t>
             </a:fld>
             <a:endParaRPr lang="en-SG"/>
           </a:p>
@@ -2413,7 +2432,7 @@
           <p:cNvPr id="6" name="Footer Placeholder 5">
             <a:extLst>
               <a:ext uri="{FF2B5EF4-FFF2-40B4-BE49-F238E27FC236}">
-                <a16:creationId xmlns:a16="http://schemas.microsoft.com/office/drawing/2014/main" id="{3F9E1B9E-B673-4E26-9323-D731DC395F9C}"/>
+                <a16:creationId xmlns:a16="http://schemas.microsoft.com/office/drawing/2014/main" xmlns="" id="{3F9E1B9E-B673-4E26-9323-D731DC395F9C}"/>
               </a:ext>
             </a:extLst>
           </p:cNvPr>
@@ -2438,7 +2457,7 @@
           <p:cNvPr id="7" name="Slide Number Placeholder 6">
             <a:extLst>
               <a:ext uri="{FF2B5EF4-FFF2-40B4-BE49-F238E27FC236}">
-                <a16:creationId xmlns:a16="http://schemas.microsoft.com/office/drawing/2014/main" id="{6633AB4A-8EB3-4154-869B-5580DEDF4F79}"/>
+                <a16:creationId xmlns:a16="http://schemas.microsoft.com/office/drawing/2014/main" xmlns="" id="{6633AB4A-8EB3-4154-869B-5580DEDF4F79}"/>
               </a:ext>
             </a:extLst>
           </p:cNvPr>
@@ -2456,6 +2475,7 @@
           <a:p>
             <a:fld id="{FAF26027-0CC0-4876-A678-1CB5D5A0D310}" type="slidenum">
               <a:rPr lang="en-SG" smtClean="0"/>
+              <a:pPr/>
               <a:t>‹#›</a:t>
             </a:fld>
             <a:endParaRPr lang="en-SG"/>
@@ -2465,7 +2485,7 @@
     </p:spTree>
     <p:extLst>
       <p:ext uri="{BB962C8B-B14F-4D97-AF65-F5344CB8AC3E}">
-        <p14:creationId xmlns:p14="http://schemas.microsoft.com/office/powerpoint/2010/main" val="1576016974"/>
+        <p14:creationId xmlns:p14="http://schemas.microsoft.com/office/powerpoint/2010/main" xmlns="" val="1576016974"/>
       </p:ext>
     </p:extLst>
   </p:cSld>
@@ -2497,7 +2517,7 @@
           <p:cNvPr id="2" name="Title 1">
             <a:extLst>
               <a:ext uri="{FF2B5EF4-FFF2-40B4-BE49-F238E27FC236}">
-                <a16:creationId xmlns:a16="http://schemas.microsoft.com/office/drawing/2014/main" id="{61D5430E-44A7-4B67-9F34-F532D5533356}"/>
+                <a16:creationId xmlns:a16="http://schemas.microsoft.com/office/drawing/2014/main" xmlns="" id="{61D5430E-44A7-4B67-9F34-F532D5533356}"/>
               </a:ext>
             </a:extLst>
           </p:cNvPr>
@@ -2535,7 +2555,7 @@
           <p:cNvPr id="3" name="Picture Placeholder 2">
             <a:extLst>
               <a:ext uri="{FF2B5EF4-FFF2-40B4-BE49-F238E27FC236}">
-                <a16:creationId xmlns:a16="http://schemas.microsoft.com/office/drawing/2014/main" id="{94374BCC-AC4A-4ED0-A7BD-6B2491EAED7E}"/>
+                <a16:creationId xmlns:a16="http://schemas.microsoft.com/office/drawing/2014/main" xmlns="" id="{94374BCC-AC4A-4ED0-A7BD-6B2491EAED7E}"/>
               </a:ext>
             </a:extLst>
           </p:cNvPr>
@@ -2602,7 +2622,7 @@
           <p:cNvPr id="4" name="Text Placeholder 3">
             <a:extLst>
               <a:ext uri="{FF2B5EF4-FFF2-40B4-BE49-F238E27FC236}">
-                <a16:creationId xmlns:a16="http://schemas.microsoft.com/office/drawing/2014/main" id="{5AD4568E-164B-462E-9285-49B735DD9DE7}"/>
+                <a16:creationId xmlns:a16="http://schemas.microsoft.com/office/drawing/2014/main" xmlns="" id="{5AD4568E-164B-462E-9285-49B735DD9DE7}"/>
               </a:ext>
             </a:extLst>
           </p:cNvPr>
@@ -2673,7 +2693,7 @@
           <p:cNvPr id="5" name="Date Placeholder 4">
             <a:extLst>
               <a:ext uri="{FF2B5EF4-FFF2-40B4-BE49-F238E27FC236}">
-                <a16:creationId xmlns:a16="http://schemas.microsoft.com/office/drawing/2014/main" id="{ABD88AB5-C9D0-4013-85B4-2228545F24AD}"/>
+                <a16:creationId xmlns:a16="http://schemas.microsoft.com/office/drawing/2014/main" xmlns="" id="{ABD88AB5-C9D0-4013-85B4-2228545F24AD}"/>
               </a:ext>
             </a:extLst>
           </p:cNvPr>
@@ -2691,7 +2711,8 @@
           <a:p>
             <a:fld id="{542F47FF-5056-41FF-A1F8-23A414798AA4}" type="datetimeFigureOut">
               <a:rPr lang="en-SG" smtClean="0"/>
-              <a:t>6/7/2018</a:t>
+              <a:pPr/>
+              <a:t>31/3/2019</a:t>
             </a:fld>
             <a:endParaRPr lang="en-SG"/>
           </a:p>
@@ -2702,7 +2723,7 @@
           <p:cNvPr id="6" name="Footer Placeholder 5">
             <a:extLst>
               <a:ext uri="{FF2B5EF4-FFF2-40B4-BE49-F238E27FC236}">
-                <a16:creationId xmlns:a16="http://schemas.microsoft.com/office/drawing/2014/main" id="{6378A798-E2A6-4417-A003-DE553E8EC325}"/>
+                <a16:creationId xmlns:a16="http://schemas.microsoft.com/office/drawing/2014/main" xmlns="" id="{6378A798-E2A6-4417-A003-DE553E8EC325}"/>
               </a:ext>
             </a:extLst>
           </p:cNvPr>
@@ -2727,7 +2748,7 @@
           <p:cNvPr id="7" name="Slide Number Placeholder 6">
             <a:extLst>
               <a:ext uri="{FF2B5EF4-FFF2-40B4-BE49-F238E27FC236}">
-                <a16:creationId xmlns:a16="http://schemas.microsoft.com/office/drawing/2014/main" id="{7BC6852D-C345-455C-9499-B57AE4D2D943}"/>
+                <a16:creationId xmlns:a16="http://schemas.microsoft.com/office/drawing/2014/main" xmlns="" id="{7BC6852D-C345-455C-9499-B57AE4D2D943}"/>
               </a:ext>
             </a:extLst>
           </p:cNvPr>
@@ -2745,6 +2766,7 @@
           <a:p>
             <a:fld id="{FAF26027-0CC0-4876-A678-1CB5D5A0D310}" type="slidenum">
               <a:rPr lang="en-SG" smtClean="0"/>
+              <a:pPr/>
               <a:t>‹#›</a:t>
             </a:fld>
             <a:endParaRPr lang="en-SG"/>
@@ -2754,7 +2776,7 @@
     </p:spTree>
     <p:extLst>
       <p:ext uri="{BB962C8B-B14F-4D97-AF65-F5344CB8AC3E}">
-        <p14:creationId xmlns:p14="http://schemas.microsoft.com/office/powerpoint/2010/main" val="3721365982"/>
+        <p14:creationId xmlns:p14="http://schemas.microsoft.com/office/powerpoint/2010/main" xmlns="" val="3721365982"/>
       </p:ext>
     </p:extLst>
   </p:cSld>
@@ -2791,7 +2813,7 @@
           <p:cNvPr id="2" name="Title Placeholder 1">
             <a:extLst>
               <a:ext uri="{FF2B5EF4-FFF2-40B4-BE49-F238E27FC236}">
-                <a16:creationId xmlns:a16="http://schemas.microsoft.com/office/drawing/2014/main" id="{CF097353-E272-4974-B34C-369C28928CA1}"/>
+                <a16:creationId xmlns:a16="http://schemas.microsoft.com/office/drawing/2014/main" xmlns="" id="{CF097353-E272-4974-B34C-369C28928CA1}"/>
               </a:ext>
             </a:extLst>
           </p:cNvPr>
@@ -2830,7 +2852,7 @@
           <p:cNvPr id="3" name="Text Placeholder 2">
             <a:extLst>
               <a:ext uri="{FF2B5EF4-FFF2-40B4-BE49-F238E27FC236}">
-                <a16:creationId xmlns:a16="http://schemas.microsoft.com/office/drawing/2014/main" id="{BB1BE290-84C1-4415-A557-1ACC36D1226C}"/>
+                <a16:creationId xmlns:a16="http://schemas.microsoft.com/office/drawing/2014/main" xmlns="" id="{BB1BE290-84C1-4415-A557-1ACC36D1226C}"/>
               </a:ext>
             </a:extLst>
           </p:cNvPr>
@@ -2898,7 +2920,7 @@
           <p:cNvPr id="4" name="Date Placeholder 3">
             <a:extLst>
               <a:ext uri="{FF2B5EF4-FFF2-40B4-BE49-F238E27FC236}">
-                <a16:creationId xmlns:a16="http://schemas.microsoft.com/office/drawing/2014/main" id="{F7EAAB47-96EA-44D5-8293-0D696F52A395}"/>
+                <a16:creationId xmlns:a16="http://schemas.microsoft.com/office/drawing/2014/main" xmlns="" id="{F7EAAB47-96EA-44D5-8293-0D696F52A395}"/>
               </a:ext>
             </a:extLst>
           </p:cNvPr>
@@ -2934,7 +2956,8 @@
           <a:p>
             <a:fld id="{542F47FF-5056-41FF-A1F8-23A414798AA4}" type="datetimeFigureOut">
               <a:rPr lang="en-SG" smtClean="0"/>
-              <a:t>6/7/2018</a:t>
+              <a:pPr/>
+              <a:t>31/3/2019</a:t>
             </a:fld>
             <a:endParaRPr lang="en-SG"/>
           </a:p>
@@ -2945,7 +2968,7 @@
           <p:cNvPr id="5" name="Footer Placeholder 4">
             <a:extLst>
               <a:ext uri="{FF2B5EF4-FFF2-40B4-BE49-F238E27FC236}">
-                <a16:creationId xmlns:a16="http://schemas.microsoft.com/office/drawing/2014/main" id="{F21C6E84-C98D-4391-98A0-E77A4221131C}"/>
+                <a16:creationId xmlns:a16="http://schemas.microsoft.com/office/drawing/2014/main" xmlns="" id="{F21C6E84-C98D-4391-98A0-E77A4221131C}"/>
               </a:ext>
             </a:extLst>
           </p:cNvPr>
@@ -2988,7 +3011,7 @@
           <p:cNvPr id="6" name="Slide Number Placeholder 5">
             <a:extLst>
               <a:ext uri="{FF2B5EF4-FFF2-40B4-BE49-F238E27FC236}">
-                <a16:creationId xmlns:a16="http://schemas.microsoft.com/office/drawing/2014/main" id="{FB352E9C-7394-48E0-A08D-56390F6520E1}"/>
+                <a16:creationId xmlns:a16="http://schemas.microsoft.com/office/drawing/2014/main" xmlns="" id="{FB352E9C-7394-48E0-A08D-56390F6520E1}"/>
               </a:ext>
             </a:extLst>
           </p:cNvPr>
@@ -3024,6 +3047,7 @@
           <a:p>
             <a:fld id="{FAF26027-0CC0-4876-A678-1CB5D5A0D310}" type="slidenum">
               <a:rPr lang="en-SG" smtClean="0"/>
+              <a:pPr/>
               <a:t>‹#›</a:t>
             </a:fld>
             <a:endParaRPr lang="en-SG"/>
@@ -3033,7 +3057,7 @@
     </p:spTree>
     <p:extLst>
       <p:ext uri="{BB962C8B-B14F-4D97-AF65-F5344CB8AC3E}">
-        <p14:creationId xmlns:p14="http://schemas.microsoft.com/office/powerpoint/2010/main" val="1884680462"/>
+        <p14:creationId xmlns:p14="http://schemas.microsoft.com/office/powerpoint/2010/main" xmlns="" val="1884680462"/>
       </p:ext>
     </p:extLst>
   </p:cSld>
@@ -3356,7 +3380,7 @@
           <p:cNvPr id="4" name="Oval 3">
             <a:extLst>
               <a:ext uri="{FF2B5EF4-FFF2-40B4-BE49-F238E27FC236}">
-                <a16:creationId xmlns:a16="http://schemas.microsoft.com/office/drawing/2014/main" id="{D45F487B-A914-4C8E-B564-00C9D621567D}"/>
+                <a16:creationId xmlns:a16="http://schemas.microsoft.com/office/drawing/2014/main" xmlns="" id="{D45F487B-A914-4C8E-B564-00C9D621567D}"/>
               </a:ext>
             </a:extLst>
           </p:cNvPr>
@@ -3405,7 +3429,7 @@
           <p:cNvPr id="6" name="Straight Arrow Connector 5">
             <a:extLst>
               <a:ext uri="{FF2B5EF4-FFF2-40B4-BE49-F238E27FC236}">
-                <a16:creationId xmlns:a16="http://schemas.microsoft.com/office/drawing/2014/main" id="{73D6638D-34B0-4D9A-B7DC-62ABF1C7D407}"/>
+                <a16:creationId xmlns:a16="http://schemas.microsoft.com/office/drawing/2014/main" xmlns="" id="{73D6638D-34B0-4D9A-B7DC-62ABF1C7D407}"/>
               </a:ext>
             </a:extLst>
           </p:cNvPr>
@@ -3448,7 +3472,7 @@
           <p:cNvPr id="8" name="Rectangle: Rounded Corners 7">
             <a:extLst>
               <a:ext uri="{FF2B5EF4-FFF2-40B4-BE49-F238E27FC236}">
-                <a16:creationId xmlns:a16="http://schemas.microsoft.com/office/drawing/2014/main" id="{C13E6F3C-30CD-49FB-94D8-AF011F54E935}"/>
+                <a16:creationId xmlns:a16="http://schemas.microsoft.com/office/drawing/2014/main" xmlns="" id="{C13E6F3C-30CD-49FB-94D8-AF011F54E935}"/>
               </a:ext>
             </a:extLst>
           </p:cNvPr>
@@ -3500,7 +3524,7 @@
           <p:cNvPr id="9" name="Straight Arrow Connector 8">
             <a:extLst>
               <a:ext uri="{FF2B5EF4-FFF2-40B4-BE49-F238E27FC236}">
-                <a16:creationId xmlns:a16="http://schemas.microsoft.com/office/drawing/2014/main" id="{6A0B3198-7B18-417D-A041-B13DF5BAE7A6}"/>
+                <a16:creationId xmlns:a16="http://schemas.microsoft.com/office/drawing/2014/main" xmlns="" id="{6A0B3198-7B18-417D-A041-B13DF5BAE7A6}"/>
               </a:ext>
             </a:extLst>
           </p:cNvPr>
@@ -3543,7 +3567,7 @@
           <p:cNvPr id="46" name="Diamond 45">
             <a:extLst>
               <a:ext uri="{FF2B5EF4-FFF2-40B4-BE49-F238E27FC236}">
-                <a16:creationId xmlns:a16="http://schemas.microsoft.com/office/drawing/2014/main" id="{FDB4A38F-F816-4320-82EB-071E9BA2EFAB}"/>
+                <a16:creationId xmlns:a16="http://schemas.microsoft.com/office/drawing/2014/main" xmlns="" id="{FDB4A38F-F816-4320-82EB-071E9BA2EFAB}"/>
               </a:ext>
             </a:extLst>
           </p:cNvPr>
@@ -3592,7 +3616,7 @@
           <p:cNvPr id="47" name="TextBox 46">
             <a:extLst>
               <a:ext uri="{FF2B5EF4-FFF2-40B4-BE49-F238E27FC236}">
-                <a16:creationId xmlns:a16="http://schemas.microsoft.com/office/drawing/2014/main" id="{791A7435-1CBD-4D64-B373-CDF617409EFD}"/>
+                <a16:creationId xmlns:a16="http://schemas.microsoft.com/office/drawing/2014/main" xmlns="" id="{791A7435-1CBD-4D64-B373-CDF617409EFD}"/>
               </a:ext>
             </a:extLst>
           </p:cNvPr>
@@ -3627,7 +3651,7 @@
           <p:cNvPr id="48" name="TextBox 47">
             <a:extLst>
               <a:ext uri="{FF2B5EF4-FFF2-40B4-BE49-F238E27FC236}">
-                <a16:creationId xmlns:a16="http://schemas.microsoft.com/office/drawing/2014/main" id="{300470AD-DA4C-4F16-91F5-E3E560CDBEFC}"/>
+                <a16:creationId xmlns:a16="http://schemas.microsoft.com/office/drawing/2014/main" xmlns="" id="{300470AD-DA4C-4F16-91F5-E3E560CDBEFC}"/>
               </a:ext>
             </a:extLst>
           </p:cNvPr>
@@ -3656,7 +3680,19 @@
             </a:r>
             <a:r>
               <a:rPr lang="en-US" dirty="0"/>
-              <a:t>command commits address book]</a:t>
+              <a:t>command </a:t>
+            </a:r>
+            <a:r>
+              <a:rPr lang="en-US" dirty="0" smtClean="0"/>
+              <a:t>commits </a:t>
+            </a:r>
+            <a:r>
+              <a:rPr lang="en-US" dirty="0" err="1" smtClean="0"/>
+              <a:t>GradTrak</a:t>
+            </a:r>
+            <a:r>
+              <a:rPr lang="en-US" dirty="0" smtClean="0"/>
+              <a:t>]</a:t>
             </a:r>
             <a:endParaRPr lang="en-SG" sz="1801" dirty="0"/>
           </a:p>
@@ -3667,7 +3703,7 @@
           <p:cNvPr id="51" name="Rectangle: Rounded Corners 50">
             <a:extLst>
               <a:ext uri="{FF2B5EF4-FFF2-40B4-BE49-F238E27FC236}">
-                <a16:creationId xmlns:a16="http://schemas.microsoft.com/office/drawing/2014/main" id="{D62D81FC-C644-4602-90C8-B7974D14CA54}"/>
+                <a16:creationId xmlns:a16="http://schemas.microsoft.com/office/drawing/2014/main" xmlns="" id="{D62D81FC-C644-4602-90C8-B7974D14CA54}"/>
               </a:ext>
             </a:extLst>
           </p:cNvPr>
@@ -3709,16 +3745,25 @@
             <a:pPr algn="ctr"/>
             <a:r>
               <a:rPr lang="en-SG" sz="1801" dirty="0"/>
-              <a:t>Purge redundant states and then save address book to </a:t>
-            </a:r>
-            <a:r>
-              <a:rPr lang="en-SG" sz="1801" dirty="0" err="1"/>
-              <a:t>addressBookStateList</a:t>
-            </a:r>
-            <a:r>
-              <a:rPr lang="en-SG" sz="1801" dirty="0"/>
+              <a:t>Purge redundant states and then save </a:t>
+            </a:r>
+            <a:r>
+              <a:rPr lang="en-SG" sz="1801" dirty="0" err="1" smtClean="0"/>
+              <a:t>GradTrak</a:t>
+            </a:r>
+            <a:r>
+              <a:rPr lang="en-SG" sz="1801" dirty="0" smtClean="0"/>
+              <a:t> to </a:t>
+            </a:r>
+            <a:r>
+              <a:rPr lang="en-SG" sz="1801" dirty="0" err="1" smtClean="0"/>
+              <a:t>gradTrakStateList</a:t>
+            </a:r>
+            <a:r>
+              <a:rPr lang="en-SG" sz="1801" dirty="0" smtClean="0"/>
               <a:t> </a:t>
             </a:r>
+            <a:endParaRPr lang="en-SG" sz="1801" dirty="0"/>
           </a:p>
         </p:txBody>
       </p:sp>
@@ -3727,7 +3772,7 @@
           <p:cNvPr id="56" name="Diamond 55">
             <a:extLst>
               <a:ext uri="{FF2B5EF4-FFF2-40B4-BE49-F238E27FC236}">
-                <a16:creationId xmlns:a16="http://schemas.microsoft.com/office/drawing/2014/main" id="{0ACD7DC4-F31E-42B2-9D34-41B1AE997EB1}"/>
+                <a16:creationId xmlns:a16="http://schemas.microsoft.com/office/drawing/2014/main" xmlns="" id="{0ACD7DC4-F31E-42B2-9D34-41B1AE997EB1}"/>
               </a:ext>
             </a:extLst>
           </p:cNvPr>
@@ -3776,7 +3821,7 @@
           <p:cNvPr id="69" name="Straight Arrow Connector 68">
             <a:extLst>
               <a:ext uri="{FF2B5EF4-FFF2-40B4-BE49-F238E27FC236}">
-                <a16:creationId xmlns:a16="http://schemas.microsoft.com/office/drawing/2014/main" id="{7BE2639B-14BA-4C9C-9964-899CEF3278C9}"/>
+                <a16:creationId xmlns:a16="http://schemas.microsoft.com/office/drawing/2014/main" xmlns="" id="{7BE2639B-14BA-4C9C-9964-899CEF3278C9}"/>
               </a:ext>
             </a:extLst>
           </p:cNvPr>
@@ -3819,7 +3864,7 @@
           <p:cNvPr id="75" name="Group 74">
             <a:extLst>
               <a:ext uri="{FF2B5EF4-FFF2-40B4-BE49-F238E27FC236}">
-                <a16:creationId xmlns:a16="http://schemas.microsoft.com/office/drawing/2014/main" id="{A48F4168-7D41-4ED6-97F1-58289DDE3C4D}"/>
+                <a16:creationId xmlns:a16="http://schemas.microsoft.com/office/drawing/2014/main" xmlns="" id="{A48F4168-7D41-4ED6-97F1-58289DDE3C4D}"/>
               </a:ext>
             </a:extLst>
           </p:cNvPr>
@@ -3839,7 +3884,7 @@
             <p:cNvPr id="68" name="Oval 67">
               <a:extLst>
                 <a:ext uri="{FF2B5EF4-FFF2-40B4-BE49-F238E27FC236}">
-                  <a16:creationId xmlns:a16="http://schemas.microsoft.com/office/drawing/2014/main" id="{E423C8D7-553D-4A16-BA68-78DB113CAEC3}"/>
+                  <a16:creationId xmlns:a16="http://schemas.microsoft.com/office/drawing/2014/main" xmlns="" id="{E423C8D7-553D-4A16-BA68-78DB113CAEC3}"/>
                 </a:ext>
               </a:extLst>
             </p:cNvPr>
@@ -3891,7 +3936,7 @@
             <p:cNvPr id="71" name="Oval 70">
               <a:extLst>
                 <a:ext uri="{FF2B5EF4-FFF2-40B4-BE49-F238E27FC236}">
-                  <a16:creationId xmlns:a16="http://schemas.microsoft.com/office/drawing/2014/main" id="{1F41AA13-1BFC-498E-BBC4-DC32053E38E1}"/>
+                  <a16:creationId xmlns:a16="http://schemas.microsoft.com/office/drawing/2014/main" xmlns="" id="{1F41AA13-1BFC-498E-BBC4-DC32053E38E1}"/>
                 </a:ext>
               </a:extLst>
             </p:cNvPr>
@@ -4048,7 +4093,7 @@
     </p:spTree>
     <p:extLst>
       <p:ext uri="{BB962C8B-B14F-4D97-AF65-F5344CB8AC3E}">
-        <p14:creationId xmlns:p14="http://schemas.microsoft.com/office/powerpoint/2010/main" val="409515240"/>
+        <p14:creationId xmlns:p14="http://schemas.microsoft.com/office/powerpoint/2010/main" xmlns="" val="409515240"/>
       </p:ext>
     </p:extLst>
   </p:cSld>
@@ -4101,7 +4146,7 @@
     </a:clrScheme>
     <a:fontScheme name="Office">
       <a:majorFont>
-        <a:latin typeface="Calibri Light" panose="020F0302020204030204"/>
+        <a:latin typeface="Calibri Light"/>
         <a:ea typeface=""/>
         <a:cs typeface=""/>
         <a:font script="Jpan" typeface="游ゴシック Light"/>
@@ -4153,7 +4198,7 @@
         <a:font script="Tfng" typeface="Ebrima"/>
       </a:majorFont>
       <a:minorFont>
-        <a:latin typeface="Calibri" panose="020F0502020204030204"/>
+        <a:latin typeface="Calibri"/>
         <a:ea typeface=""/>
         <a:cs typeface=""/>
         <a:font script="Jpan" typeface="游ゴシック"/>
@@ -4347,7 +4392,7 @@
   <a:extraClrSchemeLst/>
   <a:extLst>
     <a:ext uri="{05A4C25C-085E-4340-85A3-A5531E510DB2}">
-      <thm15:themeFamily xmlns:thm15="http://schemas.microsoft.com/office/thememl/2012/main" name="Office Theme" id="{62F939B6-93AF-4DB8-9C6B-D6C7DFDC589F}" vid="{4A3C46E8-61CC-4603-A589-7422A47A8E4A}"/>
+      <thm15:themeFamily xmlns:thm15="http://schemas.microsoft.com/office/thememl/2012/main" xmlns="" name="Office Theme" id="{62F939B6-93AF-4DB8-9C6B-D6C7DFDC589F}" vid="{4A3C46E8-61CC-4603-A589-7422A47A8E4A}"/>
     </a:ext>
   </a:extLst>
 </a:theme>

--- a/docs/diagrams/UndoRedoActivityDiagram.pptx
+++ b/docs/diagrams/UndoRedoActivityDiagram.pptx
@@ -106,7 +106,7 @@
   </p:defaultTextStyle>
   <p:extLst>
     <p:ext uri="{EFAFB233-063F-42B5-8137-9DF3F51BA10A}">
-      <p15:sldGuideLst xmlns:p15="http://schemas.microsoft.com/office/powerpoint/2012/main"/>
+      <p15:sldGuideLst xmlns:p15="http://schemas.microsoft.com/office/powerpoint/2012/main" xmlns=""/>
     </p:ext>
   </p:extLst>
 </p:presentation>
@@ -138,7 +138,7 @@
           <p:cNvPr id="2" name="Title 1">
             <a:extLst>
               <a:ext uri="{FF2B5EF4-FFF2-40B4-BE49-F238E27FC236}">
-                <a16:creationId xmlns:a16="http://schemas.microsoft.com/office/drawing/2014/main" id="{CE1B3102-23FE-4A07-92CF-8DB8025B5C54}"/>
+                <a16:creationId xmlns:a16="http://schemas.microsoft.com/office/drawing/2014/main" xmlns="" id="{CE1B3102-23FE-4A07-92CF-8DB8025B5C54}"/>
               </a:ext>
             </a:extLst>
           </p:cNvPr>
@@ -176,7 +176,7 @@
           <p:cNvPr id="3" name="Subtitle 2">
             <a:extLst>
               <a:ext uri="{FF2B5EF4-FFF2-40B4-BE49-F238E27FC236}">
-                <a16:creationId xmlns:a16="http://schemas.microsoft.com/office/drawing/2014/main" id="{09A64644-374F-4763-B477-E75EED09E18A}"/>
+                <a16:creationId xmlns:a16="http://schemas.microsoft.com/office/drawing/2014/main" xmlns="" id="{09A64644-374F-4763-B477-E75EED09E18A}"/>
               </a:ext>
             </a:extLst>
           </p:cNvPr>
@@ -247,7 +247,7 @@
           <p:cNvPr id="4" name="Date Placeholder 3">
             <a:extLst>
               <a:ext uri="{FF2B5EF4-FFF2-40B4-BE49-F238E27FC236}">
-                <a16:creationId xmlns:a16="http://schemas.microsoft.com/office/drawing/2014/main" id="{26CAD04B-553E-4EE0-8FEC-DA9E05F22F2C}"/>
+                <a16:creationId xmlns:a16="http://schemas.microsoft.com/office/drawing/2014/main" xmlns="" id="{26CAD04B-553E-4EE0-8FEC-DA9E05F22F2C}"/>
               </a:ext>
             </a:extLst>
           </p:cNvPr>
@@ -265,7 +265,7 @@
           <a:p>
             <a:fld id="{542F47FF-5056-41FF-A1F8-23A414798AA4}" type="datetimeFigureOut">
               <a:rPr lang="en-SG" smtClean="0"/>
-              <a:t>6/7/2018</a:t>
+              <a:t>31/3/2019</a:t>
             </a:fld>
             <a:endParaRPr lang="en-SG"/>
           </a:p>
@@ -276,7 +276,7 @@
           <p:cNvPr id="5" name="Footer Placeholder 4">
             <a:extLst>
               <a:ext uri="{FF2B5EF4-FFF2-40B4-BE49-F238E27FC236}">
-                <a16:creationId xmlns:a16="http://schemas.microsoft.com/office/drawing/2014/main" id="{E6F42670-2AD7-448C-BB6C-D759C9255DEB}"/>
+                <a16:creationId xmlns:a16="http://schemas.microsoft.com/office/drawing/2014/main" xmlns="" id="{E6F42670-2AD7-448C-BB6C-D759C9255DEB}"/>
               </a:ext>
             </a:extLst>
           </p:cNvPr>
@@ -301,7 +301,7 @@
           <p:cNvPr id="6" name="Slide Number Placeholder 5">
             <a:extLst>
               <a:ext uri="{FF2B5EF4-FFF2-40B4-BE49-F238E27FC236}">
-                <a16:creationId xmlns:a16="http://schemas.microsoft.com/office/drawing/2014/main" id="{8CFAA546-9089-42A6-8CCB-5E88855E6CB1}"/>
+                <a16:creationId xmlns:a16="http://schemas.microsoft.com/office/drawing/2014/main" xmlns="" id="{8CFAA546-9089-42A6-8CCB-5E88855E6CB1}"/>
               </a:ext>
             </a:extLst>
           </p:cNvPr>
@@ -360,7 +360,7 @@
           <p:cNvPr id="2" name="Title 1">
             <a:extLst>
               <a:ext uri="{FF2B5EF4-FFF2-40B4-BE49-F238E27FC236}">
-                <a16:creationId xmlns:a16="http://schemas.microsoft.com/office/drawing/2014/main" id="{C73C8897-08BA-4903-B8F2-48E6E6713059}"/>
+                <a16:creationId xmlns:a16="http://schemas.microsoft.com/office/drawing/2014/main" xmlns="" id="{C73C8897-08BA-4903-B8F2-48E6E6713059}"/>
               </a:ext>
             </a:extLst>
           </p:cNvPr>
@@ -389,7 +389,7 @@
           <p:cNvPr id="3" name="Vertical Text Placeholder 2">
             <a:extLst>
               <a:ext uri="{FF2B5EF4-FFF2-40B4-BE49-F238E27FC236}">
-                <a16:creationId xmlns:a16="http://schemas.microsoft.com/office/drawing/2014/main" id="{F4DB86F3-F3A8-4AC4-A2D0-18858F9E9EAF}"/>
+                <a16:creationId xmlns:a16="http://schemas.microsoft.com/office/drawing/2014/main" xmlns="" id="{F4DB86F3-F3A8-4AC4-A2D0-18858F9E9EAF}"/>
               </a:ext>
             </a:extLst>
           </p:cNvPr>
@@ -447,7 +447,7 @@
           <p:cNvPr id="4" name="Date Placeholder 3">
             <a:extLst>
               <a:ext uri="{FF2B5EF4-FFF2-40B4-BE49-F238E27FC236}">
-                <a16:creationId xmlns:a16="http://schemas.microsoft.com/office/drawing/2014/main" id="{22C4FC92-3E88-48DC-9327-19CD6A48E96D}"/>
+                <a16:creationId xmlns:a16="http://schemas.microsoft.com/office/drawing/2014/main" xmlns="" id="{22C4FC92-3E88-48DC-9327-19CD6A48E96D}"/>
               </a:ext>
             </a:extLst>
           </p:cNvPr>
@@ -465,7 +465,7 @@
           <a:p>
             <a:fld id="{542F47FF-5056-41FF-A1F8-23A414798AA4}" type="datetimeFigureOut">
               <a:rPr lang="en-SG" smtClean="0"/>
-              <a:t>6/7/2018</a:t>
+              <a:t>31/3/2019</a:t>
             </a:fld>
             <a:endParaRPr lang="en-SG"/>
           </a:p>
@@ -476,7 +476,7 @@
           <p:cNvPr id="5" name="Footer Placeholder 4">
             <a:extLst>
               <a:ext uri="{FF2B5EF4-FFF2-40B4-BE49-F238E27FC236}">
-                <a16:creationId xmlns:a16="http://schemas.microsoft.com/office/drawing/2014/main" id="{AA190F3C-D185-4E17-A1B5-D7F4DF331BE0}"/>
+                <a16:creationId xmlns:a16="http://schemas.microsoft.com/office/drawing/2014/main" xmlns="" id="{AA190F3C-D185-4E17-A1B5-D7F4DF331BE0}"/>
               </a:ext>
             </a:extLst>
           </p:cNvPr>
@@ -501,7 +501,7 @@
           <p:cNvPr id="6" name="Slide Number Placeholder 5">
             <a:extLst>
               <a:ext uri="{FF2B5EF4-FFF2-40B4-BE49-F238E27FC236}">
-                <a16:creationId xmlns:a16="http://schemas.microsoft.com/office/drawing/2014/main" id="{0F2506F5-483C-4F84-8363-1D309E459ADD}"/>
+                <a16:creationId xmlns:a16="http://schemas.microsoft.com/office/drawing/2014/main" xmlns="" id="{0F2506F5-483C-4F84-8363-1D309E459ADD}"/>
               </a:ext>
             </a:extLst>
           </p:cNvPr>
@@ -560,7 +560,7 @@
           <p:cNvPr id="2" name="Vertical Title 1">
             <a:extLst>
               <a:ext uri="{FF2B5EF4-FFF2-40B4-BE49-F238E27FC236}">
-                <a16:creationId xmlns:a16="http://schemas.microsoft.com/office/drawing/2014/main" id="{967C03EB-4647-4E98-B84F-7651E807A990}"/>
+                <a16:creationId xmlns:a16="http://schemas.microsoft.com/office/drawing/2014/main" xmlns="" id="{967C03EB-4647-4E98-B84F-7651E807A990}"/>
               </a:ext>
             </a:extLst>
           </p:cNvPr>
@@ -594,7 +594,7 @@
           <p:cNvPr id="3" name="Vertical Text Placeholder 2">
             <a:extLst>
               <a:ext uri="{FF2B5EF4-FFF2-40B4-BE49-F238E27FC236}">
-                <a16:creationId xmlns:a16="http://schemas.microsoft.com/office/drawing/2014/main" id="{22B1D2A8-918A-4854-959C-EDA5D46D2D74}"/>
+                <a16:creationId xmlns:a16="http://schemas.microsoft.com/office/drawing/2014/main" xmlns="" id="{22B1D2A8-918A-4854-959C-EDA5D46D2D74}"/>
               </a:ext>
             </a:extLst>
           </p:cNvPr>
@@ -657,7 +657,7 @@
           <p:cNvPr id="4" name="Date Placeholder 3">
             <a:extLst>
               <a:ext uri="{FF2B5EF4-FFF2-40B4-BE49-F238E27FC236}">
-                <a16:creationId xmlns:a16="http://schemas.microsoft.com/office/drawing/2014/main" id="{3F77D3B6-616A-4D06-980E-5A7866F9BB49}"/>
+                <a16:creationId xmlns:a16="http://schemas.microsoft.com/office/drawing/2014/main" xmlns="" id="{3F77D3B6-616A-4D06-980E-5A7866F9BB49}"/>
               </a:ext>
             </a:extLst>
           </p:cNvPr>
@@ -675,7 +675,7 @@
           <a:p>
             <a:fld id="{542F47FF-5056-41FF-A1F8-23A414798AA4}" type="datetimeFigureOut">
               <a:rPr lang="en-SG" smtClean="0"/>
-              <a:t>6/7/2018</a:t>
+              <a:t>31/3/2019</a:t>
             </a:fld>
             <a:endParaRPr lang="en-SG"/>
           </a:p>
@@ -686,7 +686,7 @@
           <p:cNvPr id="5" name="Footer Placeholder 4">
             <a:extLst>
               <a:ext uri="{FF2B5EF4-FFF2-40B4-BE49-F238E27FC236}">
-                <a16:creationId xmlns:a16="http://schemas.microsoft.com/office/drawing/2014/main" id="{20525AA2-4FD6-4C5E-B28C-2C71AF011737}"/>
+                <a16:creationId xmlns:a16="http://schemas.microsoft.com/office/drawing/2014/main" xmlns="" id="{20525AA2-4FD6-4C5E-B28C-2C71AF011737}"/>
               </a:ext>
             </a:extLst>
           </p:cNvPr>
@@ -711,7 +711,7 @@
           <p:cNvPr id="6" name="Slide Number Placeholder 5">
             <a:extLst>
               <a:ext uri="{FF2B5EF4-FFF2-40B4-BE49-F238E27FC236}">
-                <a16:creationId xmlns:a16="http://schemas.microsoft.com/office/drawing/2014/main" id="{4E040DF9-BA3F-440A-8819-8D374D74F15E}"/>
+                <a16:creationId xmlns:a16="http://schemas.microsoft.com/office/drawing/2014/main" xmlns="" id="{4E040DF9-BA3F-440A-8819-8D374D74F15E}"/>
               </a:ext>
             </a:extLst>
           </p:cNvPr>
@@ -770,7 +770,7 @@
           <p:cNvPr id="2" name="Title 1">
             <a:extLst>
               <a:ext uri="{FF2B5EF4-FFF2-40B4-BE49-F238E27FC236}">
-                <a16:creationId xmlns:a16="http://schemas.microsoft.com/office/drawing/2014/main" id="{75C804EA-614F-485C-A53F-C32B83B67A30}"/>
+                <a16:creationId xmlns:a16="http://schemas.microsoft.com/office/drawing/2014/main" xmlns="" id="{75C804EA-614F-485C-A53F-C32B83B67A30}"/>
               </a:ext>
             </a:extLst>
           </p:cNvPr>
@@ -799,7 +799,7 @@
           <p:cNvPr id="3" name="Content Placeholder 2">
             <a:extLst>
               <a:ext uri="{FF2B5EF4-FFF2-40B4-BE49-F238E27FC236}">
-                <a16:creationId xmlns:a16="http://schemas.microsoft.com/office/drawing/2014/main" id="{912A86A6-5554-4D2F-97BB-2D649E738506}"/>
+                <a16:creationId xmlns:a16="http://schemas.microsoft.com/office/drawing/2014/main" xmlns="" id="{912A86A6-5554-4D2F-97BB-2D649E738506}"/>
               </a:ext>
             </a:extLst>
           </p:cNvPr>
@@ -857,7 +857,7 @@
           <p:cNvPr id="4" name="Date Placeholder 3">
             <a:extLst>
               <a:ext uri="{FF2B5EF4-FFF2-40B4-BE49-F238E27FC236}">
-                <a16:creationId xmlns:a16="http://schemas.microsoft.com/office/drawing/2014/main" id="{69704FB4-4D28-4A39-B81F-407E0DDD475C}"/>
+                <a16:creationId xmlns:a16="http://schemas.microsoft.com/office/drawing/2014/main" xmlns="" id="{69704FB4-4D28-4A39-B81F-407E0DDD475C}"/>
               </a:ext>
             </a:extLst>
           </p:cNvPr>
@@ -875,7 +875,7 @@
           <a:p>
             <a:fld id="{542F47FF-5056-41FF-A1F8-23A414798AA4}" type="datetimeFigureOut">
               <a:rPr lang="en-SG" smtClean="0"/>
-              <a:t>6/7/2018</a:t>
+              <a:t>31/3/2019</a:t>
             </a:fld>
             <a:endParaRPr lang="en-SG"/>
           </a:p>
@@ -886,7 +886,7 @@
           <p:cNvPr id="5" name="Footer Placeholder 4">
             <a:extLst>
               <a:ext uri="{FF2B5EF4-FFF2-40B4-BE49-F238E27FC236}">
-                <a16:creationId xmlns:a16="http://schemas.microsoft.com/office/drawing/2014/main" id="{AFDB90F4-6173-409D-8731-A4C292C33336}"/>
+                <a16:creationId xmlns:a16="http://schemas.microsoft.com/office/drawing/2014/main" xmlns="" id="{AFDB90F4-6173-409D-8731-A4C292C33336}"/>
               </a:ext>
             </a:extLst>
           </p:cNvPr>
@@ -911,7 +911,7 @@
           <p:cNvPr id="6" name="Slide Number Placeholder 5">
             <a:extLst>
               <a:ext uri="{FF2B5EF4-FFF2-40B4-BE49-F238E27FC236}">
-                <a16:creationId xmlns:a16="http://schemas.microsoft.com/office/drawing/2014/main" id="{0C00E245-E701-4B2E-925D-4322EFA20D66}"/>
+                <a16:creationId xmlns:a16="http://schemas.microsoft.com/office/drawing/2014/main" xmlns="" id="{0C00E245-E701-4B2E-925D-4322EFA20D66}"/>
               </a:ext>
             </a:extLst>
           </p:cNvPr>
@@ -970,7 +970,7 @@
           <p:cNvPr id="2" name="Title 1">
             <a:extLst>
               <a:ext uri="{FF2B5EF4-FFF2-40B4-BE49-F238E27FC236}">
-                <a16:creationId xmlns:a16="http://schemas.microsoft.com/office/drawing/2014/main" id="{2237510E-B988-4DCB-9C02-932F190AC101}"/>
+                <a16:creationId xmlns:a16="http://schemas.microsoft.com/office/drawing/2014/main" xmlns="" id="{2237510E-B988-4DCB-9C02-932F190AC101}"/>
               </a:ext>
             </a:extLst>
           </p:cNvPr>
@@ -1008,7 +1008,7 @@
           <p:cNvPr id="3" name="Text Placeholder 2">
             <a:extLst>
               <a:ext uri="{FF2B5EF4-FFF2-40B4-BE49-F238E27FC236}">
-                <a16:creationId xmlns:a16="http://schemas.microsoft.com/office/drawing/2014/main" id="{784A23DD-6E19-4939-A085-751F973752F5}"/>
+                <a16:creationId xmlns:a16="http://schemas.microsoft.com/office/drawing/2014/main" xmlns="" id="{784A23DD-6E19-4939-A085-751F973752F5}"/>
               </a:ext>
             </a:extLst>
           </p:cNvPr>
@@ -1133,7 +1133,7 @@
           <p:cNvPr id="4" name="Date Placeholder 3">
             <a:extLst>
               <a:ext uri="{FF2B5EF4-FFF2-40B4-BE49-F238E27FC236}">
-                <a16:creationId xmlns:a16="http://schemas.microsoft.com/office/drawing/2014/main" id="{CD5B15F4-A7B8-4D17-8C46-94AC6465D19A}"/>
+                <a16:creationId xmlns:a16="http://schemas.microsoft.com/office/drawing/2014/main" xmlns="" id="{CD5B15F4-A7B8-4D17-8C46-94AC6465D19A}"/>
               </a:ext>
             </a:extLst>
           </p:cNvPr>
@@ -1151,7 +1151,7 @@
           <a:p>
             <a:fld id="{542F47FF-5056-41FF-A1F8-23A414798AA4}" type="datetimeFigureOut">
               <a:rPr lang="en-SG" smtClean="0"/>
-              <a:t>6/7/2018</a:t>
+              <a:t>31/3/2019</a:t>
             </a:fld>
             <a:endParaRPr lang="en-SG"/>
           </a:p>
@@ -1162,7 +1162,7 @@
           <p:cNvPr id="5" name="Footer Placeholder 4">
             <a:extLst>
               <a:ext uri="{FF2B5EF4-FFF2-40B4-BE49-F238E27FC236}">
-                <a16:creationId xmlns:a16="http://schemas.microsoft.com/office/drawing/2014/main" id="{0CC0B098-2820-40C0-8166-283BB17CD72D}"/>
+                <a16:creationId xmlns:a16="http://schemas.microsoft.com/office/drawing/2014/main" xmlns="" id="{0CC0B098-2820-40C0-8166-283BB17CD72D}"/>
               </a:ext>
             </a:extLst>
           </p:cNvPr>
@@ -1187,7 +1187,7 @@
           <p:cNvPr id="6" name="Slide Number Placeholder 5">
             <a:extLst>
               <a:ext uri="{FF2B5EF4-FFF2-40B4-BE49-F238E27FC236}">
-                <a16:creationId xmlns:a16="http://schemas.microsoft.com/office/drawing/2014/main" id="{CA1D6085-5297-4CE0-858B-F5A8477F21A1}"/>
+                <a16:creationId xmlns:a16="http://schemas.microsoft.com/office/drawing/2014/main" xmlns="" id="{CA1D6085-5297-4CE0-858B-F5A8477F21A1}"/>
               </a:ext>
             </a:extLst>
           </p:cNvPr>
@@ -1246,7 +1246,7 @@
           <p:cNvPr id="2" name="Title 1">
             <a:extLst>
               <a:ext uri="{FF2B5EF4-FFF2-40B4-BE49-F238E27FC236}">
-                <a16:creationId xmlns:a16="http://schemas.microsoft.com/office/drawing/2014/main" id="{C8312645-9305-4015-B5DF-8CD06CE54CD2}"/>
+                <a16:creationId xmlns:a16="http://schemas.microsoft.com/office/drawing/2014/main" xmlns="" id="{C8312645-9305-4015-B5DF-8CD06CE54CD2}"/>
               </a:ext>
             </a:extLst>
           </p:cNvPr>
@@ -1275,7 +1275,7 @@
           <p:cNvPr id="3" name="Content Placeholder 2">
             <a:extLst>
               <a:ext uri="{FF2B5EF4-FFF2-40B4-BE49-F238E27FC236}">
-                <a16:creationId xmlns:a16="http://schemas.microsoft.com/office/drawing/2014/main" id="{5F718F3D-23A6-4BAE-A195-9290BED99436}"/>
+                <a16:creationId xmlns:a16="http://schemas.microsoft.com/office/drawing/2014/main" xmlns="" id="{5F718F3D-23A6-4BAE-A195-9290BED99436}"/>
               </a:ext>
             </a:extLst>
           </p:cNvPr>
@@ -1338,7 +1338,7 @@
           <p:cNvPr id="4" name="Content Placeholder 3">
             <a:extLst>
               <a:ext uri="{FF2B5EF4-FFF2-40B4-BE49-F238E27FC236}">
-                <a16:creationId xmlns:a16="http://schemas.microsoft.com/office/drawing/2014/main" id="{987DE0C4-EF3A-42E6-9D3E-22C7A0BC9A37}"/>
+                <a16:creationId xmlns:a16="http://schemas.microsoft.com/office/drawing/2014/main" xmlns="" id="{987DE0C4-EF3A-42E6-9D3E-22C7A0BC9A37}"/>
               </a:ext>
             </a:extLst>
           </p:cNvPr>
@@ -1401,7 +1401,7 @@
           <p:cNvPr id="5" name="Date Placeholder 4">
             <a:extLst>
               <a:ext uri="{FF2B5EF4-FFF2-40B4-BE49-F238E27FC236}">
-                <a16:creationId xmlns:a16="http://schemas.microsoft.com/office/drawing/2014/main" id="{E4BFA167-4D74-44D4-AA06-F7DBEA7BB015}"/>
+                <a16:creationId xmlns:a16="http://schemas.microsoft.com/office/drawing/2014/main" xmlns="" id="{E4BFA167-4D74-44D4-AA06-F7DBEA7BB015}"/>
               </a:ext>
             </a:extLst>
           </p:cNvPr>
@@ -1419,7 +1419,7 @@
           <a:p>
             <a:fld id="{542F47FF-5056-41FF-A1F8-23A414798AA4}" type="datetimeFigureOut">
               <a:rPr lang="en-SG" smtClean="0"/>
-              <a:t>6/7/2018</a:t>
+              <a:t>31/3/2019</a:t>
             </a:fld>
             <a:endParaRPr lang="en-SG"/>
           </a:p>
@@ -1430,7 +1430,7 @@
           <p:cNvPr id="6" name="Footer Placeholder 5">
             <a:extLst>
               <a:ext uri="{FF2B5EF4-FFF2-40B4-BE49-F238E27FC236}">
-                <a16:creationId xmlns:a16="http://schemas.microsoft.com/office/drawing/2014/main" id="{000F966C-5803-470B-AFA7-C187FB7AE76F}"/>
+                <a16:creationId xmlns:a16="http://schemas.microsoft.com/office/drawing/2014/main" xmlns="" id="{000F966C-5803-470B-AFA7-C187FB7AE76F}"/>
               </a:ext>
             </a:extLst>
           </p:cNvPr>
@@ -1455,7 +1455,7 @@
           <p:cNvPr id="7" name="Slide Number Placeholder 6">
             <a:extLst>
               <a:ext uri="{FF2B5EF4-FFF2-40B4-BE49-F238E27FC236}">
-                <a16:creationId xmlns:a16="http://schemas.microsoft.com/office/drawing/2014/main" id="{C5072683-17F0-489D-BA30-0EAE1A9786AE}"/>
+                <a16:creationId xmlns:a16="http://schemas.microsoft.com/office/drawing/2014/main" xmlns="" id="{C5072683-17F0-489D-BA30-0EAE1A9786AE}"/>
               </a:ext>
             </a:extLst>
           </p:cNvPr>
@@ -1514,7 +1514,7 @@
           <p:cNvPr id="2" name="Title 1">
             <a:extLst>
               <a:ext uri="{FF2B5EF4-FFF2-40B4-BE49-F238E27FC236}">
-                <a16:creationId xmlns:a16="http://schemas.microsoft.com/office/drawing/2014/main" id="{CEC7B897-F9D1-4F32-BB47-48174A5ED64C}"/>
+                <a16:creationId xmlns:a16="http://schemas.microsoft.com/office/drawing/2014/main" xmlns="" id="{CEC7B897-F9D1-4F32-BB47-48174A5ED64C}"/>
               </a:ext>
             </a:extLst>
           </p:cNvPr>
@@ -1548,7 +1548,7 @@
           <p:cNvPr id="3" name="Text Placeholder 2">
             <a:extLst>
               <a:ext uri="{FF2B5EF4-FFF2-40B4-BE49-F238E27FC236}">
-                <a16:creationId xmlns:a16="http://schemas.microsoft.com/office/drawing/2014/main" id="{F641612B-9729-43C6-B566-AD5088E65020}"/>
+                <a16:creationId xmlns:a16="http://schemas.microsoft.com/office/drawing/2014/main" xmlns="" id="{F641612B-9729-43C6-B566-AD5088E65020}"/>
               </a:ext>
             </a:extLst>
           </p:cNvPr>
@@ -1619,7 +1619,7 @@
           <p:cNvPr id="4" name="Content Placeholder 3">
             <a:extLst>
               <a:ext uri="{FF2B5EF4-FFF2-40B4-BE49-F238E27FC236}">
-                <a16:creationId xmlns:a16="http://schemas.microsoft.com/office/drawing/2014/main" id="{C9E1DDFB-755B-486A-8E6E-CC7CFE66970C}"/>
+                <a16:creationId xmlns:a16="http://schemas.microsoft.com/office/drawing/2014/main" xmlns="" id="{C9E1DDFB-755B-486A-8E6E-CC7CFE66970C}"/>
               </a:ext>
             </a:extLst>
           </p:cNvPr>
@@ -1682,7 +1682,7 @@
           <p:cNvPr id="5" name="Text Placeholder 4">
             <a:extLst>
               <a:ext uri="{FF2B5EF4-FFF2-40B4-BE49-F238E27FC236}">
-                <a16:creationId xmlns:a16="http://schemas.microsoft.com/office/drawing/2014/main" id="{9C513BAE-7453-4E00-A4D1-7192F85ACD26}"/>
+                <a16:creationId xmlns:a16="http://schemas.microsoft.com/office/drawing/2014/main" xmlns="" id="{9C513BAE-7453-4E00-A4D1-7192F85ACD26}"/>
               </a:ext>
             </a:extLst>
           </p:cNvPr>
@@ -1753,7 +1753,7 @@
           <p:cNvPr id="6" name="Content Placeholder 5">
             <a:extLst>
               <a:ext uri="{FF2B5EF4-FFF2-40B4-BE49-F238E27FC236}">
-                <a16:creationId xmlns:a16="http://schemas.microsoft.com/office/drawing/2014/main" id="{CD44104D-C0AE-4458-869E-DFF710C415CC}"/>
+                <a16:creationId xmlns:a16="http://schemas.microsoft.com/office/drawing/2014/main" xmlns="" id="{CD44104D-C0AE-4458-869E-DFF710C415CC}"/>
               </a:ext>
             </a:extLst>
           </p:cNvPr>
@@ -1816,7 +1816,7 @@
           <p:cNvPr id="7" name="Date Placeholder 6">
             <a:extLst>
               <a:ext uri="{FF2B5EF4-FFF2-40B4-BE49-F238E27FC236}">
-                <a16:creationId xmlns:a16="http://schemas.microsoft.com/office/drawing/2014/main" id="{4CB7CAF3-D690-40A3-88F7-9D0D17864C18}"/>
+                <a16:creationId xmlns:a16="http://schemas.microsoft.com/office/drawing/2014/main" xmlns="" id="{4CB7CAF3-D690-40A3-88F7-9D0D17864C18}"/>
               </a:ext>
             </a:extLst>
           </p:cNvPr>
@@ -1834,7 +1834,7 @@
           <a:p>
             <a:fld id="{542F47FF-5056-41FF-A1F8-23A414798AA4}" type="datetimeFigureOut">
               <a:rPr lang="en-SG" smtClean="0"/>
-              <a:t>6/7/2018</a:t>
+              <a:t>31/3/2019</a:t>
             </a:fld>
             <a:endParaRPr lang="en-SG"/>
           </a:p>
@@ -1845,7 +1845,7 @@
           <p:cNvPr id="8" name="Footer Placeholder 7">
             <a:extLst>
               <a:ext uri="{FF2B5EF4-FFF2-40B4-BE49-F238E27FC236}">
-                <a16:creationId xmlns:a16="http://schemas.microsoft.com/office/drawing/2014/main" id="{E3FCCAB0-63DD-4704-AA42-E4F81E641DA3}"/>
+                <a16:creationId xmlns:a16="http://schemas.microsoft.com/office/drawing/2014/main" xmlns="" id="{E3FCCAB0-63DD-4704-AA42-E4F81E641DA3}"/>
               </a:ext>
             </a:extLst>
           </p:cNvPr>
@@ -1870,7 +1870,7 @@
           <p:cNvPr id="9" name="Slide Number Placeholder 8">
             <a:extLst>
               <a:ext uri="{FF2B5EF4-FFF2-40B4-BE49-F238E27FC236}">
-                <a16:creationId xmlns:a16="http://schemas.microsoft.com/office/drawing/2014/main" id="{604EFCC3-8687-4BC3-9C9E-60FD561B237F}"/>
+                <a16:creationId xmlns:a16="http://schemas.microsoft.com/office/drawing/2014/main" xmlns="" id="{604EFCC3-8687-4BC3-9C9E-60FD561B237F}"/>
               </a:ext>
             </a:extLst>
           </p:cNvPr>
@@ -1929,7 +1929,7 @@
           <p:cNvPr id="2" name="Title 1">
             <a:extLst>
               <a:ext uri="{FF2B5EF4-FFF2-40B4-BE49-F238E27FC236}">
-                <a16:creationId xmlns:a16="http://schemas.microsoft.com/office/drawing/2014/main" id="{D324AE97-E2C9-4642-887A-4474C5566AA6}"/>
+                <a16:creationId xmlns:a16="http://schemas.microsoft.com/office/drawing/2014/main" xmlns="" id="{D324AE97-E2C9-4642-887A-4474C5566AA6}"/>
               </a:ext>
             </a:extLst>
           </p:cNvPr>
@@ -1958,7 +1958,7 @@
           <p:cNvPr id="3" name="Date Placeholder 2">
             <a:extLst>
               <a:ext uri="{FF2B5EF4-FFF2-40B4-BE49-F238E27FC236}">
-                <a16:creationId xmlns:a16="http://schemas.microsoft.com/office/drawing/2014/main" id="{919EDCEA-D8A9-431E-AF93-4824C03FD0F2}"/>
+                <a16:creationId xmlns:a16="http://schemas.microsoft.com/office/drawing/2014/main" xmlns="" id="{919EDCEA-D8A9-431E-AF93-4824C03FD0F2}"/>
               </a:ext>
             </a:extLst>
           </p:cNvPr>
@@ -1976,7 +1976,7 @@
           <a:p>
             <a:fld id="{542F47FF-5056-41FF-A1F8-23A414798AA4}" type="datetimeFigureOut">
               <a:rPr lang="en-SG" smtClean="0"/>
-              <a:t>6/7/2018</a:t>
+              <a:t>31/3/2019</a:t>
             </a:fld>
             <a:endParaRPr lang="en-SG"/>
           </a:p>
@@ -1987,7 +1987,7 @@
           <p:cNvPr id="4" name="Footer Placeholder 3">
             <a:extLst>
               <a:ext uri="{FF2B5EF4-FFF2-40B4-BE49-F238E27FC236}">
-                <a16:creationId xmlns:a16="http://schemas.microsoft.com/office/drawing/2014/main" id="{1F13DD51-16D3-435A-A475-0C2A7255A05E}"/>
+                <a16:creationId xmlns:a16="http://schemas.microsoft.com/office/drawing/2014/main" xmlns="" id="{1F13DD51-16D3-435A-A475-0C2A7255A05E}"/>
               </a:ext>
             </a:extLst>
           </p:cNvPr>
@@ -2012,7 +2012,7 @@
           <p:cNvPr id="5" name="Slide Number Placeholder 4">
             <a:extLst>
               <a:ext uri="{FF2B5EF4-FFF2-40B4-BE49-F238E27FC236}">
-                <a16:creationId xmlns:a16="http://schemas.microsoft.com/office/drawing/2014/main" id="{3D7AC15F-BADE-4466-835A-57B1A9E5162B}"/>
+                <a16:creationId xmlns:a16="http://schemas.microsoft.com/office/drawing/2014/main" xmlns="" id="{3D7AC15F-BADE-4466-835A-57B1A9E5162B}"/>
               </a:ext>
             </a:extLst>
           </p:cNvPr>
@@ -2071,7 +2071,7 @@
           <p:cNvPr id="2" name="Date Placeholder 1">
             <a:extLst>
               <a:ext uri="{FF2B5EF4-FFF2-40B4-BE49-F238E27FC236}">
-                <a16:creationId xmlns:a16="http://schemas.microsoft.com/office/drawing/2014/main" id="{48F01CC8-EEC4-4B3C-8C73-3EBB7DCEBE67}"/>
+                <a16:creationId xmlns:a16="http://schemas.microsoft.com/office/drawing/2014/main" xmlns="" id="{48F01CC8-EEC4-4B3C-8C73-3EBB7DCEBE67}"/>
               </a:ext>
             </a:extLst>
           </p:cNvPr>
@@ -2089,7 +2089,7 @@
           <a:p>
             <a:fld id="{542F47FF-5056-41FF-A1F8-23A414798AA4}" type="datetimeFigureOut">
               <a:rPr lang="en-SG" smtClean="0"/>
-              <a:t>6/7/2018</a:t>
+              <a:t>31/3/2019</a:t>
             </a:fld>
             <a:endParaRPr lang="en-SG"/>
           </a:p>
@@ -2100,7 +2100,7 @@
           <p:cNvPr id="3" name="Footer Placeholder 2">
             <a:extLst>
               <a:ext uri="{FF2B5EF4-FFF2-40B4-BE49-F238E27FC236}">
-                <a16:creationId xmlns:a16="http://schemas.microsoft.com/office/drawing/2014/main" id="{4D820BAF-6E28-43DA-9E9B-8C229AB2A964}"/>
+                <a16:creationId xmlns:a16="http://schemas.microsoft.com/office/drawing/2014/main" xmlns="" id="{4D820BAF-6E28-43DA-9E9B-8C229AB2A964}"/>
               </a:ext>
             </a:extLst>
           </p:cNvPr>
@@ -2125,7 +2125,7 @@
           <p:cNvPr id="4" name="Slide Number Placeholder 3">
             <a:extLst>
               <a:ext uri="{FF2B5EF4-FFF2-40B4-BE49-F238E27FC236}">
-                <a16:creationId xmlns:a16="http://schemas.microsoft.com/office/drawing/2014/main" id="{49BFE3EF-B472-4F66-80D5-1B722E8086E6}"/>
+                <a16:creationId xmlns:a16="http://schemas.microsoft.com/office/drawing/2014/main" xmlns="" id="{49BFE3EF-B472-4F66-80D5-1B722E8086E6}"/>
               </a:ext>
             </a:extLst>
           </p:cNvPr>
@@ -2184,7 +2184,7 @@
           <p:cNvPr id="2" name="Title 1">
             <a:extLst>
               <a:ext uri="{FF2B5EF4-FFF2-40B4-BE49-F238E27FC236}">
-                <a16:creationId xmlns:a16="http://schemas.microsoft.com/office/drawing/2014/main" id="{E1ABDE73-0F58-47D3-8C8B-C147DE1C0B22}"/>
+                <a16:creationId xmlns:a16="http://schemas.microsoft.com/office/drawing/2014/main" xmlns="" id="{E1ABDE73-0F58-47D3-8C8B-C147DE1C0B22}"/>
               </a:ext>
             </a:extLst>
           </p:cNvPr>
@@ -2222,7 +2222,7 @@
           <p:cNvPr id="3" name="Content Placeholder 2">
             <a:extLst>
               <a:ext uri="{FF2B5EF4-FFF2-40B4-BE49-F238E27FC236}">
-                <a16:creationId xmlns:a16="http://schemas.microsoft.com/office/drawing/2014/main" id="{0167F6A8-B979-42A6-B421-40577DD5582F}"/>
+                <a16:creationId xmlns:a16="http://schemas.microsoft.com/office/drawing/2014/main" xmlns="" id="{0167F6A8-B979-42A6-B421-40577DD5582F}"/>
               </a:ext>
             </a:extLst>
           </p:cNvPr>
@@ -2313,7 +2313,7 @@
           <p:cNvPr id="4" name="Text Placeholder 3">
             <a:extLst>
               <a:ext uri="{FF2B5EF4-FFF2-40B4-BE49-F238E27FC236}">
-                <a16:creationId xmlns:a16="http://schemas.microsoft.com/office/drawing/2014/main" id="{6887A488-06FE-46E9-8AC5-DF38A61CCF05}"/>
+                <a16:creationId xmlns:a16="http://schemas.microsoft.com/office/drawing/2014/main" xmlns="" id="{6887A488-06FE-46E9-8AC5-DF38A61CCF05}"/>
               </a:ext>
             </a:extLst>
           </p:cNvPr>
@@ -2384,7 +2384,7 @@
           <p:cNvPr id="5" name="Date Placeholder 4">
             <a:extLst>
               <a:ext uri="{FF2B5EF4-FFF2-40B4-BE49-F238E27FC236}">
-                <a16:creationId xmlns:a16="http://schemas.microsoft.com/office/drawing/2014/main" id="{1225C56B-78B2-45C0-A8A9-C9D435A286D0}"/>
+                <a16:creationId xmlns:a16="http://schemas.microsoft.com/office/drawing/2014/main" xmlns="" id="{1225C56B-78B2-45C0-A8A9-C9D435A286D0}"/>
               </a:ext>
             </a:extLst>
           </p:cNvPr>
@@ -2402,7 +2402,7 @@
           <a:p>
             <a:fld id="{542F47FF-5056-41FF-A1F8-23A414798AA4}" type="datetimeFigureOut">
               <a:rPr lang="en-SG" smtClean="0"/>
-              <a:t>6/7/2018</a:t>
+              <a:t>31/3/2019</a:t>
             </a:fld>
             <a:endParaRPr lang="en-SG"/>
           </a:p>
@@ -2413,7 +2413,7 @@
           <p:cNvPr id="6" name="Footer Placeholder 5">
             <a:extLst>
               <a:ext uri="{FF2B5EF4-FFF2-40B4-BE49-F238E27FC236}">
-                <a16:creationId xmlns:a16="http://schemas.microsoft.com/office/drawing/2014/main" id="{3F9E1B9E-B673-4E26-9323-D731DC395F9C}"/>
+                <a16:creationId xmlns:a16="http://schemas.microsoft.com/office/drawing/2014/main" xmlns="" id="{3F9E1B9E-B673-4E26-9323-D731DC395F9C}"/>
               </a:ext>
             </a:extLst>
           </p:cNvPr>
@@ -2438,7 +2438,7 @@
           <p:cNvPr id="7" name="Slide Number Placeholder 6">
             <a:extLst>
               <a:ext uri="{FF2B5EF4-FFF2-40B4-BE49-F238E27FC236}">
-                <a16:creationId xmlns:a16="http://schemas.microsoft.com/office/drawing/2014/main" id="{6633AB4A-8EB3-4154-869B-5580DEDF4F79}"/>
+                <a16:creationId xmlns:a16="http://schemas.microsoft.com/office/drawing/2014/main" xmlns="" id="{6633AB4A-8EB3-4154-869B-5580DEDF4F79}"/>
               </a:ext>
             </a:extLst>
           </p:cNvPr>
@@ -2497,7 +2497,7 @@
           <p:cNvPr id="2" name="Title 1">
             <a:extLst>
               <a:ext uri="{FF2B5EF4-FFF2-40B4-BE49-F238E27FC236}">
-                <a16:creationId xmlns:a16="http://schemas.microsoft.com/office/drawing/2014/main" id="{61D5430E-44A7-4B67-9F34-F532D5533356}"/>
+                <a16:creationId xmlns:a16="http://schemas.microsoft.com/office/drawing/2014/main" xmlns="" id="{61D5430E-44A7-4B67-9F34-F532D5533356}"/>
               </a:ext>
             </a:extLst>
           </p:cNvPr>
@@ -2535,7 +2535,7 @@
           <p:cNvPr id="3" name="Picture Placeholder 2">
             <a:extLst>
               <a:ext uri="{FF2B5EF4-FFF2-40B4-BE49-F238E27FC236}">
-                <a16:creationId xmlns:a16="http://schemas.microsoft.com/office/drawing/2014/main" id="{94374BCC-AC4A-4ED0-A7BD-6B2491EAED7E}"/>
+                <a16:creationId xmlns:a16="http://schemas.microsoft.com/office/drawing/2014/main" xmlns="" id="{94374BCC-AC4A-4ED0-A7BD-6B2491EAED7E}"/>
               </a:ext>
             </a:extLst>
           </p:cNvPr>
@@ -2602,7 +2602,7 @@
           <p:cNvPr id="4" name="Text Placeholder 3">
             <a:extLst>
               <a:ext uri="{FF2B5EF4-FFF2-40B4-BE49-F238E27FC236}">
-                <a16:creationId xmlns:a16="http://schemas.microsoft.com/office/drawing/2014/main" id="{5AD4568E-164B-462E-9285-49B735DD9DE7}"/>
+                <a16:creationId xmlns:a16="http://schemas.microsoft.com/office/drawing/2014/main" xmlns="" id="{5AD4568E-164B-462E-9285-49B735DD9DE7}"/>
               </a:ext>
             </a:extLst>
           </p:cNvPr>
@@ -2673,7 +2673,7 @@
           <p:cNvPr id="5" name="Date Placeholder 4">
             <a:extLst>
               <a:ext uri="{FF2B5EF4-FFF2-40B4-BE49-F238E27FC236}">
-                <a16:creationId xmlns:a16="http://schemas.microsoft.com/office/drawing/2014/main" id="{ABD88AB5-C9D0-4013-85B4-2228545F24AD}"/>
+                <a16:creationId xmlns:a16="http://schemas.microsoft.com/office/drawing/2014/main" xmlns="" id="{ABD88AB5-C9D0-4013-85B4-2228545F24AD}"/>
               </a:ext>
             </a:extLst>
           </p:cNvPr>
@@ -2691,7 +2691,7 @@
           <a:p>
             <a:fld id="{542F47FF-5056-41FF-A1F8-23A414798AA4}" type="datetimeFigureOut">
               <a:rPr lang="en-SG" smtClean="0"/>
-              <a:t>6/7/2018</a:t>
+              <a:t>31/3/2019</a:t>
             </a:fld>
             <a:endParaRPr lang="en-SG"/>
           </a:p>
@@ -2702,7 +2702,7 @@
           <p:cNvPr id="6" name="Footer Placeholder 5">
             <a:extLst>
               <a:ext uri="{FF2B5EF4-FFF2-40B4-BE49-F238E27FC236}">
-                <a16:creationId xmlns:a16="http://schemas.microsoft.com/office/drawing/2014/main" id="{6378A798-E2A6-4417-A003-DE553E8EC325}"/>
+                <a16:creationId xmlns:a16="http://schemas.microsoft.com/office/drawing/2014/main" xmlns="" id="{6378A798-E2A6-4417-A003-DE553E8EC325}"/>
               </a:ext>
             </a:extLst>
           </p:cNvPr>
@@ -2727,7 +2727,7 @@
           <p:cNvPr id="7" name="Slide Number Placeholder 6">
             <a:extLst>
               <a:ext uri="{FF2B5EF4-FFF2-40B4-BE49-F238E27FC236}">
-                <a16:creationId xmlns:a16="http://schemas.microsoft.com/office/drawing/2014/main" id="{7BC6852D-C345-455C-9499-B57AE4D2D943}"/>
+                <a16:creationId xmlns:a16="http://schemas.microsoft.com/office/drawing/2014/main" xmlns="" id="{7BC6852D-C345-455C-9499-B57AE4D2D943}"/>
               </a:ext>
             </a:extLst>
           </p:cNvPr>
@@ -2791,7 +2791,7 @@
           <p:cNvPr id="2" name="Title Placeholder 1">
             <a:extLst>
               <a:ext uri="{FF2B5EF4-FFF2-40B4-BE49-F238E27FC236}">
-                <a16:creationId xmlns:a16="http://schemas.microsoft.com/office/drawing/2014/main" id="{CF097353-E272-4974-B34C-369C28928CA1}"/>
+                <a16:creationId xmlns:a16="http://schemas.microsoft.com/office/drawing/2014/main" xmlns="" id="{CF097353-E272-4974-B34C-369C28928CA1}"/>
               </a:ext>
             </a:extLst>
           </p:cNvPr>
@@ -2830,7 +2830,7 @@
           <p:cNvPr id="3" name="Text Placeholder 2">
             <a:extLst>
               <a:ext uri="{FF2B5EF4-FFF2-40B4-BE49-F238E27FC236}">
-                <a16:creationId xmlns:a16="http://schemas.microsoft.com/office/drawing/2014/main" id="{BB1BE290-84C1-4415-A557-1ACC36D1226C}"/>
+                <a16:creationId xmlns:a16="http://schemas.microsoft.com/office/drawing/2014/main" xmlns="" id="{BB1BE290-84C1-4415-A557-1ACC36D1226C}"/>
               </a:ext>
             </a:extLst>
           </p:cNvPr>
@@ -2898,7 +2898,7 @@
           <p:cNvPr id="4" name="Date Placeholder 3">
             <a:extLst>
               <a:ext uri="{FF2B5EF4-FFF2-40B4-BE49-F238E27FC236}">
-                <a16:creationId xmlns:a16="http://schemas.microsoft.com/office/drawing/2014/main" id="{F7EAAB47-96EA-44D5-8293-0D696F52A395}"/>
+                <a16:creationId xmlns:a16="http://schemas.microsoft.com/office/drawing/2014/main" xmlns="" id="{F7EAAB47-96EA-44D5-8293-0D696F52A395}"/>
               </a:ext>
             </a:extLst>
           </p:cNvPr>
@@ -2934,7 +2934,7 @@
           <a:p>
             <a:fld id="{542F47FF-5056-41FF-A1F8-23A414798AA4}" type="datetimeFigureOut">
               <a:rPr lang="en-SG" smtClean="0"/>
-              <a:t>6/7/2018</a:t>
+              <a:t>31/3/2019</a:t>
             </a:fld>
             <a:endParaRPr lang="en-SG"/>
           </a:p>
@@ -2945,7 +2945,7 @@
           <p:cNvPr id="5" name="Footer Placeholder 4">
             <a:extLst>
               <a:ext uri="{FF2B5EF4-FFF2-40B4-BE49-F238E27FC236}">
-                <a16:creationId xmlns:a16="http://schemas.microsoft.com/office/drawing/2014/main" id="{F21C6E84-C98D-4391-98A0-E77A4221131C}"/>
+                <a16:creationId xmlns:a16="http://schemas.microsoft.com/office/drawing/2014/main" xmlns="" id="{F21C6E84-C98D-4391-98A0-E77A4221131C}"/>
               </a:ext>
             </a:extLst>
           </p:cNvPr>
@@ -2988,7 +2988,7 @@
           <p:cNvPr id="6" name="Slide Number Placeholder 5">
             <a:extLst>
               <a:ext uri="{FF2B5EF4-FFF2-40B4-BE49-F238E27FC236}">
-                <a16:creationId xmlns:a16="http://schemas.microsoft.com/office/drawing/2014/main" id="{FB352E9C-7394-48E0-A08D-56390F6520E1}"/>
+                <a16:creationId xmlns:a16="http://schemas.microsoft.com/office/drawing/2014/main" xmlns="" id="{FB352E9C-7394-48E0-A08D-56390F6520E1}"/>
               </a:ext>
             </a:extLst>
           </p:cNvPr>
@@ -3356,7 +3356,7 @@
           <p:cNvPr id="4" name="Oval 3">
             <a:extLst>
               <a:ext uri="{FF2B5EF4-FFF2-40B4-BE49-F238E27FC236}">
-                <a16:creationId xmlns:a16="http://schemas.microsoft.com/office/drawing/2014/main" id="{D45F487B-A914-4C8E-B564-00C9D621567D}"/>
+                <a16:creationId xmlns:a16="http://schemas.microsoft.com/office/drawing/2014/main" xmlns="" id="{D45F487B-A914-4C8E-B564-00C9D621567D}"/>
               </a:ext>
             </a:extLst>
           </p:cNvPr>
@@ -3405,7 +3405,7 @@
           <p:cNvPr id="6" name="Straight Arrow Connector 5">
             <a:extLst>
               <a:ext uri="{FF2B5EF4-FFF2-40B4-BE49-F238E27FC236}">
-                <a16:creationId xmlns:a16="http://schemas.microsoft.com/office/drawing/2014/main" id="{73D6638D-34B0-4D9A-B7DC-62ABF1C7D407}"/>
+                <a16:creationId xmlns:a16="http://schemas.microsoft.com/office/drawing/2014/main" xmlns="" id="{73D6638D-34B0-4D9A-B7DC-62ABF1C7D407}"/>
               </a:ext>
             </a:extLst>
           </p:cNvPr>
@@ -3448,7 +3448,7 @@
           <p:cNvPr id="8" name="Rectangle: Rounded Corners 7">
             <a:extLst>
               <a:ext uri="{FF2B5EF4-FFF2-40B4-BE49-F238E27FC236}">
-                <a16:creationId xmlns:a16="http://schemas.microsoft.com/office/drawing/2014/main" id="{C13E6F3C-30CD-49FB-94D8-AF011F54E935}"/>
+                <a16:creationId xmlns:a16="http://schemas.microsoft.com/office/drawing/2014/main" xmlns="" id="{C13E6F3C-30CD-49FB-94D8-AF011F54E935}"/>
               </a:ext>
             </a:extLst>
           </p:cNvPr>
@@ -3500,7 +3500,7 @@
           <p:cNvPr id="9" name="Straight Arrow Connector 8">
             <a:extLst>
               <a:ext uri="{FF2B5EF4-FFF2-40B4-BE49-F238E27FC236}">
-                <a16:creationId xmlns:a16="http://schemas.microsoft.com/office/drawing/2014/main" id="{6A0B3198-7B18-417D-A041-B13DF5BAE7A6}"/>
+                <a16:creationId xmlns:a16="http://schemas.microsoft.com/office/drawing/2014/main" xmlns="" id="{6A0B3198-7B18-417D-A041-B13DF5BAE7A6}"/>
               </a:ext>
             </a:extLst>
           </p:cNvPr>
@@ -3543,7 +3543,7 @@
           <p:cNvPr id="46" name="Diamond 45">
             <a:extLst>
               <a:ext uri="{FF2B5EF4-FFF2-40B4-BE49-F238E27FC236}">
-                <a16:creationId xmlns:a16="http://schemas.microsoft.com/office/drawing/2014/main" id="{FDB4A38F-F816-4320-82EB-071E9BA2EFAB}"/>
+                <a16:creationId xmlns:a16="http://schemas.microsoft.com/office/drawing/2014/main" xmlns="" id="{FDB4A38F-F816-4320-82EB-071E9BA2EFAB}"/>
               </a:ext>
             </a:extLst>
           </p:cNvPr>
@@ -3592,7 +3592,7 @@
           <p:cNvPr id="47" name="TextBox 46">
             <a:extLst>
               <a:ext uri="{FF2B5EF4-FFF2-40B4-BE49-F238E27FC236}">
-                <a16:creationId xmlns:a16="http://schemas.microsoft.com/office/drawing/2014/main" id="{791A7435-1CBD-4D64-B373-CDF617409EFD}"/>
+                <a16:creationId xmlns:a16="http://schemas.microsoft.com/office/drawing/2014/main" xmlns="" id="{791A7435-1CBD-4D64-B373-CDF617409EFD}"/>
               </a:ext>
             </a:extLst>
           </p:cNvPr>
@@ -3627,7 +3627,7 @@
           <p:cNvPr id="48" name="TextBox 47">
             <a:extLst>
               <a:ext uri="{FF2B5EF4-FFF2-40B4-BE49-F238E27FC236}">
-                <a16:creationId xmlns:a16="http://schemas.microsoft.com/office/drawing/2014/main" id="{300470AD-DA4C-4F16-91F5-E3E560CDBEFC}"/>
+                <a16:creationId xmlns:a16="http://schemas.microsoft.com/office/drawing/2014/main" xmlns="" id="{300470AD-DA4C-4F16-91F5-E3E560CDBEFC}"/>
               </a:ext>
             </a:extLst>
           </p:cNvPr>
@@ -3656,7 +3656,15 @@
             </a:r>
             <a:r>
               <a:rPr lang="en-US" dirty="0"/>
-              <a:t>command commits address book]</a:t>
+              <a:t>command commits </a:t>
+            </a:r>
+            <a:r>
+              <a:rPr lang="en-US" dirty="0" err="1" smtClean="0"/>
+              <a:t>TopDeck</a:t>
+            </a:r>
+            <a:r>
+              <a:rPr lang="en-US" dirty="0" smtClean="0"/>
+              <a:t> ]</a:t>
             </a:r>
             <a:endParaRPr lang="en-SG" sz="1801" dirty="0"/>
           </a:p>
@@ -3667,7 +3675,7 @@
           <p:cNvPr id="51" name="Rectangle: Rounded Corners 50">
             <a:extLst>
               <a:ext uri="{FF2B5EF4-FFF2-40B4-BE49-F238E27FC236}">
-                <a16:creationId xmlns:a16="http://schemas.microsoft.com/office/drawing/2014/main" id="{D62D81FC-C644-4602-90C8-B7974D14CA54}"/>
+                <a16:creationId xmlns:a16="http://schemas.microsoft.com/office/drawing/2014/main" xmlns="" id="{D62D81FC-C644-4602-90C8-B7974D14CA54}"/>
               </a:ext>
             </a:extLst>
           </p:cNvPr>
@@ -3709,16 +3717,25 @@
             <a:pPr algn="ctr"/>
             <a:r>
               <a:rPr lang="en-SG" sz="1801" dirty="0"/>
-              <a:t>Purge redundant states and then save address book to </a:t>
-            </a:r>
-            <a:r>
-              <a:rPr lang="en-SG" sz="1801" dirty="0" err="1"/>
-              <a:t>addressBookStateList</a:t>
-            </a:r>
-            <a:r>
-              <a:rPr lang="en-SG" sz="1801" dirty="0"/>
+              <a:t>Purge redundant states and then save </a:t>
+            </a:r>
+            <a:r>
+              <a:rPr lang="en-SG" sz="1801" dirty="0" err="1" smtClean="0"/>
+              <a:t>TopDeck</a:t>
+            </a:r>
+            <a:r>
+              <a:rPr lang="en-SG" sz="1801" dirty="0" smtClean="0"/>
+              <a:t> to </a:t>
+            </a:r>
+            <a:r>
+              <a:rPr lang="en-SG" sz="1801" smtClean="0"/>
+              <a:t>TopDeckStateList</a:t>
+            </a:r>
+            <a:r>
+              <a:rPr lang="en-SG" sz="1801" dirty="0" smtClean="0"/>
               <a:t> </a:t>
             </a:r>
+            <a:endParaRPr lang="en-SG" sz="1801" dirty="0"/>
           </a:p>
         </p:txBody>
       </p:sp>
@@ -3727,7 +3744,7 @@
           <p:cNvPr id="56" name="Diamond 55">
             <a:extLst>
               <a:ext uri="{FF2B5EF4-FFF2-40B4-BE49-F238E27FC236}">
-                <a16:creationId xmlns:a16="http://schemas.microsoft.com/office/drawing/2014/main" id="{0ACD7DC4-F31E-42B2-9D34-41B1AE997EB1}"/>
+                <a16:creationId xmlns:a16="http://schemas.microsoft.com/office/drawing/2014/main" xmlns="" id="{0ACD7DC4-F31E-42B2-9D34-41B1AE997EB1}"/>
               </a:ext>
             </a:extLst>
           </p:cNvPr>
@@ -3776,7 +3793,7 @@
           <p:cNvPr id="69" name="Straight Arrow Connector 68">
             <a:extLst>
               <a:ext uri="{FF2B5EF4-FFF2-40B4-BE49-F238E27FC236}">
-                <a16:creationId xmlns:a16="http://schemas.microsoft.com/office/drawing/2014/main" id="{7BE2639B-14BA-4C9C-9964-899CEF3278C9}"/>
+                <a16:creationId xmlns:a16="http://schemas.microsoft.com/office/drawing/2014/main" xmlns="" id="{7BE2639B-14BA-4C9C-9964-899CEF3278C9}"/>
               </a:ext>
             </a:extLst>
           </p:cNvPr>
@@ -3819,7 +3836,7 @@
           <p:cNvPr id="75" name="Group 74">
             <a:extLst>
               <a:ext uri="{FF2B5EF4-FFF2-40B4-BE49-F238E27FC236}">
-                <a16:creationId xmlns:a16="http://schemas.microsoft.com/office/drawing/2014/main" id="{A48F4168-7D41-4ED6-97F1-58289DDE3C4D}"/>
+                <a16:creationId xmlns:a16="http://schemas.microsoft.com/office/drawing/2014/main" xmlns="" id="{A48F4168-7D41-4ED6-97F1-58289DDE3C4D}"/>
               </a:ext>
             </a:extLst>
           </p:cNvPr>
@@ -3839,7 +3856,7 @@
             <p:cNvPr id="68" name="Oval 67">
               <a:extLst>
                 <a:ext uri="{FF2B5EF4-FFF2-40B4-BE49-F238E27FC236}">
-                  <a16:creationId xmlns:a16="http://schemas.microsoft.com/office/drawing/2014/main" id="{E423C8D7-553D-4A16-BA68-78DB113CAEC3}"/>
+                  <a16:creationId xmlns:a16="http://schemas.microsoft.com/office/drawing/2014/main" xmlns="" id="{E423C8D7-553D-4A16-BA68-78DB113CAEC3}"/>
                 </a:ext>
               </a:extLst>
             </p:cNvPr>
@@ -3891,7 +3908,7 @@
             <p:cNvPr id="71" name="Oval 70">
               <a:extLst>
                 <a:ext uri="{FF2B5EF4-FFF2-40B4-BE49-F238E27FC236}">
-                  <a16:creationId xmlns:a16="http://schemas.microsoft.com/office/drawing/2014/main" id="{1F41AA13-1BFC-498E-BBC4-DC32053E38E1}"/>
+                  <a16:creationId xmlns:a16="http://schemas.microsoft.com/office/drawing/2014/main" xmlns="" id="{1F41AA13-1BFC-498E-BBC4-DC32053E38E1}"/>
                 </a:ext>
               </a:extLst>
             </p:cNvPr>
@@ -4347,7 +4364,7 @@
   <a:extraClrSchemeLst/>
   <a:extLst>
     <a:ext uri="{05A4C25C-085E-4340-85A3-A5531E510DB2}">
-      <thm15:themeFamily xmlns:thm15="http://schemas.microsoft.com/office/thememl/2012/main" name="Office Theme" id="{62F939B6-93AF-4DB8-9C6B-D6C7DFDC589F}" vid="{4A3C46E8-61CC-4603-A589-7422A47A8E4A}"/>
+      <thm15:themeFamily xmlns:thm15="http://schemas.microsoft.com/office/thememl/2012/main" xmlns="" name="Office Theme" id="{62F939B6-93AF-4DB8-9C6B-D6C7DFDC589F}" vid="{4A3C46E8-61CC-4603-A589-7422A47A8E4A}"/>
     </a:ext>
   </a:extLst>
 </a:theme>

--- a/docs/diagrams/UndoRedoActivityDiagram.pptx
+++ b/docs/diagrams/UndoRedoActivityDiagram.pptx
@@ -112,10 +112,6 @@
 </p:presentation>
 </file>
 
-<file path=ppt/revisionInfo.xml><?xml version="1.0" encoding="utf-8"?>
-<p1510:revInfo xmlns:a="http://schemas.openxmlformats.org/drawingml/2006/main" xmlns:r="http://schemas.openxmlformats.org/officeDocument/2006/relationships" xmlns:p1510="http://schemas.microsoft.com/office/powerpoint/2015/10/main"/>
-</file>
-
 <file path=ppt/slideLayouts/slideLayout1.xml><?xml version="1.0" encoding="utf-8"?>
 <p:sldLayout xmlns:a="http://schemas.openxmlformats.org/drawingml/2006/main" xmlns:r="http://schemas.openxmlformats.org/officeDocument/2006/relationships" xmlns:p="http://schemas.openxmlformats.org/presentationml/2006/main" type="title" preserve="1">
   <p:cSld name="Title Slide">
@@ -265,7 +261,7 @@
           <a:p>
             <a:fld id="{542F47FF-5056-41FF-A1F8-23A414798AA4}" type="datetimeFigureOut">
               <a:rPr lang="en-SG" smtClean="0"/>
-              <a:t>6/7/2018</a:t>
+              <a:t>1/4/2019</a:t>
             </a:fld>
             <a:endParaRPr lang="en-SG"/>
           </a:p>
@@ -465,7 +461,7 @@
           <a:p>
             <a:fld id="{542F47FF-5056-41FF-A1F8-23A414798AA4}" type="datetimeFigureOut">
               <a:rPr lang="en-SG" smtClean="0"/>
-              <a:t>6/7/2018</a:t>
+              <a:t>1/4/2019</a:t>
             </a:fld>
             <a:endParaRPr lang="en-SG"/>
           </a:p>
@@ -675,7 +671,7 @@
           <a:p>
             <a:fld id="{542F47FF-5056-41FF-A1F8-23A414798AA4}" type="datetimeFigureOut">
               <a:rPr lang="en-SG" smtClean="0"/>
-              <a:t>6/7/2018</a:t>
+              <a:t>1/4/2019</a:t>
             </a:fld>
             <a:endParaRPr lang="en-SG"/>
           </a:p>
@@ -875,7 +871,7 @@
           <a:p>
             <a:fld id="{542F47FF-5056-41FF-A1F8-23A414798AA4}" type="datetimeFigureOut">
               <a:rPr lang="en-SG" smtClean="0"/>
-              <a:t>6/7/2018</a:t>
+              <a:t>1/4/2019</a:t>
             </a:fld>
             <a:endParaRPr lang="en-SG"/>
           </a:p>
@@ -1151,7 +1147,7 @@
           <a:p>
             <a:fld id="{542F47FF-5056-41FF-A1F8-23A414798AA4}" type="datetimeFigureOut">
               <a:rPr lang="en-SG" smtClean="0"/>
-              <a:t>6/7/2018</a:t>
+              <a:t>1/4/2019</a:t>
             </a:fld>
             <a:endParaRPr lang="en-SG"/>
           </a:p>
@@ -1419,7 +1415,7 @@
           <a:p>
             <a:fld id="{542F47FF-5056-41FF-A1F8-23A414798AA4}" type="datetimeFigureOut">
               <a:rPr lang="en-SG" smtClean="0"/>
-              <a:t>6/7/2018</a:t>
+              <a:t>1/4/2019</a:t>
             </a:fld>
             <a:endParaRPr lang="en-SG"/>
           </a:p>
@@ -1834,7 +1830,7 @@
           <a:p>
             <a:fld id="{542F47FF-5056-41FF-A1F8-23A414798AA4}" type="datetimeFigureOut">
               <a:rPr lang="en-SG" smtClean="0"/>
-              <a:t>6/7/2018</a:t>
+              <a:t>1/4/2019</a:t>
             </a:fld>
             <a:endParaRPr lang="en-SG"/>
           </a:p>
@@ -1976,7 +1972,7 @@
           <a:p>
             <a:fld id="{542F47FF-5056-41FF-A1F8-23A414798AA4}" type="datetimeFigureOut">
               <a:rPr lang="en-SG" smtClean="0"/>
-              <a:t>6/7/2018</a:t>
+              <a:t>1/4/2019</a:t>
             </a:fld>
             <a:endParaRPr lang="en-SG"/>
           </a:p>
@@ -2089,7 +2085,7 @@
           <a:p>
             <a:fld id="{542F47FF-5056-41FF-A1F8-23A414798AA4}" type="datetimeFigureOut">
               <a:rPr lang="en-SG" smtClean="0"/>
-              <a:t>6/7/2018</a:t>
+              <a:t>1/4/2019</a:t>
             </a:fld>
             <a:endParaRPr lang="en-SG"/>
           </a:p>
@@ -2402,7 +2398,7 @@
           <a:p>
             <a:fld id="{542F47FF-5056-41FF-A1F8-23A414798AA4}" type="datetimeFigureOut">
               <a:rPr lang="en-SG" smtClean="0"/>
-              <a:t>6/7/2018</a:t>
+              <a:t>1/4/2019</a:t>
             </a:fld>
             <a:endParaRPr lang="en-SG"/>
           </a:p>
@@ -2691,7 +2687,7 @@
           <a:p>
             <a:fld id="{542F47FF-5056-41FF-A1F8-23A414798AA4}" type="datetimeFigureOut">
               <a:rPr lang="en-SG" smtClean="0"/>
-              <a:t>6/7/2018</a:t>
+              <a:t>1/4/2019</a:t>
             </a:fld>
             <a:endParaRPr lang="en-SG"/>
           </a:p>
@@ -2934,7 +2930,7 @@
           <a:p>
             <a:fld id="{542F47FF-5056-41FF-A1F8-23A414798AA4}" type="datetimeFigureOut">
               <a:rPr lang="en-SG" smtClean="0"/>
-              <a:t>6/7/2018</a:t>
+              <a:t>1/4/2019</a:t>
             </a:fld>
             <a:endParaRPr lang="en-SG"/>
           </a:p>
@@ -3656,7 +3652,7 @@
             </a:r>
             <a:r>
               <a:rPr lang="en-US" dirty="0"/>
-              <a:t>command commits address book]</a:t>
+              <a:t>command commits finance tracker]</a:t>
             </a:r>
             <a:endParaRPr lang="en-SG" sz="1801" dirty="0"/>
           </a:p>
@@ -3709,11 +3705,11 @@
             <a:pPr algn="ctr"/>
             <a:r>
               <a:rPr lang="en-SG" sz="1801" dirty="0"/>
-              <a:t>Purge redundant states and then save address book to </a:t>
+              <a:t>Purge redundant states and then save finance tracker to </a:t>
             </a:r>
             <a:r>
               <a:rPr lang="en-SG" sz="1801" dirty="0" err="1"/>
-              <a:t>addressBookStateList</a:t>
+              <a:t>financeTrackerStateList</a:t>
             </a:r>
             <a:r>
               <a:rPr lang="en-SG" sz="1801" dirty="0"/>

--- a/docs/diagrams/UndoRedoActivityDiagram.pptx
+++ b/docs/diagrams/UndoRedoActivityDiagram.pptx
@@ -112,10 +112,6 @@
 </p:presentation>
 </file>
 
-<file path=ppt/revisionInfo.xml><?xml version="1.0" encoding="utf-8"?>
-<p1510:revInfo xmlns:a="http://schemas.openxmlformats.org/drawingml/2006/main" xmlns:r="http://schemas.openxmlformats.org/officeDocument/2006/relationships" xmlns:p1510="http://schemas.microsoft.com/office/powerpoint/2015/10/main"/>
-</file>
-
 <file path=ppt/slideLayouts/slideLayout1.xml><?xml version="1.0" encoding="utf-8"?>
 <p:sldLayout xmlns:a="http://schemas.openxmlformats.org/drawingml/2006/main" xmlns:r="http://schemas.openxmlformats.org/officeDocument/2006/relationships" xmlns:p="http://schemas.openxmlformats.org/presentationml/2006/main" type="title" preserve="1">
   <p:cSld name="Title Slide">
@@ -265,7 +261,7 @@
           <a:p>
             <a:fld id="{542F47FF-5056-41FF-A1F8-23A414798AA4}" type="datetimeFigureOut">
               <a:rPr lang="en-SG" smtClean="0"/>
-              <a:t>6/7/2018</a:t>
+              <a:t>5/4/19</a:t>
             </a:fld>
             <a:endParaRPr lang="en-SG"/>
           </a:p>
@@ -465,7 +461,7 @@
           <a:p>
             <a:fld id="{542F47FF-5056-41FF-A1F8-23A414798AA4}" type="datetimeFigureOut">
               <a:rPr lang="en-SG" smtClean="0"/>
-              <a:t>6/7/2018</a:t>
+              <a:t>5/4/19</a:t>
             </a:fld>
             <a:endParaRPr lang="en-SG"/>
           </a:p>
@@ -675,7 +671,7 @@
           <a:p>
             <a:fld id="{542F47FF-5056-41FF-A1F8-23A414798AA4}" type="datetimeFigureOut">
               <a:rPr lang="en-SG" smtClean="0"/>
-              <a:t>6/7/2018</a:t>
+              <a:t>5/4/19</a:t>
             </a:fld>
             <a:endParaRPr lang="en-SG"/>
           </a:p>
@@ -875,7 +871,7 @@
           <a:p>
             <a:fld id="{542F47FF-5056-41FF-A1F8-23A414798AA4}" type="datetimeFigureOut">
               <a:rPr lang="en-SG" smtClean="0"/>
-              <a:t>6/7/2018</a:t>
+              <a:t>5/4/19</a:t>
             </a:fld>
             <a:endParaRPr lang="en-SG"/>
           </a:p>
@@ -1151,7 +1147,7 @@
           <a:p>
             <a:fld id="{542F47FF-5056-41FF-A1F8-23A414798AA4}" type="datetimeFigureOut">
               <a:rPr lang="en-SG" smtClean="0"/>
-              <a:t>6/7/2018</a:t>
+              <a:t>5/4/19</a:t>
             </a:fld>
             <a:endParaRPr lang="en-SG"/>
           </a:p>
@@ -1419,7 +1415,7 @@
           <a:p>
             <a:fld id="{542F47FF-5056-41FF-A1F8-23A414798AA4}" type="datetimeFigureOut">
               <a:rPr lang="en-SG" smtClean="0"/>
-              <a:t>6/7/2018</a:t>
+              <a:t>5/4/19</a:t>
             </a:fld>
             <a:endParaRPr lang="en-SG"/>
           </a:p>
@@ -1834,7 +1830,7 @@
           <a:p>
             <a:fld id="{542F47FF-5056-41FF-A1F8-23A414798AA4}" type="datetimeFigureOut">
               <a:rPr lang="en-SG" smtClean="0"/>
-              <a:t>6/7/2018</a:t>
+              <a:t>5/4/19</a:t>
             </a:fld>
             <a:endParaRPr lang="en-SG"/>
           </a:p>
@@ -1976,7 +1972,7 @@
           <a:p>
             <a:fld id="{542F47FF-5056-41FF-A1F8-23A414798AA4}" type="datetimeFigureOut">
               <a:rPr lang="en-SG" smtClean="0"/>
-              <a:t>6/7/2018</a:t>
+              <a:t>5/4/19</a:t>
             </a:fld>
             <a:endParaRPr lang="en-SG"/>
           </a:p>
@@ -2089,7 +2085,7 @@
           <a:p>
             <a:fld id="{542F47FF-5056-41FF-A1F8-23A414798AA4}" type="datetimeFigureOut">
               <a:rPr lang="en-SG" smtClean="0"/>
-              <a:t>6/7/2018</a:t>
+              <a:t>5/4/19</a:t>
             </a:fld>
             <a:endParaRPr lang="en-SG"/>
           </a:p>
@@ -2402,7 +2398,7 @@
           <a:p>
             <a:fld id="{542F47FF-5056-41FF-A1F8-23A414798AA4}" type="datetimeFigureOut">
               <a:rPr lang="en-SG" smtClean="0"/>
-              <a:t>6/7/2018</a:t>
+              <a:t>5/4/19</a:t>
             </a:fld>
             <a:endParaRPr lang="en-SG"/>
           </a:p>
@@ -2691,7 +2687,7 @@
           <a:p>
             <a:fld id="{542F47FF-5056-41FF-A1F8-23A414798AA4}" type="datetimeFigureOut">
               <a:rPr lang="en-SG" smtClean="0"/>
-              <a:t>6/7/2018</a:t>
+              <a:t>5/4/19</a:t>
             </a:fld>
             <a:endParaRPr lang="en-SG"/>
           </a:p>
@@ -2934,7 +2930,7 @@
           <a:p>
             <a:fld id="{542F47FF-5056-41FF-A1F8-23A414798AA4}" type="datetimeFigureOut">
               <a:rPr lang="en-SG" smtClean="0"/>
-              <a:t>6/7/2018</a:t>
+              <a:t>5/4/19</a:t>
             </a:fld>
             <a:endParaRPr lang="en-SG"/>
           </a:p>
@@ -3656,7 +3652,7 @@
             </a:r>
             <a:r>
               <a:rPr lang="en-US" dirty="0"/>
-              <a:t>command commits address book]</a:t>
+              <a:t>command commits food diary]</a:t>
             </a:r>
             <a:endParaRPr lang="en-SG" sz="1801" dirty="0"/>
           </a:p>
@@ -3709,11 +3705,11 @@
             <a:pPr algn="ctr"/>
             <a:r>
               <a:rPr lang="en-SG" sz="1801" dirty="0"/>
-              <a:t>Purge redundant states and then save address book to </a:t>
+              <a:t>Purge redundant states and then save food diary to </a:t>
             </a:r>
             <a:r>
               <a:rPr lang="en-SG" sz="1801" dirty="0" err="1"/>
-              <a:t>addressBookStateList</a:t>
+              <a:t>foodDiaryStateList</a:t>
             </a:r>
             <a:r>
               <a:rPr lang="en-SG" sz="1801" dirty="0"/>

--- a/docs/diagrams/UndoRedoActivityDiagram.pptx
+++ b/docs/diagrams/UndoRedoActivityDiagram.pptx
@@ -112,10 +112,6 @@
 </p:presentation>
 </file>
 
-<file path=ppt/revisionInfo.xml><?xml version="1.0" encoding="utf-8"?>
-<p1510:revInfo xmlns:a="http://schemas.openxmlformats.org/drawingml/2006/main" xmlns:r="http://schemas.openxmlformats.org/officeDocument/2006/relationships" xmlns:p1510="http://schemas.microsoft.com/office/powerpoint/2015/10/main"/>
-</file>
-
 <file path=ppt/slideLayouts/slideLayout1.xml><?xml version="1.0" encoding="utf-8"?>
 <p:sldLayout xmlns:a="http://schemas.openxmlformats.org/drawingml/2006/main" xmlns:r="http://schemas.openxmlformats.org/officeDocument/2006/relationships" xmlns:p="http://schemas.openxmlformats.org/presentationml/2006/main" type="title" preserve="1">
   <p:cSld name="Title Slide">
@@ -265,7 +261,7 @@
           <a:p>
             <a:fld id="{542F47FF-5056-41FF-A1F8-23A414798AA4}" type="datetimeFigureOut">
               <a:rPr lang="en-SG" smtClean="0"/>
-              <a:t>6/7/2018</a:t>
+              <a:t>13/4/2019</a:t>
             </a:fld>
             <a:endParaRPr lang="en-SG"/>
           </a:p>
@@ -465,7 +461,7 @@
           <a:p>
             <a:fld id="{542F47FF-5056-41FF-A1F8-23A414798AA4}" type="datetimeFigureOut">
               <a:rPr lang="en-SG" smtClean="0"/>
-              <a:t>6/7/2018</a:t>
+              <a:t>13/4/2019</a:t>
             </a:fld>
             <a:endParaRPr lang="en-SG"/>
           </a:p>
@@ -675,7 +671,7 @@
           <a:p>
             <a:fld id="{542F47FF-5056-41FF-A1F8-23A414798AA4}" type="datetimeFigureOut">
               <a:rPr lang="en-SG" smtClean="0"/>
-              <a:t>6/7/2018</a:t>
+              <a:t>13/4/2019</a:t>
             </a:fld>
             <a:endParaRPr lang="en-SG"/>
           </a:p>
@@ -875,7 +871,7 @@
           <a:p>
             <a:fld id="{542F47FF-5056-41FF-A1F8-23A414798AA4}" type="datetimeFigureOut">
               <a:rPr lang="en-SG" smtClean="0"/>
-              <a:t>6/7/2018</a:t>
+              <a:t>13/4/2019</a:t>
             </a:fld>
             <a:endParaRPr lang="en-SG"/>
           </a:p>
@@ -1151,7 +1147,7 @@
           <a:p>
             <a:fld id="{542F47FF-5056-41FF-A1F8-23A414798AA4}" type="datetimeFigureOut">
               <a:rPr lang="en-SG" smtClean="0"/>
-              <a:t>6/7/2018</a:t>
+              <a:t>13/4/2019</a:t>
             </a:fld>
             <a:endParaRPr lang="en-SG"/>
           </a:p>
@@ -1419,7 +1415,7 @@
           <a:p>
             <a:fld id="{542F47FF-5056-41FF-A1F8-23A414798AA4}" type="datetimeFigureOut">
               <a:rPr lang="en-SG" smtClean="0"/>
-              <a:t>6/7/2018</a:t>
+              <a:t>13/4/2019</a:t>
             </a:fld>
             <a:endParaRPr lang="en-SG"/>
           </a:p>
@@ -1834,7 +1830,7 @@
           <a:p>
             <a:fld id="{542F47FF-5056-41FF-A1F8-23A414798AA4}" type="datetimeFigureOut">
               <a:rPr lang="en-SG" smtClean="0"/>
-              <a:t>6/7/2018</a:t>
+              <a:t>13/4/2019</a:t>
             </a:fld>
             <a:endParaRPr lang="en-SG"/>
           </a:p>
@@ -1976,7 +1972,7 @@
           <a:p>
             <a:fld id="{542F47FF-5056-41FF-A1F8-23A414798AA4}" type="datetimeFigureOut">
               <a:rPr lang="en-SG" smtClean="0"/>
-              <a:t>6/7/2018</a:t>
+              <a:t>13/4/2019</a:t>
             </a:fld>
             <a:endParaRPr lang="en-SG"/>
           </a:p>
@@ -2089,7 +2085,7 @@
           <a:p>
             <a:fld id="{542F47FF-5056-41FF-A1F8-23A414798AA4}" type="datetimeFigureOut">
               <a:rPr lang="en-SG" smtClean="0"/>
-              <a:t>6/7/2018</a:t>
+              <a:t>13/4/2019</a:t>
             </a:fld>
             <a:endParaRPr lang="en-SG"/>
           </a:p>
@@ -2402,7 +2398,7 @@
           <a:p>
             <a:fld id="{542F47FF-5056-41FF-A1F8-23A414798AA4}" type="datetimeFigureOut">
               <a:rPr lang="en-SG" smtClean="0"/>
-              <a:t>6/7/2018</a:t>
+              <a:t>13/4/2019</a:t>
             </a:fld>
             <a:endParaRPr lang="en-SG"/>
           </a:p>
@@ -2691,7 +2687,7 @@
           <a:p>
             <a:fld id="{542F47FF-5056-41FF-A1F8-23A414798AA4}" type="datetimeFigureOut">
               <a:rPr lang="en-SG" smtClean="0"/>
-              <a:t>6/7/2018</a:t>
+              <a:t>13/4/2019</a:t>
             </a:fld>
             <a:endParaRPr lang="en-SG"/>
           </a:p>
@@ -2934,7 +2930,7 @@
           <a:p>
             <a:fld id="{542F47FF-5056-41FF-A1F8-23A414798AA4}" type="datetimeFigureOut">
               <a:rPr lang="en-SG" smtClean="0"/>
-              <a:t>6/7/2018</a:t>
+              <a:t>13/4/2019</a:t>
             </a:fld>
             <a:endParaRPr lang="en-SG"/>
           </a:p>
@@ -3709,15 +3705,7 @@
             <a:pPr algn="ctr"/>
             <a:r>
               <a:rPr lang="en-SG" sz="1801" dirty="0"/>
-              <a:t>Purge redundant states and then save address book to </a:t>
-            </a:r>
-            <a:r>
-              <a:rPr lang="en-SG" sz="1801" dirty="0" err="1"/>
-              <a:t>addressBookStateList</a:t>
-            </a:r>
-            <a:r>
-              <a:rPr lang="en-SG" sz="1801" dirty="0"/>
-              <a:t> </a:t>
+              <a:t>Purge redundant states and then save address book to EquipmentManagerStateList </a:t>
             </a:r>
           </a:p>
         </p:txBody>
